--- a/Monitorok.pptx
+++ b/Monitorok.pptx
@@ -6,12 +6,13 @@
   </p:sldMasterIdLst>
   <p:sldIdLst>
     <p:sldId id="256" r:id="rId2"/>
-    <p:sldId id="257" r:id="rId3"/>
-    <p:sldId id="258" r:id="rId4"/>
-    <p:sldId id="259" r:id="rId5"/>
-    <p:sldId id="260" r:id="rId6"/>
-    <p:sldId id="261" r:id="rId7"/>
-    <p:sldId id="262" r:id="rId8"/>
+    <p:sldId id="258" r:id="rId3"/>
+    <p:sldId id="260" r:id="rId4"/>
+    <p:sldId id="263" r:id="rId5"/>
+    <p:sldId id="261" r:id="rId6"/>
+    <p:sldId id="262" r:id="rId7"/>
+    <p:sldId id="264" r:id="rId8"/>
+    <p:sldId id="265" r:id="rId9"/>
   </p:sldIdLst>
   <p:sldSz cx="12192000" cy="6858000"/>
   <p:notesSz cx="6858000" cy="9144000"/>
@@ -304,7 +305,7 @@
           <a:p>
             <a:fld id="{4AAD347D-5ACD-4C99-B74B-A9C85AD731AF}" type="datetimeFigureOut">
               <a:rPr lang="en-US" dirty="0"/>
-              <a:t>9/12/2022</a:t>
+              <a:t>9/14/2022</a:t>
             </a:fld>
             <a:endParaRPr lang="en-US" dirty="0"/>
           </a:p>
@@ -574,7 +575,7 @@
           <a:p>
             <a:fld id="{4509A250-FF31-4206-8172-F9D3106AACB1}" type="datetimeFigureOut">
               <a:rPr lang="en-US" dirty="0"/>
-              <a:t>9/12/2022</a:t>
+              <a:t>9/14/2022</a:t>
             </a:fld>
             <a:endParaRPr lang="en-US" dirty="0"/>
           </a:p>
@@ -763,7 +764,7 @@
           <a:p>
             <a:fld id="{4509A250-FF31-4206-8172-F9D3106AACB1}" type="datetimeFigureOut">
               <a:rPr lang="en-US" dirty="0"/>
-              <a:t>9/12/2022</a:t>
+              <a:t>9/14/2022</a:t>
             </a:fld>
             <a:endParaRPr lang="en-US" dirty="0"/>
           </a:p>
@@ -1031,7 +1032,7 @@
           <a:p>
             <a:fld id="{4509A250-FF31-4206-8172-F9D3106AACB1}" type="datetimeFigureOut">
               <a:rPr lang="en-US" dirty="0"/>
-              <a:t>9/12/2022</a:t>
+              <a:t>9/14/2022</a:t>
             </a:fld>
             <a:endParaRPr lang="en-US" dirty="0"/>
           </a:p>
@@ -1367,7 +1368,7 @@
           <a:p>
             <a:fld id="{4509A250-FF31-4206-8172-F9D3106AACB1}" type="datetimeFigureOut">
               <a:rPr lang="en-US" dirty="0"/>
-              <a:t>9/12/2022</a:t>
+              <a:t>9/14/2022</a:t>
             </a:fld>
             <a:endParaRPr lang="en-US" dirty="0"/>
           </a:p>
@@ -1985,7 +1986,7 @@
           <a:p>
             <a:fld id="{4509A250-FF31-4206-8172-F9D3106AACB1}" type="datetimeFigureOut">
               <a:rPr lang="en-US" dirty="0"/>
-              <a:t>9/12/2022</a:t>
+              <a:t>9/14/2022</a:t>
             </a:fld>
             <a:endParaRPr lang="en-US" dirty="0"/>
           </a:p>
@@ -2840,7 +2841,7 @@
           <a:p>
             <a:fld id="{4509A250-FF31-4206-8172-F9D3106AACB1}" type="datetimeFigureOut">
               <a:rPr lang="en-US" dirty="0"/>
-              <a:t>9/12/2022</a:t>
+              <a:t>9/14/2022</a:t>
             </a:fld>
             <a:endParaRPr lang="en-US" dirty="0"/>
           </a:p>
@@ -3005,7 +3006,7 @@
           <a:p>
             <a:fld id="{4509A250-FF31-4206-8172-F9D3106AACB1}" type="datetimeFigureOut">
               <a:rPr lang="en-US" dirty="0"/>
-              <a:t>9/12/2022</a:t>
+              <a:t>9/14/2022</a:t>
             </a:fld>
             <a:endParaRPr lang="en-US" dirty="0"/>
           </a:p>
@@ -3180,7 +3181,7 @@
           <a:p>
             <a:fld id="{4509A250-FF31-4206-8172-F9D3106AACB1}" type="datetimeFigureOut">
               <a:rPr lang="en-US" dirty="0"/>
-              <a:t>9/12/2022</a:t>
+              <a:t>9/14/2022</a:t>
             </a:fld>
             <a:endParaRPr lang="en-US" dirty="0"/>
           </a:p>
@@ -3345,7 +3346,7 @@
           <a:p>
             <a:fld id="{4509A250-FF31-4206-8172-F9D3106AACB1}" type="datetimeFigureOut">
               <a:rPr lang="en-US" dirty="0"/>
-              <a:t>9/12/2022</a:t>
+              <a:t>9/14/2022</a:t>
             </a:fld>
             <a:endParaRPr lang="en-US" dirty="0"/>
           </a:p>
@@ -3587,7 +3588,7 @@
           <a:p>
             <a:fld id="{9796027F-7875-4030-9381-8BD8C4F21935}" type="datetimeFigureOut">
               <a:rPr lang="en-US" dirty="0"/>
-              <a:t>9/12/2022</a:t>
+              <a:t>9/14/2022</a:t>
             </a:fld>
             <a:endParaRPr lang="en-US" dirty="0"/>
           </a:p>
@@ -3874,7 +3875,7 @@
           <a:p>
             <a:fld id="{9796027F-7875-4030-9381-8BD8C4F21935}" type="datetimeFigureOut">
               <a:rPr lang="en-US" dirty="0"/>
-              <a:t>9/12/2022</a:t>
+              <a:t>9/14/2022</a:t>
             </a:fld>
             <a:endParaRPr lang="en-US" dirty="0"/>
           </a:p>
@@ -4313,7 +4314,7 @@
           <a:p>
             <a:fld id="{9796027F-7875-4030-9381-8BD8C4F21935}" type="datetimeFigureOut">
               <a:rPr lang="en-US" dirty="0"/>
-              <a:t>9/12/2022</a:t>
+              <a:t>9/14/2022</a:t>
             </a:fld>
             <a:endParaRPr lang="en-US" dirty="0"/>
           </a:p>
@@ -4426,7 +4427,7 @@
           <a:p>
             <a:fld id="{4509A250-FF31-4206-8172-F9D3106AACB1}" type="datetimeFigureOut">
               <a:rPr lang="en-US" dirty="0"/>
-              <a:t>9/12/2022</a:t>
+              <a:t>9/14/2022</a:t>
             </a:fld>
             <a:endParaRPr lang="en-US" dirty="0"/>
           </a:p>
@@ -4516,7 +4517,7 @@
           <a:p>
             <a:fld id="{4509A250-FF31-4206-8172-F9D3106AACB1}" type="datetimeFigureOut">
               <a:rPr lang="en-US" dirty="0"/>
-              <a:t>9/12/2022</a:t>
+              <a:t>9/14/2022</a:t>
             </a:fld>
             <a:endParaRPr lang="en-US" dirty="0"/>
           </a:p>
@@ -4790,7 +4791,7 @@
           <a:p>
             <a:fld id="{4509A250-FF31-4206-8172-F9D3106AACB1}" type="datetimeFigureOut">
               <a:rPr lang="en-US" dirty="0"/>
-              <a:t>9/12/2022</a:t>
+              <a:t>9/14/2022</a:t>
             </a:fld>
             <a:endParaRPr lang="en-US" dirty="0"/>
           </a:p>
@@ -5060,7 +5061,7 @@
           <a:p>
             <a:fld id="{4509A250-FF31-4206-8172-F9D3106AACB1}" type="datetimeFigureOut">
               <a:rPr lang="en-US" dirty="0"/>
-              <a:t>9/12/2022</a:t>
+              <a:t>9/14/2022</a:t>
             </a:fld>
             <a:endParaRPr lang="en-US" dirty="0"/>
           </a:p>
@@ -5484,7 +5485,7 @@
           <a:p>
             <a:fld id="{4AAD347D-5ACD-4C99-B74B-A9C85AD731AF}" type="datetimeFigureOut">
               <a:rPr lang="en-US" dirty="0"/>
-              <a:t>9/12/2022</a:t>
+              <a:t>9/14/2022</a:t>
             </a:fld>
             <a:endParaRPr lang="en-US" dirty="0"/>
           </a:p>
@@ -6020,8 +6021,8 @@
         </p:nvSpPr>
         <p:spPr>
           <a:xfrm>
-            <a:off x="3457888" y="863600"/>
-            <a:ext cx="4619312" cy="1492314"/>
+            <a:off x="2221436" y="1799063"/>
+            <a:ext cx="7406227" cy="842537"/>
           </a:xfrm>
         </p:spPr>
         <p:txBody>
@@ -6029,10 +6030,10 @@
           <a:lstStyle/>
           <a:p>
             <a:r>
-              <a:rPr lang="hu-HU" dirty="0" smtClean="0"/>
-              <a:t>Monitorok</a:t>
-            </a:r>
-            <a:endParaRPr lang="hu-HU" dirty="0"/>
+              <a:rPr lang="hu-HU" sz="6600" dirty="0" smtClean="0"/>
+              <a:t>Gamer Monitorok</a:t>
+            </a:r>
+            <a:endParaRPr lang="hu-HU" sz="6600" dirty="0"/>
           </a:p>
         </p:txBody>
       </p:sp>
@@ -6063,6 +6064,16 @@
           <a:prstGeom prst="rect">
             <a:avLst/>
           </a:prstGeom>
+          <a:ln>
+            <a:noFill/>
+          </a:ln>
+          <a:effectLst>
+            <a:outerShdw blurRad="292100" dist="139700" dir="2700000" algn="tl" rotWithShape="0">
+              <a:srgbClr val="333333">
+                <a:alpha val="65000"/>
+              </a:srgbClr>
+            </a:outerShdw>
+          </a:effectLst>
         </p:spPr>
       </p:pic>
     </p:spTree>
@@ -6075,6 +6086,145 @@
   <p:clrMapOvr>
     <a:masterClrMapping/>
   </p:clrMapOvr>
+  <p:timing>
+    <p:tnLst>
+      <p:par>
+        <p:cTn id="1" dur="indefinite" restart="never" nodeType="tmRoot">
+          <p:childTnLst>
+            <p:seq concurrent="1" nextAc="seek">
+              <p:cTn id="2" dur="indefinite" nodeType="mainSeq">
+                <p:childTnLst>
+                  <p:par>
+                    <p:cTn id="3" fill="hold">
+                      <p:stCondLst>
+                        <p:cond delay="indefinite"/>
+                      </p:stCondLst>
+                      <p:childTnLst>
+                        <p:par>
+                          <p:cTn id="4" fill="hold">
+                            <p:stCondLst>
+                              <p:cond delay="0"/>
+                            </p:stCondLst>
+                            <p:childTnLst>
+                              <p:par>
+                                <p:cTn id="5" presetID="10" presetClass="entr" presetSubtype="0" fill="hold" grpId="0" nodeType="clickEffect">
+                                  <p:stCondLst>
+                                    <p:cond delay="0"/>
+                                  </p:stCondLst>
+                                  <p:childTnLst>
+                                    <p:set>
+                                      <p:cBhvr>
+                                        <p:cTn id="6" dur="1" fill="hold">
+                                          <p:stCondLst>
+                                            <p:cond delay="0"/>
+                                          </p:stCondLst>
+                                        </p:cTn>
+                                        <p:tgtEl>
+                                          <p:spTgt spid="2"/>
+                                        </p:tgtEl>
+                                        <p:attrNameLst>
+                                          <p:attrName>style.visibility</p:attrName>
+                                        </p:attrNameLst>
+                                      </p:cBhvr>
+                                      <p:to>
+                                        <p:strVal val="visible"/>
+                                      </p:to>
+                                    </p:set>
+                                    <p:animEffect transition="in" filter="fade">
+                                      <p:cBhvr>
+                                        <p:cTn id="7" dur="500"/>
+                                        <p:tgtEl>
+                                          <p:spTgt spid="2"/>
+                                        </p:tgtEl>
+                                      </p:cBhvr>
+                                    </p:animEffect>
+                                  </p:childTnLst>
+                                </p:cTn>
+                              </p:par>
+                            </p:childTnLst>
+                          </p:cTn>
+                        </p:par>
+                      </p:childTnLst>
+                    </p:cTn>
+                  </p:par>
+                  <p:par>
+                    <p:cTn id="8" fill="hold">
+                      <p:stCondLst>
+                        <p:cond delay="indefinite"/>
+                      </p:stCondLst>
+                      <p:childTnLst>
+                        <p:par>
+                          <p:cTn id="9" fill="hold">
+                            <p:stCondLst>
+                              <p:cond delay="0"/>
+                            </p:stCondLst>
+                            <p:childTnLst>
+                              <p:par>
+                                <p:cTn id="10" presetID="10" presetClass="entr" presetSubtype="0" fill="hold" nodeType="clickEffect">
+                                  <p:stCondLst>
+                                    <p:cond delay="0"/>
+                                  </p:stCondLst>
+                                  <p:childTnLst>
+                                    <p:set>
+                                      <p:cBhvr>
+                                        <p:cTn id="11" dur="1" fill="hold">
+                                          <p:stCondLst>
+                                            <p:cond delay="0"/>
+                                          </p:stCondLst>
+                                        </p:cTn>
+                                        <p:tgtEl>
+                                          <p:spTgt spid="8"/>
+                                        </p:tgtEl>
+                                        <p:attrNameLst>
+                                          <p:attrName>style.visibility</p:attrName>
+                                        </p:attrNameLst>
+                                      </p:cBhvr>
+                                      <p:to>
+                                        <p:strVal val="visible"/>
+                                      </p:to>
+                                    </p:set>
+                                    <p:animEffect transition="in" filter="fade">
+                                      <p:cBhvr>
+                                        <p:cTn id="12" dur="500"/>
+                                        <p:tgtEl>
+                                          <p:spTgt spid="8"/>
+                                        </p:tgtEl>
+                                      </p:cBhvr>
+                                    </p:animEffect>
+                                  </p:childTnLst>
+                                </p:cTn>
+                              </p:par>
+                            </p:childTnLst>
+                          </p:cTn>
+                        </p:par>
+                      </p:childTnLst>
+                    </p:cTn>
+                  </p:par>
+                </p:childTnLst>
+              </p:cTn>
+              <p:prevCondLst>
+                <p:cond evt="onPrev" delay="0">
+                  <p:tgtEl>
+                    <p:sldTgt/>
+                  </p:tgtEl>
+                </p:cond>
+              </p:prevCondLst>
+              <p:nextCondLst>
+                <p:cond evt="onNext" delay="0">
+                  <p:tgtEl>
+                    <p:sldTgt/>
+                  </p:tgtEl>
+                </p:cond>
+              </p:nextCondLst>
+            </p:seq>
+          </p:childTnLst>
+        </p:cTn>
+      </p:par>
+    </p:tnLst>
+    <p:bldLst>
+      <p:bldP spid="2" grpId="0"/>
+    </p:bldLst>
+  </p:timing>
 </p:sld>
 </file>
 
@@ -6112,7 +6262,7 @@
           <a:p>
             <a:r>
               <a:rPr lang="hu-HU" dirty="0" smtClean="0"/>
-              <a:t>Monitor feladata</a:t>
+              <a:t>Monitor panelfajták</a:t>
             </a:r>
             <a:endParaRPr lang="hu-HU" dirty="0"/>
           </a:p>
@@ -6133,20 +6283,422 @@
           <a:bodyPr/>
           <a:lstStyle/>
           <a:p>
-            <a:endParaRPr lang="hu-HU"/>
-          </a:p>
-        </p:txBody>
-      </p:sp>
+            <a:r>
+              <a:rPr lang="hu-HU" dirty="0" smtClean="0"/>
+              <a:t>IPS</a:t>
+            </a:r>
+          </a:p>
+          <a:p>
+            <a:r>
+              <a:rPr lang="hu-HU" dirty="0" smtClean="0"/>
+              <a:t>VA</a:t>
+            </a:r>
+          </a:p>
+          <a:p>
+            <a:r>
+              <a:rPr lang="hu-HU" dirty="0" smtClean="0"/>
+              <a:t>TN</a:t>
+            </a:r>
+          </a:p>
+          <a:p>
+            <a:r>
+              <a:rPr lang="hu-HU" dirty="0" smtClean="0"/>
+              <a:t>OLED</a:t>
+            </a:r>
+          </a:p>
+          <a:p>
+            <a:endParaRPr lang="hu-HU" dirty="0"/>
+          </a:p>
+        </p:txBody>
+      </p:sp>
+      <p:pic>
+        <p:nvPicPr>
+          <p:cNvPr id="1026" name="Picture 2" descr="IPS, VA vagy TN? - Minden, amit az LCD kijelzőkről tudnod kell"/>
+          <p:cNvPicPr>
+            <a:picLocks noChangeAspect="1" noChangeArrowheads="1"/>
+          </p:cNvPicPr>
+          <p:nvPr/>
+        </p:nvPicPr>
+        <p:blipFill rotWithShape="1">
+          <a:blip r:embed="rId2">
+            <a:extLst>
+              <a:ext uri="{28A0092B-C50C-407E-A947-70E740481C1C}">
+                <a14:useLocalDpi xmlns:a14="http://schemas.microsoft.com/office/drawing/2010/main" val="0"/>
+              </a:ext>
+            </a:extLst>
+          </a:blip>
+          <a:srcRect l="7361" t="212" r="7741" b="3907"/>
+          <a:stretch/>
+        </p:blipFill>
+        <p:spPr bwMode="auto">
+          <a:xfrm>
+            <a:off x="6093055" y="1655912"/>
+            <a:ext cx="5687121" cy="3912777"/>
+          </a:xfrm>
+          <a:prstGeom prst="rect">
+            <a:avLst/>
+          </a:prstGeom>
+          <a:ln>
+            <a:noFill/>
+          </a:ln>
+          <a:effectLst>
+            <a:outerShdw blurRad="292100" dist="139700" dir="2700000" algn="tl" rotWithShape="0">
+              <a:srgbClr val="333333">
+                <a:alpha val="65000"/>
+              </a:srgbClr>
+            </a:outerShdw>
+          </a:effectLst>
+          <a:extLst>
+            <a:ext uri="{909E8E84-426E-40DD-AFC4-6F175D3DCCD1}">
+              <a14:hiddenFill xmlns:a14="http://schemas.microsoft.com/office/drawing/2010/main">
+                <a:solidFill>
+                  <a:srgbClr val="FFFFFF"/>
+                </a:solidFill>
+              </a14:hiddenFill>
+            </a:ext>
+          </a:extLst>
+        </p:spPr>
+      </p:pic>
     </p:spTree>
     <p:extLst>
       <p:ext uri="{BB962C8B-B14F-4D97-AF65-F5344CB8AC3E}">
-        <p14:creationId xmlns:p14="http://schemas.microsoft.com/office/powerpoint/2010/main" val="1818004075"/>
+        <p14:creationId xmlns:p14="http://schemas.microsoft.com/office/powerpoint/2010/main" val="2659064262"/>
       </p:ext>
     </p:extLst>
   </p:cSld>
   <p:clrMapOvr>
     <a:masterClrMapping/>
   </p:clrMapOvr>
+  <p:timing>
+    <p:tnLst>
+      <p:par>
+        <p:cTn id="1" dur="indefinite" restart="never" nodeType="tmRoot">
+          <p:childTnLst>
+            <p:seq concurrent="1" nextAc="seek">
+              <p:cTn id="2" dur="indefinite" nodeType="mainSeq">
+                <p:childTnLst>
+                  <p:par>
+                    <p:cTn id="3" fill="hold">
+                      <p:stCondLst>
+                        <p:cond delay="indefinite"/>
+                      </p:stCondLst>
+                      <p:childTnLst>
+                        <p:par>
+                          <p:cTn id="4" fill="hold">
+                            <p:stCondLst>
+                              <p:cond delay="0"/>
+                            </p:stCondLst>
+                            <p:childTnLst>
+                              <p:par>
+                                <p:cTn id="5" presetID="10" presetClass="entr" presetSubtype="0" fill="hold" grpId="0" nodeType="clickEffect">
+                                  <p:stCondLst>
+                                    <p:cond delay="0"/>
+                                  </p:stCondLst>
+                                  <p:childTnLst>
+                                    <p:set>
+                                      <p:cBhvr>
+                                        <p:cTn id="6" dur="1" fill="hold">
+                                          <p:stCondLst>
+                                            <p:cond delay="0"/>
+                                          </p:stCondLst>
+                                        </p:cTn>
+                                        <p:tgtEl>
+                                          <p:spTgt spid="3">
+                                            <p:txEl>
+                                              <p:pRg st="0" end="0"/>
+                                            </p:txEl>
+                                          </p:spTgt>
+                                        </p:tgtEl>
+                                        <p:attrNameLst>
+                                          <p:attrName>style.visibility</p:attrName>
+                                        </p:attrNameLst>
+                                      </p:cBhvr>
+                                      <p:to>
+                                        <p:strVal val="visible"/>
+                                      </p:to>
+                                    </p:set>
+                                    <p:animEffect transition="in" filter="fade">
+                                      <p:cBhvr>
+                                        <p:cTn id="7" dur="500"/>
+                                        <p:tgtEl>
+                                          <p:spTgt spid="3">
+                                            <p:txEl>
+                                              <p:pRg st="0" end="0"/>
+                                            </p:txEl>
+                                          </p:spTgt>
+                                        </p:tgtEl>
+                                      </p:cBhvr>
+                                    </p:animEffect>
+                                  </p:childTnLst>
+                                </p:cTn>
+                              </p:par>
+                            </p:childTnLst>
+                          </p:cTn>
+                        </p:par>
+                      </p:childTnLst>
+                    </p:cTn>
+                  </p:par>
+                  <p:par>
+                    <p:cTn id="8" fill="hold">
+                      <p:stCondLst>
+                        <p:cond delay="indefinite"/>
+                      </p:stCondLst>
+                      <p:childTnLst>
+                        <p:par>
+                          <p:cTn id="9" fill="hold">
+                            <p:stCondLst>
+                              <p:cond delay="0"/>
+                            </p:stCondLst>
+                            <p:childTnLst>
+                              <p:par>
+                                <p:cTn id="10" presetID="10" presetClass="entr" presetSubtype="0" fill="hold" grpId="0" nodeType="clickEffect">
+                                  <p:stCondLst>
+                                    <p:cond delay="0"/>
+                                  </p:stCondLst>
+                                  <p:childTnLst>
+                                    <p:set>
+                                      <p:cBhvr>
+                                        <p:cTn id="11" dur="1" fill="hold">
+                                          <p:stCondLst>
+                                            <p:cond delay="0"/>
+                                          </p:stCondLst>
+                                        </p:cTn>
+                                        <p:tgtEl>
+                                          <p:spTgt spid="3">
+                                            <p:txEl>
+                                              <p:pRg st="1" end="1"/>
+                                            </p:txEl>
+                                          </p:spTgt>
+                                        </p:tgtEl>
+                                        <p:attrNameLst>
+                                          <p:attrName>style.visibility</p:attrName>
+                                        </p:attrNameLst>
+                                      </p:cBhvr>
+                                      <p:to>
+                                        <p:strVal val="visible"/>
+                                      </p:to>
+                                    </p:set>
+                                    <p:animEffect transition="in" filter="fade">
+                                      <p:cBhvr>
+                                        <p:cTn id="12" dur="500"/>
+                                        <p:tgtEl>
+                                          <p:spTgt spid="3">
+                                            <p:txEl>
+                                              <p:pRg st="1" end="1"/>
+                                            </p:txEl>
+                                          </p:spTgt>
+                                        </p:tgtEl>
+                                      </p:cBhvr>
+                                    </p:animEffect>
+                                  </p:childTnLst>
+                                </p:cTn>
+                              </p:par>
+                            </p:childTnLst>
+                          </p:cTn>
+                        </p:par>
+                      </p:childTnLst>
+                    </p:cTn>
+                  </p:par>
+                  <p:par>
+                    <p:cTn id="13" fill="hold">
+                      <p:stCondLst>
+                        <p:cond delay="indefinite"/>
+                      </p:stCondLst>
+                      <p:childTnLst>
+                        <p:par>
+                          <p:cTn id="14" fill="hold">
+                            <p:stCondLst>
+                              <p:cond delay="0"/>
+                            </p:stCondLst>
+                            <p:childTnLst>
+                              <p:par>
+                                <p:cTn id="15" presetID="10" presetClass="entr" presetSubtype="0" fill="hold" grpId="0" nodeType="clickEffect">
+                                  <p:stCondLst>
+                                    <p:cond delay="0"/>
+                                  </p:stCondLst>
+                                  <p:childTnLst>
+                                    <p:set>
+                                      <p:cBhvr>
+                                        <p:cTn id="16" dur="1" fill="hold">
+                                          <p:stCondLst>
+                                            <p:cond delay="0"/>
+                                          </p:stCondLst>
+                                        </p:cTn>
+                                        <p:tgtEl>
+                                          <p:spTgt spid="3">
+                                            <p:txEl>
+                                              <p:pRg st="2" end="2"/>
+                                            </p:txEl>
+                                          </p:spTgt>
+                                        </p:tgtEl>
+                                        <p:attrNameLst>
+                                          <p:attrName>style.visibility</p:attrName>
+                                        </p:attrNameLst>
+                                      </p:cBhvr>
+                                      <p:to>
+                                        <p:strVal val="visible"/>
+                                      </p:to>
+                                    </p:set>
+                                    <p:animEffect transition="in" filter="fade">
+                                      <p:cBhvr>
+                                        <p:cTn id="17" dur="500"/>
+                                        <p:tgtEl>
+                                          <p:spTgt spid="3">
+                                            <p:txEl>
+                                              <p:pRg st="2" end="2"/>
+                                            </p:txEl>
+                                          </p:spTgt>
+                                        </p:tgtEl>
+                                      </p:cBhvr>
+                                    </p:animEffect>
+                                  </p:childTnLst>
+                                </p:cTn>
+                              </p:par>
+                            </p:childTnLst>
+                          </p:cTn>
+                        </p:par>
+                      </p:childTnLst>
+                    </p:cTn>
+                  </p:par>
+                  <p:par>
+                    <p:cTn id="18" fill="hold">
+                      <p:stCondLst>
+                        <p:cond delay="indefinite"/>
+                      </p:stCondLst>
+                      <p:childTnLst>
+                        <p:par>
+                          <p:cTn id="19" fill="hold">
+                            <p:stCondLst>
+                              <p:cond delay="0"/>
+                            </p:stCondLst>
+                            <p:childTnLst>
+                              <p:par>
+                                <p:cTn id="20" presetID="10" presetClass="entr" presetSubtype="0" fill="hold" grpId="0" nodeType="clickEffect">
+                                  <p:stCondLst>
+                                    <p:cond delay="0"/>
+                                  </p:stCondLst>
+                                  <p:childTnLst>
+                                    <p:set>
+                                      <p:cBhvr>
+                                        <p:cTn id="21" dur="1" fill="hold">
+                                          <p:stCondLst>
+                                            <p:cond delay="0"/>
+                                          </p:stCondLst>
+                                        </p:cTn>
+                                        <p:tgtEl>
+                                          <p:spTgt spid="3">
+                                            <p:txEl>
+                                              <p:pRg st="3" end="3"/>
+                                            </p:txEl>
+                                          </p:spTgt>
+                                        </p:tgtEl>
+                                        <p:attrNameLst>
+                                          <p:attrName>style.visibility</p:attrName>
+                                        </p:attrNameLst>
+                                      </p:cBhvr>
+                                      <p:to>
+                                        <p:strVal val="visible"/>
+                                      </p:to>
+                                    </p:set>
+                                    <p:animEffect transition="in" filter="fade">
+                                      <p:cBhvr>
+                                        <p:cTn id="22" dur="500"/>
+                                        <p:tgtEl>
+                                          <p:spTgt spid="3">
+                                            <p:txEl>
+                                              <p:pRg st="3" end="3"/>
+                                            </p:txEl>
+                                          </p:spTgt>
+                                        </p:tgtEl>
+                                      </p:cBhvr>
+                                    </p:animEffect>
+                                  </p:childTnLst>
+                                </p:cTn>
+                              </p:par>
+                            </p:childTnLst>
+                          </p:cTn>
+                        </p:par>
+                      </p:childTnLst>
+                    </p:cTn>
+                  </p:par>
+                  <p:par>
+                    <p:cTn id="23" fill="hold">
+                      <p:stCondLst>
+                        <p:cond delay="indefinite"/>
+                      </p:stCondLst>
+                      <p:childTnLst>
+                        <p:par>
+                          <p:cTn id="24" fill="hold">
+                            <p:stCondLst>
+                              <p:cond delay="0"/>
+                            </p:stCondLst>
+                            <p:childTnLst>
+                              <p:par>
+                                <p:cTn id="25" presetID="10" presetClass="entr" presetSubtype="0" fill="hold" nodeType="clickEffect">
+                                  <p:stCondLst>
+                                    <p:cond delay="0"/>
+                                  </p:stCondLst>
+                                  <p:childTnLst>
+                                    <p:set>
+                                      <p:cBhvr>
+                                        <p:cTn id="26" dur="1" fill="hold">
+                                          <p:stCondLst>
+                                            <p:cond delay="0"/>
+                                          </p:stCondLst>
+                                        </p:cTn>
+                                        <p:tgtEl>
+                                          <p:spTgt spid="1026"/>
+                                        </p:tgtEl>
+                                        <p:attrNameLst>
+                                          <p:attrName>style.visibility</p:attrName>
+                                        </p:attrNameLst>
+                                      </p:cBhvr>
+                                      <p:to>
+                                        <p:strVal val="visible"/>
+                                      </p:to>
+                                    </p:set>
+                                    <p:animEffect transition="in" filter="fade">
+                                      <p:cBhvr>
+                                        <p:cTn id="27" dur="500"/>
+                                        <p:tgtEl>
+                                          <p:spTgt spid="1026"/>
+                                        </p:tgtEl>
+                                      </p:cBhvr>
+                                    </p:animEffect>
+                                  </p:childTnLst>
+                                </p:cTn>
+                              </p:par>
+                            </p:childTnLst>
+                          </p:cTn>
+                        </p:par>
+                      </p:childTnLst>
+                    </p:cTn>
+                  </p:par>
+                </p:childTnLst>
+              </p:cTn>
+              <p:prevCondLst>
+                <p:cond evt="onPrev" delay="0">
+                  <p:tgtEl>
+                    <p:sldTgt/>
+                  </p:tgtEl>
+                </p:cond>
+              </p:prevCondLst>
+              <p:nextCondLst>
+                <p:cond evt="onNext" delay="0">
+                  <p:tgtEl>
+                    <p:sldTgt/>
+                  </p:tgtEl>
+                </p:cond>
+              </p:nextCondLst>
+            </p:seq>
+          </p:childTnLst>
+        </p:cTn>
+      </p:par>
+    </p:tnLst>
+    <p:bldLst>
+      <p:bldP spid="3" grpId="0" build="p"/>
+    </p:bldLst>
+  </p:timing>
 </p:sld>
 </file>
 
@@ -6183,8 +6735,12 @@
           <a:lstStyle/>
           <a:p>
             <a:r>
+              <a:rPr lang="hu-HU" dirty="0"/>
+              <a:t>F</a:t>
+            </a:r>
+            <a:r>
               <a:rPr lang="hu-HU" dirty="0" smtClean="0"/>
-              <a:t>Monitor panelfajták</a:t>
+              <a:t>rissítési gyakorisága </a:t>
             </a:r>
             <a:endParaRPr lang="hu-HU" dirty="0"/>
           </a:p>
@@ -6205,20 +6761,537 @@
           <a:bodyPr/>
           <a:lstStyle/>
           <a:p>
-            <a:endParaRPr lang="hu-HU"/>
-          </a:p>
-        </p:txBody>
-      </p:sp>
+            <a:r>
+              <a:rPr lang="hu-HU" dirty="0" smtClean="0"/>
+              <a:t>60hz-max 60fps</a:t>
+            </a:r>
+          </a:p>
+          <a:p>
+            <a:r>
+              <a:rPr lang="hu-HU" dirty="0" smtClean="0"/>
+              <a:t>144hz</a:t>
+            </a:r>
+          </a:p>
+          <a:p>
+            <a:r>
+              <a:rPr lang="hu-HU" dirty="0" smtClean="0"/>
+              <a:t>165hz</a:t>
+            </a:r>
+          </a:p>
+          <a:p>
+            <a:r>
+              <a:rPr lang="hu-HU" dirty="0" smtClean="0"/>
+              <a:t>240hz</a:t>
+            </a:r>
+          </a:p>
+          <a:p>
+            <a:r>
+              <a:rPr lang="hu-HU" dirty="0" smtClean="0"/>
+              <a:t>360hz</a:t>
+            </a:r>
+            <a:endParaRPr lang="hu-HU" dirty="0"/>
+          </a:p>
+          <a:p>
+            <a:r>
+              <a:rPr lang="hu-HU" dirty="0" smtClean="0"/>
+              <a:t>500hz</a:t>
+            </a:r>
+            <a:endParaRPr lang="hu-HU" dirty="0"/>
+          </a:p>
+        </p:txBody>
+      </p:sp>
+      <p:pic>
+        <p:nvPicPr>
+          <p:cNvPr id="4" name="Kép 3"/>
+          <p:cNvPicPr>
+            <a:picLocks noChangeAspect="1"/>
+          </p:cNvPicPr>
+          <p:nvPr/>
+        </p:nvPicPr>
+        <p:blipFill>
+          <a:blip r:embed="rId2">
+            <a:extLst>
+              <a:ext uri="{28A0092B-C50C-407E-A947-70E740481C1C}">
+                <a14:useLocalDpi xmlns:a14="http://schemas.microsoft.com/office/drawing/2010/main" val="0"/>
+              </a:ext>
+            </a:extLst>
+          </a:blip>
+          <a:stretch>
+            <a:fillRect/>
+          </a:stretch>
+        </p:blipFill>
+        <p:spPr>
+          <a:xfrm>
+            <a:off x="6954644" y="1524930"/>
+            <a:ext cx="4572000" cy="2514600"/>
+          </a:xfrm>
+          <a:prstGeom prst="rect">
+            <a:avLst/>
+          </a:prstGeom>
+        </p:spPr>
+      </p:pic>
     </p:spTree>
     <p:extLst>
       <p:ext uri="{BB962C8B-B14F-4D97-AF65-F5344CB8AC3E}">
-        <p14:creationId xmlns:p14="http://schemas.microsoft.com/office/powerpoint/2010/main" val="2659064262"/>
+        <p14:creationId xmlns:p14="http://schemas.microsoft.com/office/powerpoint/2010/main" val="759364794"/>
       </p:ext>
     </p:extLst>
   </p:cSld>
   <p:clrMapOvr>
     <a:masterClrMapping/>
   </p:clrMapOvr>
+  <p:timing>
+    <p:tnLst>
+      <p:par>
+        <p:cTn id="1" dur="indefinite" restart="never" nodeType="tmRoot">
+          <p:childTnLst>
+            <p:seq concurrent="1" nextAc="seek">
+              <p:cTn id="2" dur="indefinite" nodeType="mainSeq">
+                <p:childTnLst>
+                  <p:par>
+                    <p:cTn id="3" fill="hold">
+                      <p:stCondLst>
+                        <p:cond delay="indefinite"/>
+                      </p:stCondLst>
+                      <p:childTnLst>
+                        <p:par>
+                          <p:cTn id="4" fill="hold">
+                            <p:stCondLst>
+                              <p:cond delay="0"/>
+                            </p:stCondLst>
+                            <p:childTnLst>
+                              <p:par>
+                                <p:cTn id="5" presetID="10" presetClass="entr" presetSubtype="0" fill="hold" grpId="0" nodeType="clickEffect">
+                                  <p:stCondLst>
+                                    <p:cond delay="0"/>
+                                  </p:stCondLst>
+                                  <p:childTnLst>
+                                    <p:set>
+                                      <p:cBhvr>
+                                        <p:cTn id="6" dur="1" fill="hold">
+                                          <p:stCondLst>
+                                            <p:cond delay="0"/>
+                                          </p:stCondLst>
+                                        </p:cTn>
+                                        <p:tgtEl>
+                                          <p:spTgt spid="3">
+                                            <p:txEl>
+                                              <p:pRg st="0" end="0"/>
+                                            </p:txEl>
+                                          </p:spTgt>
+                                        </p:tgtEl>
+                                        <p:attrNameLst>
+                                          <p:attrName>style.visibility</p:attrName>
+                                        </p:attrNameLst>
+                                      </p:cBhvr>
+                                      <p:to>
+                                        <p:strVal val="visible"/>
+                                      </p:to>
+                                    </p:set>
+                                    <p:animEffect transition="in" filter="fade">
+                                      <p:cBhvr>
+                                        <p:cTn id="7" dur="500"/>
+                                        <p:tgtEl>
+                                          <p:spTgt spid="3">
+                                            <p:txEl>
+                                              <p:pRg st="0" end="0"/>
+                                            </p:txEl>
+                                          </p:spTgt>
+                                        </p:tgtEl>
+                                      </p:cBhvr>
+                                    </p:animEffect>
+                                  </p:childTnLst>
+                                </p:cTn>
+                              </p:par>
+                            </p:childTnLst>
+                          </p:cTn>
+                        </p:par>
+                      </p:childTnLst>
+                    </p:cTn>
+                  </p:par>
+                  <p:par>
+                    <p:cTn id="8" fill="hold">
+                      <p:stCondLst>
+                        <p:cond delay="indefinite"/>
+                      </p:stCondLst>
+                      <p:childTnLst>
+                        <p:par>
+                          <p:cTn id="9" fill="hold">
+                            <p:stCondLst>
+                              <p:cond delay="0"/>
+                            </p:stCondLst>
+                            <p:childTnLst>
+                              <p:par>
+                                <p:cTn id="10" presetID="10" presetClass="entr" presetSubtype="0" fill="hold" grpId="0" nodeType="clickEffect">
+                                  <p:stCondLst>
+                                    <p:cond delay="0"/>
+                                  </p:stCondLst>
+                                  <p:childTnLst>
+                                    <p:set>
+                                      <p:cBhvr>
+                                        <p:cTn id="11" dur="1" fill="hold">
+                                          <p:stCondLst>
+                                            <p:cond delay="0"/>
+                                          </p:stCondLst>
+                                        </p:cTn>
+                                        <p:tgtEl>
+                                          <p:spTgt spid="3">
+                                            <p:txEl>
+                                              <p:pRg st="1" end="1"/>
+                                            </p:txEl>
+                                          </p:spTgt>
+                                        </p:tgtEl>
+                                        <p:attrNameLst>
+                                          <p:attrName>style.visibility</p:attrName>
+                                        </p:attrNameLst>
+                                      </p:cBhvr>
+                                      <p:to>
+                                        <p:strVal val="visible"/>
+                                      </p:to>
+                                    </p:set>
+                                    <p:animEffect transition="in" filter="fade">
+                                      <p:cBhvr>
+                                        <p:cTn id="12" dur="500"/>
+                                        <p:tgtEl>
+                                          <p:spTgt spid="3">
+                                            <p:txEl>
+                                              <p:pRg st="1" end="1"/>
+                                            </p:txEl>
+                                          </p:spTgt>
+                                        </p:tgtEl>
+                                      </p:cBhvr>
+                                    </p:animEffect>
+                                  </p:childTnLst>
+                                </p:cTn>
+                              </p:par>
+                            </p:childTnLst>
+                          </p:cTn>
+                        </p:par>
+                      </p:childTnLst>
+                    </p:cTn>
+                  </p:par>
+                  <p:par>
+                    <p:cTn id="13" fill="hold">
+                      <p:stCondLst>
+                        <p:cond delay="indefinite"/>
+                      </p:stCondLst>
+                      <p:childTnLst>
+                        <p:par>
+                          <p:cTn id="14" fill="hold">
+                            <p:stCondLst>
+                              <p:cond delay="0"/>
+                            </p:stCondLst>
+                            <p:childTnLst>
+                              <p:par>
+                                <p:cTn id="15" presetID="10" presetClass="entr" presetSubtype="0" fill="hold" grpId="0" nodeType="clickEffect">
+                                  <p:stCondLst>
+                                    <p:cond delay="0"/>
+                                  </p:stCondLst>
+                                  <p:childTnLst>
+                                    <p:set>
+                                      <p:cBhvr>
+                                        <p:cTn id="16" dur="1" fill="hold">
+                                          <p:stCondLst>
+                                            <p:cond delay="0"/>
+                                          </p:stCondLst>
+                                        </p:cTn>
+                                        <p:tgtEl>
+                                          <p:spTgt spid="3">
+                                            <p:txEl>
+                                              <p:pRg st="2" end="2"/>
+                                            </p:txEl>
+                                          </p:spTgt>
+                                        </p:tgtEl>
+                                        <p:attrNameLst>
+                                          <p:attrName>style.visibility</p:attrName>
+                                        </p:attrNameLst>
+                                      </p:cBhvr>
+                                      <p:to>
+                                        <p:strVal val="visible"/>
+                                      </p:to>
+                                    </p:set>
+                                    <p:animEffect transition="in" filter="fade">
+                                      <p:cBhvr>
+                                        <p:cTn id="17" dur="500"/>
+                                        <p:tgtEl>
+                                          <p:spTgt spid="3">
+                                            <p:txEl>
+                                              <p:pRg st="2" end="2"/>
+                                            </p:txEl>
+                                          </p:spTgt>
+                                        </p:tgtEl>
+                                      </p:cBhvr>
+                                    </p:animEffect>
+                                  </p:childTnLst>
+                                </p:cTn>
+                              </p:par>
+                            </p:childTnLst>
+                          </p:cTn>
+                        </p:par>
+                      </p:childTnLst>
+                    </p:cTn>
+                  </p:par>
+                  <p:par>
+                    <p:cTn id="18" fill="hold">
+                      <p:stCondLst>
+                        <p:cond delay="indefinite"/>
+                      </p:stCondLst>
+                      <p:childTnLst>
+                        <p:par>
+                          <p:cTn id="19" fill="hold">
+                            <p:stCondLst>
+                              <p:cond delay="0"/>
+                            </p:stCondLst>
+                            <p:childTnLst>
+                              <p:par>
+                                <p:cTn id="20" presetID="10" presetClass="entr" presetSubtype="0" fill="hold" grpId="0" nodeType="clickEffect">
+                                  <p:stCondLst>
+                                    <p:cond delay="0"/>
+                                  </p:stCondLst>
+                                  <p:childTnLst>
+                                    <p:set>
+                                      <p:cBhvr>
+                                        <p:cTn id="21" dur="1" fill="hold">
+                                          <p:stCondLst>
+                                            <p:cond delay="0"/>
+                                          </p:stCondLst>
+                                        </p:cTn>
+                                        <p:tgtEl>
+                                          <p:spTgt spid="3">
+                                            <p:txEl>
+                                              <p:pRg st="3" end="3"/>
+                                            </p:txEl>
+                                          </p:spTgt>
+                                        </p:tgtEl>
+                                        <p:attrNameLst>
+                                          <p:attrName>style.visibility</p:attrName>
+                                        </p:attrNameLst>
+                                      </p:cBhvr>
+                                      <p:to>
+                                        <p:strVal val="visible"/>
+                                      </p:to>
+                                    </p:set>
+                                    <p:animEffect transition="in" filter="fade">
+                                      <p:cBhvr>
+                                        <p:cTn id="22" dur="500"/>
+                                        <p:tgtEl>
+                                          <p:spTgt spid="3">
+                                            <p:txEl>
+                                              <p:pRg st="3" end="3"/>
+                                            </p:txEl>
+                                          </p:spTgt>
+                                        </p:tgtEl>
+                                      </p:cBhvr>
+                                    </p:animEffect>
+                                  </p:childTnLst>
+                                </p:cTn>
+                              </p:par>
+                            </p:childTnLst>
+                          </p:cTn>
+                        </p:par>
+                      </p:childTnLst>
+                    </p:cTn>
+                  </p:par>
+                  <p:par>
+                    <p:cTn id="23" fill="hold">
+                      <p:stCondLst>
+                        <p:cond delay="indefinite"/>
+                      </p:stCondLst>
+                      <p:childTnLst>
+                        <p:par>
+                          <p:cTn id="24" fill="hold">
+                            <p:stCondLst>
+                              <p:cond delay="0"/>
+                            </p:stCondLst>
+                            <p:childTnLst>
+                              <p:par>
+                                <p:cTn id="25" presetID="10" presetClass="entr" presetSubtype="0" fill="hold" grpId="0" nodeType="clickEffect">
+                                  <p:stCondLst>
+                                    <p:cond delay="0"/>
+                                  </p:stCondLst>
+                                  <p:childTnLst>
+                                    <p:set>
+                                      <p:cBhvr>
+                                        <p:cTn id="26" dur="1" fill="hold">
+                                          <p:stCondLst>
+                                            <p:cond delay="0"/>
+                                          </p:stCondLst>
+                                        </p:cTn>
+                                        <p:tgtEl>
+                                          <p:spTgt spid="3">
+                                            <p:txEl>
+                                              <p:pRg st="4" end="4"/>
+                                            </p:txEl>
+                                          </p:spTgt>
+                                        </p:tgtEl>
+                                        <p:attrNameLst>
+                                          <p:attrName>style.visibility</p:attrName>
+                                        </p:attrNameLst>
+                                      </p:cBhvr>
+                                      <p:to>
+                                        <p:strVal val="visible"/>
+                                      </p:to>
+                                    </p:set>
+                                    <p:animEffect transition="in" filter="fade">
+                                      <p:cBhvr>
+                                        <p:cTn id="27" dur="500"/>
+                                        <p:tgtEl>
+                                          <p:spTgt spid="3">
+                                            <p:txEl>
+                                              <p:pRg st="4" end="4"/>
+                                            </p:txEl>
+                                          </p:spTgt>
+                                        </p:tgtEl>
+                                      </p:cBhvr>
+                                    </p:animEffect>
+                                  </p:childTnLst>
+                                </p:cTn>
+                              </p:par>
+                            </p:childTnLst>
+                          </p:cTn>
+                        </p:par>
+                      </p:childTnLst>
+                    </p:cTn>
+                  </p:par>
+                  <p:par>
+                    <p:cTn id="28" fill="hold">
+                      <p:stCondLst>
+                        <p:cond delay="indefinite"/>
+                      </p:stCondLst>
+                      <p:childTnLst>
+                        <p:par>
+                          <p:cTn id="29" fill="hold">
+                            <p:stCondLst>
+                              <p:cond delay="0"/>
+                            </p:stCondLst>
+                            <p:childTnLst>
+                              <p:par>
+                                <p:cTn id="30" presetID="10" presetClass="entr" presetSubtype="0" fill="hold" grpId="0" nodeType="clickEffect">
+                                  <p:stCondLst>
+                                    <p:cond delay="0"/>
+                                  </p:stCondLst>
+                                  <p:childTnLst>
+                                    <p:set>
+                                      <p:cBhvr>
+                                        <p:cTn id="31" dur="1" fill="hold">
+                                          <p:stCondLst>
+                                            <p:cond delay="0"/>
+                                          </p:stCondLst>
+                                        </p:cTn>
+                                        <p:tgtEl>
+                                          <p:spTgt spid="3">
+                                            <p:txEl>
+                                              <p:pRg st="5" end="5"/>
+                                            </p:txEl>
+                                          </p:spTgt>
+                                        </p:tgtEl>
+                                        <p:attrNameLst>
+                                          <p:attrName>style.visibility</p:attrName>
+                                        </p:attrNameLst>
+                                      </p:cBhvr>
+                                      <p:to>
+                                        <p:strVal val="visible"/>
+                                      </p:to>
+                                    </p:set>
+                                    <p:animEffect transition="in" filter="fade">
+                                      <p:cBhvr>
+                                        <p:cTn id="32" dur="500"/>
+                                        <p:tgtEl>
+                                          <p:spTgt spid="3">
+                                            <p:txEl>
+                                              <p:pRg st="5" end="5"/>
+                                            </p:txEl>
+                                          </p:spTgt>
+                                        </p:tgtEl>
+                                      </p:cBhvr>
+                                    </p:animEffect>
+                                  </p:childTnLst>
+                                </p:cTn>
+                              </p:par>
+                            </p:childTnLst>
+                          </p:cTn>
+                        </p:par>
+                      </p:childTnLst>
+                    </p:cTn>
+                  </p:par>
+                  <p:par>
+                    <p:cTn id="33" fill="hold">
+                      <p:stCondLst>
+                        <p:cond delay="indefinite"/>
+                      </p:stCondLst>
+                      <p:childTnLst>
+                        <p:par>
+                          <p:cTn id="34" fill="hold">
+                            <p:stCondLst>
+                              <p:cond delay="0"/>
+                            </p:stCondLst>
+                            <p:childTnLst>
+                              <p:par>
+                                <p:cTn id="35" presetID="10" presetClass="entr" presetSubtype="0" fill="hold" nodeType="clickEffect">
+                                  <p:stCondLst>
+                                    <p:cond delay="0"/>
+                                  </p:stCondLst>
+                                  <p:childTnLst>
+                                    <p:set>
+                                      <p:cBhvr>
+                                        <p:cTn id="36" dur="1" fill="hold">
+                                          <p:stCondLst>
+                                            <p:cond delay="0"/>
+                                          </p:stCondLst>
+                                        </p:cTn>
+                                        <p:tgtEl>
+                                          <p:spTgt spid="4"/>
+                                        </p:tgtEl>
+                                        <p:attrNameLst>
+                                          <p:attrName>style.visibility</p:attrName>
+                                        </p:attrNameLst>
+                                      </p:cBhvr>
+                                      <p:to>
+                                        <p:strVal val="visible"/>
+                                      </p:to>
+                                    </p:set>
+                                    <p:animEffect transition="in" filter="fade">
+                                      <p:cBhvr>
+                                        <p:cTn id="37" dur="500"/>
+                                        <p:tgtEl>
+                                          <p:spTgt spid="4"/>
+                                        </p:tgtEl>
+                                      </p:cBhvr>
+                                    </p:animEffect>
+                                  </p:childTnLst>
+                                </p:cTn>
+                              </p:par>
+                            </p:childTnLst>
+                          </p:cTn>
+                        </p:par>
+                      </p:childTnLst>
+                    </p:cTn>
+                  </p:par>
+                </p:childTnLst>
+              </p:cTn>
+              <p:prevCondLst>
+                <p:cond evt="onPrev" delay="0">
+                  <p:tgtEl>
+                    <p:sldTgt/>
+                  </p:tgtEl>
+                </p:cond>
+              </p:prevCondLst>
+              <p:nextCondLst>
+                <p:cond evt="onNext" delay="0">
+                  <p:tgtEl>
+                    <p:sldTgt/>
+                  </p:tgtEl>
+                </p:cond>
+              </p:nextCondLst>
+            </p:seq>
+          </p:childTnLst>
+        </p:cTn>
+      </p:par>
+    </p:tnLst>
+    <p:bldLst>
+      <p:bldP spid="3" grpId="0" build="p"/>
+    </p:bldLst>
+  </p:timing>
 </p:sld>
 </file>
 
@@ -6256,7 +7329,7 @@
           <a:p>
             <a:r>
               <a:rPr lang="hu-HU" dirty="0" smtClean="0"/>
-              <a:t>Kimenetek</a:t>
+              <a:t>Felbontások</a:t>
             </a:r>
             <a:endParaRPr lang="hu-HU" dirty="0"/>
           </a:p>
@@ -6277,20 +7350,321 @@
           <a:bodyPr/>
           <a:lstStyle/>
           <a:p>
-            <a:endParaRPr lang="hu-HU"/>
+            <a:r>
+              <a:rPr lang="hu-HU" dirty="0" smtClean="0"/>
+              <a:t>1080p (1920x1080px)</a:t>
+            </a:r>
+          </a:p>
+          <a:p>
+            <a:r>
+              <a:rPr lang="hu-HU" dirty="0" smtClean="0"/>
+              <a:t>1440p(2560x1440px)</a:t>
+            </a:r>
+          </a:p>
+          <a:p>
+            <a:r>
+              <a:rPr lang="hu-HU" dirty="0" smtClean="0"/>
+              <a:t>4k (3840x2160px)</a:t>
+            </a:r>
+          </a:p>
+          <a:p>
+            <a:r>
+              <a:rPr lang="hu-HU" dirty="0" smtClean="0"/>
+              <a:t>8k (7680x4320px)</a:t>
+            </a:r>
+          </a:p>
+          <a:p>
+            <a:endParaRPr lang="hu-HU" dirty="0"/>
           </a:p>
         </p:txBody>
       </p:sp>
     </p:spTree>
     <p:extLst>
       <p:ext uri="{BB962C8B-B14F-4D97-AF65-F5344CB8AC3E}">
-        <p14:creationId xmlns:p14="http://schemas.microsoft.com/office/powerpoint/2010/main" val="1801438955"/>
+        <p14:creationId xmlns:p14="http://schemas.microsoft.com/office/powerpoint/2010/main" val="2908472952"/>
       </p:ext>
     </p:extLst>
   </p:cSld>
   <p:clrMapOvr>
     <a:masterClrMapping/>
   </p:clrMapOvr>
+  <p:timing>
+    <p:tnLst>
+      <p:par>
+        <p:cTn id="1" dur="indefinite" restart="never" nodeType="tmRoot">
+          <p:childTnLst>
+            <p:seq concurrent="1" nextAc="seek">
+              <p:cTn id="2" dur="indefinite" nodeType="mainSeq">
+                <p:childTnLst>
+                  <p:par>
+                    <p:cTn id="3" fill="hold">
+                      <p:stCondLst>
+                        <p:cond delay="indefinite"/>
+                      </p:stCondLst>
+                      <p:childTnLst>
+                        <p:par>
+                          <p:cTn id="4" fill="hold">
+                            <p:stCondLst>
+                              <p:cond delay="0"/>
+                            </p:stCondLst>
+                            <p:childTnLst>
+                              <p:par>
+                                <p:cTn id="5" presetID="10" presetClass="entr" presetSubtype="0" fill="hold" grpId="0" nodeType="clickEffect">
+                                  <p:stCondLst>
+                                    <p:cond delay="0"/>
+                                  </p:stCondLst>
+                                  <p:childTnLst>
+                                    <p:set>
+                                      <p:cBhvr>
+                                        <p:cTn id="6" dur="1" fill="hold">
+                                          <p:stCondLst>
+                                            <p:cond delay="0"/>
+                                          </p:stCondLst>
+                                        </p:cTn>
+                                        <p:tgtEl>
+                                          <p:spTgt spid="3">
+                                            <p:txEl>
+                                              <p:pRg st="0" end="0"/>
+                                            </p:txEl>
+                                          </p:spTgt>
+                                        </p:tgtEl>
+                                        <p:attrNameLst>
+                                          <p:attrName>style.visibility</p:attrName>
+                                        </p:attrNameLst>
+                                      </p:cBhvr>
+                                      <p:to>
+                                        <p:strVal val="visible"/>
+                                      </p:to>
+                                    </p:set>
+                                    <p:animEffect transition="in" filter="fade">
+                                      <p:cBhvr>
+                                        <p:cTn id="7" dur="500"/>
+                                        <p:tgtEl>
+                                          <p:spTgt spid="3">
+                                            <p:txEl>
+                                              <p:pRg st="0" end="0"/>
+                                            </p:txEl>
+                                          </p:spTgt>
+                                        </p:tgtEl>
+                                      </p:cBhvr>
+                                    </p:animEffect>
+                                  </p:childTnLst>
+                                </p:cTn>
+                              </p:par>
+                            </p:childTnLst>
+                          </p:cTn>
+                        </p:par>
+                      </p:childTnLst>
+                    </p:cTn>
+                  </p:par>
+                  <p:par>
+                    <p:cTn id="8" fill="hold">
+                      <p:stCondLst>
+                        <p:cond delay="indefinite"/>
+                      </p:stCondLst>
+                      <p:childTnLst>
+                        <p:par>
+                          <p:cTn id="9" fill="hold">
+                            <p:stCondLst>
+                              <p:cond delay="0"/>
+                            </p:stCondLst>
+                            <p:childTnLst>
+                              <p:par>
+                                <p:cTn id="10" presetID="10" presetClass="entr" presetSubtype="0" fill="hold" grpId="0" nodeType="clickEffect">
+                                  <p:stCondLst>
+                                    <p:cond delay="0"/>
+                                  </p:stCondLst>
+                                  <p:childTnLst>
+                                    <p:set>
+                                      <p:cBhvr>
+                                        <p:cTn id="11" dur="1" fill="hold">
+                                          <p:stCondLst>
+                                            <p:cond delay="0"/>
+                                          </p:stCondLst>
+                                        </p:cTn>
+                                        <p:tgtEl>
+                                          <p:spTgt spid="3">
+                                            <p:txEl>
+                                              <p:pRg st="1" end="1"/>
+                                            </p:txEl>
+                                          </p:spTgt>
+                                        </p:tgtEl>
+                                        <p:attrNameLst>
+                                          <p:attrName>style.visibility</p:attrName>
+                                        </p:attrNameLst>
+                                      </p:cBhvr>
+                                      <p:to>
+                                        <p:strVal val="visible"/>
+                                      </p:to>
+                                    </p:set>
+                                    <p:animEffect transition="in" filter="fade">
+                                      <p:cBhvr>
+                                        <p:cTn id="12" dur="500"/>
+                                        <p:tgtEl>
+                                          <p:spTgt spid="3">
+                                            <p:txEl>
+                                              <p:pRg st="1" end="1"/>
+                                            </p:txEl>
+                                          </p:spTgt>
+                                        </p:tgtEl>
+                                      </p:cBhvr>
+                                    </p:animEffect>
+                                  </p:childTnLst>
+                                </p:cTn>
+                              </p:par>
+                            </p:childTnLst>
+                          </p:cTn>
+                        </p:par>
+                      </p:childTnLst>
+                    </p:cTn>
+                  </p:par>
+                  <p:par>
+                    <p:cTn id="13" fill="hold">
+                      <p:stCondLst>
+                        <p:cond delay="indefinite"/>
+                      </p:stCondLst>
+                      <p:childTnLst>
+                        <p:par>
+                          <p:cTn id="14" fill="hold">
+                            <p:stCondLst>
+                              <p:cond delay="0"/>
+                            </p:stCondLst>
+                            <p:childTnLst>
+                              <p:par>
+                                <p:cTn id="15" presetID="10" presetClass="entr" presetSubtype="0" fill="hold" grpId="0" nodeType="clickEffect">
+                                  <p:stCondLst>
+                                    <p:cond delay="0"/>
+                                  </p:stCondLst>
+                                  <p:childTnLst>
+                                    <p:set>
+                                      <p:cBhvr>
+                                        <p:cTn id="16" dur="1" fill="hold">
+                                          <p:stCondLst>
+                                            <p:cond delay="0"/>
+                                          </p:stCondLst>
+                                        </p:cTn>
+                                        <p:tgtEl>
+                                          <p:spTgt spid="3">
+                                            <p:txEl>
+                                              <p:pRg st="2" end="2"/>
+                                            </p:txEl>
+                                          </p:spTgt>
+                                        </p:tgtEl>
+                                        <p:attrNameLst>
+                                          <p:attrName>style.visibility</p:attrName>
+                                        </p:attrNameLst>
+                                      </p:cBhvr>
+                                      <p:to>
+                                        <p:strVal val="visible"/>
+                                      </p:to>
+                                    </p:set>
+                                    <p:animEffect transition="in" filter="fade">
+                                      <p:cBhvr>
+                                        <p:cTn id="17" dur="500"/>
+                                        <p:tgtEl>
+                                          <p:spTgt spid="3">
+                                            <p:txEl>
+                                              <p:pRg st="2" end="2"/>
+                                            </p:txEl>
+                                          </p:spTgt>
+                                        </p:tgtEl>
+                                      </p:cBhvr>
+                                    </p:animEffect>
+                                  </p:childTnLst>
+                                </p:cTn>
+                              </p:par>
+                            </p:childTnLst>
+                          </p:cTn>
+                        </p:par>
+                      </p:childTnLst>
+                    </p:cTn>
+                  </p:par>
+                  <p:par>
+                    <p:cTn id="18" fill="hold">
+                      <p:stCondLst>
+                        <p:cond delay="indefinite"/>
+                      </p:stCondLst>
+                      <p:childTnLst>
+                        <p:par>
+                          <p:cTn id="19" fill="hold">
+                            <p:stCondLst>
+                              <p:cond delay="0"/>
+                            </p:stCondLst>
+                            <p:childTnLst>
+                              <p:par>
+                                <p:cTn id="20" presetID="10" presetClass="entr" presetSubtype="0" fill="hold" grpId="0" nodeType="clickEffect">
+                                  <p:stCondLst>
+                                    <p:cond delay="0"/>
+                                  </p:stCondLst>
+                                  <p:childTnLst>
+                                    <p:set>
+                                      <p:cBhvr>
+                                        <p:cTn id="21" dur="1" fill="hold">
+                                          <p:stCondLst>
+                                            <p:cond delay="0"/>
+                                          </p:stCondLst>
+                                        </p:cTn>
+                                        <p:tgtEl>
+                                          <p:spTgt spid="3">
+                                            <p:txEl>
+                                              <p:pRg st="3" end="3"/>
+                                            </p:txEl>
+                                          </p:spTgt>
+                                        </p:tgtEl>
+                                        <p:attrNameLst>
+                                          <p:attrName>style.visibility</p:attrName>
+                                        </p:attrNameLst>
+                                      </p:cBhvr>
+                                      <p:to>
+                                        <p:strVal val="visible"/>
+                                      </p:to>
+                                    </p:set>
+                                    <p:animEffect transition="in" filter="fade">
+                                      <p:cBhvr>
+                                        <p:cTn id="22" dur="500"/>
+                                        <p:tgtEl>
+                                          <p:spTgt spid="3">
+                                            <p:txEl>
+                                              <p:pRg st="3" end="3"/>
+                                            </p:txEl>
+                                          </p:spTgt>
+                                        </p:tgtEl>
+                                      </p:cBhvr>
+                                    </p:animEffect>
+                                  </p:childTnLst>
+                                </p:cTn>
+                              </p:par>
+                            </p:childTnLst>
+                          </p:cTn>
+                        </p:par>
+                      </p:childTnLst>
+                    </p:cTn>
+                  </p:par>
+                </p:childTnLst>
+              </p:cTn>
+              <p:prevCondLst>
+                <p:cond evt="onPrev" delay="0">
+                  <p:tgtEl>
+                    <p:sldTgt/>
+                  </p:tgtEl>
+                </p:cond>
+              </p:prevCondLst>
+              <p:nextCondLst>
+                <p:cond evt="onNext" delay="0">
+                  <p:tgtEl>
+                    <p:sldTgt/>
+                  </p:tgtEl>
+                </p:cond>
+              </p:nextCondLst>
+            </p:seq>
+          </p:childTnLst>
+        </p:cTn>
+      </p:par>
+    </p:tnLst>
+    <p:bldLst>
+      <p:bldP spid="3" grpId="0" build="p"/>
+    </p:bldLst>
+  </p:timing>
 </p:sld>
 </file>
 
@@ -6327,8 +7701,16 @@
           <a:lstStyle/>
           <a:p>
             <a:r>
-              <a:rPr lang="hu-HU" dirty="0" err="1" smtClean="0"/>
-              <a:t>hertzzz</a:t>
+              <a:rPr lang="hu-HU" dirty="0"/>
+              <a:t>V</a:t>
+            </a:r>
+            <a:r>
+              <a:rPr lang="hu-HU" dirty="0" smtClean="0"/>
+              <a:t>áltozó </a:t>
+            </a:r>
+            <a:r>
+              <a:rPr lang="hu-HU" dirty="0"/>
+              <a:t>frissítési gyakoriság</a:t>
             </a:r>
             <a:endParaRPr lang="hu-HU" dirty="0"/>
           </a:p>
@@ -6346,23 +7728,361 @@
         </p:nvSpPr>
         <p:spPr/>
         <p:txBody>
-          <a:bodyPr/>
+          <a:bodyPr>
+            <a:normAutofit/>
+          </a:bodyPr>
           <a:lstStyle/>
           <a:p>
-            <a:endParaRPr lang="hu-HU"/>
-          </a:p>
-        </p:txBody>
-      </p:sp>
+            <a:r>
+              <a:rPr lang="hu-HU" sz="3200" dirty="0"/>
+              <a:t>V-</a:t>
+            </a:r>
+            <a:r>
+              <a:rPr lang="hu-HU" sz="3200" dirty="0" err="1"/>
+              <a:t>sync</a:t>
+            </a:r>
+            <a:endParaRPr lang="hu-HU" sz="3200" dirty="0"/>
+          </a:p>
+          <a:p>
+            <a:r>
+              <a:rPr lang="hu-HU" sz="3200" dirty="0" smtClean="0"/>
+              <a:t>G-</a:t>
+            </a:r>
+            <a:r>
+              <a:rPr lang="hu-HU" sz="3200" dirty="0" err="1" smtClean="0"/>
+              <a:t>sync</a:t>
+            </a:r>
+            <a:endParaRPr lang="hu-HU" sz="3200" dirty="0" smtClean="0"/>
+          </a:p>
+          <a:p>
+            <a:r>
+              <a:rPr lang="hu-HU" sz="3200" dirty="0" err="1" smtClean="0"/>
+              <a:t>Freesync</a:t>
+            </a:r>
+            <a:endParaRPr lang="hu-HU" sz="3200" dirty="0" smtClean="0"/>
+          </a:p>
+        </p:txBody>
+      </p:sp>
+      <p:pic>
+        <p:nvPicPr>
+          <p:cNvPr id="3074" name="Picture 2" descr="FreeSync vs G-Sync - Which Is Best? [Very Simple] - GPU Mag"/>
+          <p:cNvPicPr>
+            <a:picLocks noChangeAspect="1" noChangeArrowheads="1"/>
+          </p:cNvPicPr>
+          <p:nvPr/>
+        </p:nvPicPr>
+        <p:blipFill>
+          <a:blip r:embed="rId2">
+            <a:extLst>
+              <a:ext uri="{28A0092B-C50C-407E-A947-70E740481C1C}">
+                <a14:useLocalDpi xmlns:a14="http://schemas.microsoft.com/office/drawing/2010/main" val="0"/>
+              </a:ext>
+            </a:extLst>
+          </a:blip>
+          <a:srcRect/>
+          <a:stretch>
+            <a:fillRect/>
+          </a:stretch>
+        </p:blipFill>
+        <p:spPr bwMode="auto">
+          <a:xfrm>
+            <a:off x="5664279" y="1853248"/>
+            <a:ext cx="5312214" cy="3503629"/>
+          </a:xfrm>
+          <a:prstGeom prst="rect">
+            <a:avLst/>
+          </a:prstGeom>
+          <a:noFill/>
+          <a:extLst>
+            <a:ext uri="{909E8E84-426E-40DD-AFC4-6F175D3DCCD1}">
+              <a14:hiddenFill xmlns:a14="http://schemas.microsoft.com/office/drawing/2010/main">
+                <a:solidFill>
+                  <a:srgbClr val="FFFFFF"/>
+                </a:solidFill>
+              </a14:hiddenFill>
+            </a:ext>
+          </a:extLst>
+        </p:spPr>
+      </p:pic>
     </p:spTree>
     <p:extLst>
       <p:ext uri="{BB962C8B-B14F-4D97-AF65-F5344CB8AC3E}">
-        <p14:creationId xmlns:p14="http://schemas.microsoft.com/office/powerpoint/2010/main" val="759364794"/>
+        <p14:creationId xmlns:p14="http://schemas.microsoft.com/office/powerpoint/2010/main" val="2013195211"/>
       </p:ext>
     </p:extLst>
   </p:cSld>
   <p:clrMapOvr>
     <a:masterClrMapping/>
   </p:clrMapOvr>
+  <p:timing>
+    <p:tnLst>
+      <p:par>
+        <p:cTn id="1" dur="indefinite" restart="never" nodeType="tmRoot">
+          <p:childTnLst>
+            <p:seq concurrent="1" nextAc="seek">
+              <p:cTn id="2" dur="indefinite" nodeType="mainSeq">
+                <p:childTnLst>
+                  <p:par>
+                    <p:cTn id="3" fill="hold">
+                      <p:stCondLst>
+                        <p:cond delay="indefinite"/>
+                      </p:stCondLst>
+                      <p:childTnLst>
+                        <p:par>
+                          <p:cTn id="4" fill="hold">
+                            <p:stCondLst>
+                              <p:cond delay="0"/>
+                            </p:stCondLst>
+                            <p:childTnLst>
+                              <p:par>
+                                <p:cTn id="5" presetID="10" presetClass="entr" presetSubtype="0" fill="hold" grpId="0" nodeType="clickEffect">
+                                  <p:stCondLst>
+                                    <p:cond delay="0"/>
+                                  </p:stCondLst>
+                                  <p:childTnLst>
+                                    <p:set>
+                                      <p:cBhvr>
+                                        <p:cTn id="6" dur="1" fill="hold">
+                                          <p:stCondLst>
+                                            <p:cond delay="0"/>
+                                          </p:stCondLst>
+                                        </p:cTn>
+                                        <p:tgtEl>
+                                          <p:spTgt spid="3">
+                                            <p:txEl>
+                                              <p:pRg st="0" end="0"/>
+                                            </p:txEl>
+                                          </p:spTgt>
+                                        </p:tgtEl>
+                                        <p:attrNameLst>
+                                          <p:attrName>style.visibility</p:attrName>
+                                        </p:attrNameLst>
+                                      </p:cBhvr>
+                                      <p:to>
+                                        <p:strVal val="visible"/>
+                                      </p:to>
+                                    </p:set>
+                                    <p:animEffect transition="in" filter="fade">
+                                      <p:cBhvr>
+                                        <p:cTn id="7" dur="500"/>
+                                        <p:tgtEl>
+                                          <p:spTgt spid="3">
+                                            <p:txEl>
+                                              <p:pRg st="0" end="0"/>
+                                            </p:txEl>
+                                          </p:spTgt>
+                                        </p:tgtEl>
+                                      </p:cBhvr>
+                                    </p:animEffect>
+                                  </p:childTnLst>
+                                </p:cTn>
+                              </p:par>
+                            </p:childTnLst>
+                          </p:cTn>
+                        </p:par>
+                      </p:childTnLst>
+                    </p:cTn>
+                  </p:par>
+                  <p:par>
+                    <p:cTn id="8" fill="hold">
+                      <p:stCondLst>
+                        <p:cond delay="indefinite"/>
+                      </p:stCondLst>
+                      <p:childTnLst>
+                        <p:par>
+                          <p:cTn id="9" fill="hold">
+                            <p:stCondLst>
+                              <p:cond delay="0"/>
+                            </p:stCondLst>
+                            <p:childTnLst>
+                              <p:par>
+                                <p:cTn id="10" presetID="10" presetClass="entr" presetSubtype="0" fill="hold" grpId="0" nodeType="clickEffect">
+                                  <p:stCondLst>
+                                    <p:cond delay="0"/>
+                                  </p:stCondLst>
+                                  <p:childTnLst>
+                                    <p:set>
+                                      <p:cBhvr>
+                                        <p:cTn id="11" dur="1" fill="hold">
+                                          <p:stCondLst>
+                                            <p:cond delay="0"/>
+                                          </p:stCondLst>
+                                        </p:cTn>
+                                        <p:tgtEl>
+                                          <p:spTgt spid="3">
+                                            <p:txEl>
+                                              <p:pRg st="1" end="1"/>
+                                            </p:txEl>
+                                          </p:spTgt>
+                                        </p:tgtEl>
+                                        <p:attrNameLst>
+                                          <p:attrName>style.visibility</p:attrName>
+                                        </p:attrNameLst>
+                                      </p:cBhvr>
+                                      <p:to>
+                                        <p:strVal val="visible"/>
+                                      </p:to>
+                                    </p:set>
+                                    <p:animEffect transition="in" filter="fade">
+                                      <p:cBhvr>
+                                        <p:cTn id="12" dur="500"/>
+                                        <p:tgtEl>
+                                          <p:spTgt spid="3">
+                                            <p:txEl>
+                                              <p:pRg st="1" end="1"/>
+                                            </p:txEl>
+                                          </p:spTgt>
+                                        </p:tgtEl>
+                                      </p:cBhvr>
+                                    </p:animEffect>
+                                  </p:childTnLst>
+                                </p:cTn>
+                              </p:par>
+                            </p:childTnLst>
+                          </p:cTn>
+                        </p:par>
+                      </p:childTnLst>
+                    </p:cTn>
+                  </p:par>
+                  <p:par>
+                    <p:cTn id="13" fill="hold">
+                      <p:stCondLst>
+                        <p:cond delay="indefinite"/>
+                      </p:stCondLst>
+                      <p:childTnLst>
+                        <p:par>
+                          <p:cTn id="14" fill="hold">
+                            <p:stCondLst>
+                              <p:cond delay="0"/>
+                            </p:stCondLst>
+                            <p:childTnLst>
+                              <p:par>
+                                <p:cTn id="15" presetID="10" presetClass="entr" presetSubtype="0" fill="hold" grpId="0" nodeType="clickEffect">
+                                  <p:stCondLst>
+                                    <p:cond delay="0"/>
+                                  </p:stCondLst>
+                                  <p:childTnLst>
+                                    <p:set>
+                                      <p:cBhvr>
+                                        <p:cTn id="16" dur="1" fill="hold">
+                                          <p:stCondLst>
+                                            <p:cond delay="0"/>
+                                          </p:stCondLst>
+                                        </p:cTn>
+                                        <p:tgtEl>
+                                          <p:spTgt spid="3">
+                                            <p:txEl>
+                                              <p:pRg st="2" end="2"/>
+                                            </p:txEl>
+                                          </p:spTgt>
+                                        </p:tgtEl>
+                                        <p:attrNameLst>
+                                          <p:attrName>style.visibility</p:attrName>
+                                        </p:attrNameLst>
+                                      </p:cBhvr>
+                                      <p:to>
+                                        <p:strVal val="visible"/>
+                                      </p:to>
+                                    </p:set>
+                                    <p:animEffect transition="in" filter="fade">
+                                      <p:cBhvr>
+                                        <p:cTn id="17" dur="500"/>
+                                        <p:tgtEl>
+                                          <p:spTgt spid="3">
+                                            <p:txEl>
+                                              <p:pRg st="2" end="2"/>
+                                            </p:txEl>
+                                          </p:spTgt>
+                                        </p:tgtEl>
+                                      </p:cBhvr>
+                                    </p:animEffect>
+                                  </p:childTnLst>
+                                </p:cTn>
+                              </p:par>
+                            </p:childTnLst>
+                          </p:cTn>
+                        </p:par>
+                      </p:childTnLst>
+                    </p:cTn>
+                  </p:par>
+                  <p:par>
+                    <p:cTn id="18" fill="hold">
+                      <p:stCondLst>
+                        <p:cond delay="indefinite"/>
+                      </p:stCondLst>
+                      <p:childTnLst>
+                        <p:par>
+                          <p:cTn id="19" fill="hold">
+                            <p:stCondLst>
+                              <p:cond delay="0"/>
+                            </p:stCondLst>
+                            <p:childTnLst>
+                              <p:par>
+                                <p:cTn id="20" presetID="10" presetClass="entr" presetSubtype="0" fill="hold" nodeType="clickEffect">
+                                  <p:stCondLst>
+                                    <p:cond delay="0"/>
+                                  </p:stCondLst>
+                                  <p:childTnLst>
+                                    <p:set>
+                                      <p:cBhvr>
+                                        <p:cTn id="21" dur="1" fill="hold">
+                                          <p:stCondLst>
+                                            <p:cond delay="0"/>
+                                          </p:stCondLst>
+                                        </p:cTn>
+                                        <p:tgtEl>
+                                          <p:spTgt spid="3074"/>
+                                        </p:tgtEl>
+                                        <p:attrNameLst>
+                                          <p:attrName>style.visibility</p:attrName>
+                                        </p:attrNameLst>
+                                      </p:cBhvr>
+                                      <p:to>
+                                        <p:strVal val="visible"/>
+                                      </p:to>
+                                    </p:set>
+                                    <p:animEffect transition="in" filter="fade">
+                                      <p:cBhvr>
+                                        <p:cTn id="22" dur="500"/>
+                                        <p:tgtEl>
+                                          <p:spTgt spid="3074"/>
+                                        </p:tgtEl>
+                                      </p:cBhvr>
+                                    </p:animEffect>
+                                  </p:childTnLst>
+                                </p:cTn>
+                              </p:par>
+                            </p:childTnLst>
+                          </p:cTn>
+                        </p:par>
+                      </p:childTnLst>
+                    </p:cTn>
+                  </p:par>
+                </p:childTnLst>
+              </p:cTn>
+              <p:prevCondLst>
+                <p:cond evt="onPrev" delay="0">
+                  <p:tgtEl>
+                    <p:sldTgt/>
+                  </p:tgtEl>
+                </p:cond>
+              </p:prevCondLst>
+              <p:nextCondLst>
+                <p:cond evt="onNext" delay="0">
+                  <p:tgtEl>
+                    <p:sldTgt/>
+                  </p:tgtEl>
+                </p:cond>
+              </p:nextCondLst>
+            </p:seq>
+          </p:childTnLst>
+        </p:cTn>
+      </p:par>
+    </p:tnLst>
+    <p:bldLst>
+      <p:bldP spid="3" grpId="0" build="p"/>
+    </p:bldLst>
+  </p:timing>
 </p:sld>
 </file>
 
@@ -6399,14 +8119,9 @@
           <a:lstStyle/>
           <a:p>
             <a:r>
-              <a:rPr lang="hu-HU" dirty="0" smtClean="0"/>
-              <a:t>G-</a:t>
-            </a:r>
-            <a:r>
-              <a:rPr lang="hu-HU" dirty="0" err="1" smtClean="0"/>
-              <a:t>sync</a:t>
-            </a:r>
-            <a:endParaRPr lang="hu-HU" dirty="0"/>
+              <a:rPr lang="hu-HU" dirty="0"/>
+              <a:t>Egyebek</a:t>
+            </a:r>
           </a:p>
         </p:txBody>
       </p:sp>
@@ -6425,20 +8140,542 @@
           <a:bodyPr/>
           <a:lstStyle/>
           <a:p>
-            <a:endParaRPr lang="hu-HU"/>
-          </a:p>
-        </p:txBody>
-      </p:sp>
+            <a:r>
+              <a:rPr lang="hu-HU" dirty="0" smtClean="0"/>
+              <a:t>USB </a:t>
+            </a:r>
+            <a:r>
+              <a:rPr lang="hu-HU" dirty="0" err="1" smtClean="0"/>
+              <a:t>hub</a:t>
+            </a:r>
+            <a:endParaRPr lang="hu-HU" dirty="0" smtClean="0"/>
+          </a:p>
+          <a:p>
+            <a:r>
+              <a:rPr lang="hu-HU" dirty="0" smtClean="0"/>
+              <a:t>RGB világítás</a:t>
+            </a:r>
+          </a:p>
+          <a:p>
+            <a:r>
+              <a:rPr lang="hu-HU" dirty="0" smtClean="0"/>
+              <a:t>Ívelt kijelző</a:t>
+            </a:r>
+          </a:p>
+          <a:p>
+            <a:r>
+              <a:rPr lang="hu-HU" dirty="0" smtClean="0"/>
+              <a:t>Hangszóró</a:t>
+            </a:r>
+          </a:p>
+          <a:p>
+            <a:endParaRPr lang="hu-HU" dirty="0"/>
+          </a:p>
+        </p:txBody>
+      </p:sp>
+      <p:pic>
+        <p:nvPicPr>
+          <p:cNvPr id="2050" name="Picture 2" descr="táska Teljesítmény Gladys aoc 27g2u usb hub Fém vonal ékszerek vihar"/>
+          <p:cNvPicPr>
+            <a:picLocks noChangeAspect="1" noChangeArrowheads="1"/>
+          </p:cNvPicPr>
+          <p:nvPr/>
+        </p:nvPicPr>
+        <p:blipFill>
+          <a:blip r:embed="rId2">
+            <a:extLst>
+              <a:ext uri="{28A0092B-C50C-407E-A947-70E740481C1C}">
+                <a14:useLocalDpi xmlns:a14="http://schemas.microsoft.com/office/drawing/2010/main" val="0"/>
+              </a:ext>
+            </a:extLst>
+          </a:blip>
+          <a:srcRect/>
+          <a:stretch>
+            <a:fillRect/>
+          </a:stretch>
+        </p:blipFill>
+        <p:spPr bwMode="auto">
+          <a:xfrm>
+            <a:off x="5348472" y="1350807"/>
+            <a:ext cx="5715000" cy="1857376"/>
+          </a:xfrm>
+          <a:prstGeom prst="rect">
+            <a:avLst/>
+          </a:prstGeom>
+          <a:solidFill>
+            <a:srgbClr val="FFFFFF">
+              <a:shade val="85000"/>
+            </a:srgbClr>
+          </a:solidFill>
+          <a:ln w="190500" cap="rnd">
+            <a:solidFill>
+              <a:srgbClr val="FFFFFF"/>
+            </a:solidFill>
+          </a:ln>
+          <a:effectLst>
+            <a:outerShdw blurRad="50000" algn="tl" rotWithShape="0">
+              <a:srgbClr val="000000">
+                <a:alpha val="41000"/>
+              </a:srgbClr>
+            </a:outerShdw>
+          </a:effectLst>
+          <a:scene3d>
+            <a:camera prst="orthographicFront"/>
+            <a:lightRig rig="twoPt" dir="t">
+              <a:rot lat="0" lon="0" rev="7800000"/>
+            </a:lightRig>
+          </a:scene3d>
+          <a:sp3d contourW="6350">
+            <a:bevelT w="50800" h="16510"/>
+            <a:contourClr>
+              <a:srgbClr val="C0C0C0"/>
+            </a:contourClr>
+          </a:sp3d>
+          <a:extLst>
+            <a:ext uri="{909E8E84-426E-40DD-AFC4-6F175D3DCCD1}">
+              <a14:hiddenFill xmlns:a14="http://schemas.microsoft.com/office/drawing/2010/main">
+                <a:solidFill>
+                  <a:srgbClr val="FFFFFF"/>
+                </a:solidFill>
+              </a14:hiddenFill>
+            </a:ext>
+          </a:extLst>
+        </p:spPr>
+      </p:pic>
+      <p:pic>
+        <p:nvPicPr>
+          <p:cNvPr id="2052" name="Picture 4" descr="Samsung now makes ultra-curved monitors for offices as well as gamers - The  Verge"/>
+          <p:cNvPicPr>
+            <a:picLocks noChangeAspect="1" noChangeArrowheads="1"/>
+          </p:cNvPicPr>
+          <p:nvPr/>
+        </p:nvPicPr>
+        <p:blipFill>
+          <a:blip r:embed="rId3">
+            <a:extLst>
+              <a:ext uri="{28A0092B-C50C-407E-A947-70E740481C1C}">
+                <a14:useLocalDpi xmlns:a14="http://schemas.microsoft.com/office/drawing/2010/main" val="0"/>
+              </a:ext>
+            </a:extLst>
+          </a:blip>
+          <a:srcRect/>
+          <a:stretch>
+            <a:fillRect/>
+          </a:stretch>
+        </p:blipFill>
+        <p:spPr bwMode="auto">
+          <a:xfrm>
+            <a:off x="6074443" y="3590691"/>
+            <a:ext cx="3975410" cy="2981557"/>
+          </a:xfrm>
+          <a:prstGeom prst="rect">
+            <a:avLst/>
+          </a:prstGeom>
+          <a:noFill/>
+          <a:extLst>
+            <a:ext uri="{909E8E84-426E-40DD-AFC4-6F175D3DCCD1}">
+              <a14:hiddenFill xmlns:a14="http://schemas.microsoft.com/office/drawing/2010/main">
+                <a:solidFill>
+                  <a:srgbClr val="FFFFFF"/>
+                </a:solidFill>
+              </a14:hiddenFill>
+            </a:ext>
+          </a:extLst>
+        </p:spPr>
+      </p:pic>
     </p:spTree>
     <p:extLst>
       <p:ext uri="{BB962C8B-B14F-4D97-AF65-F5344CB8AC3E}">
-        <p14:creationId xmlns:p14="http://schemas.microsoft.com/office/powerpoint/2010/main" val="2013195211"/>
+        <p14:creationId xmlns:p14="http://schemas.microsoft.com/office/powerpoint/2010/main" val="3416009249"/>
       </p:ext>
     </p:extLst>
   </p:cSld>
   <p:clrMapOvr>
     <a:masterClrMapping/>
   </p:clrMapOvr>
+  <p:timing>
+    <p:tnLst>
+      <p:par>
+        <p:cTn id="1" dur="indefinite" restart="never" nodeType="tmRoot">
+          <p:childTnLst>
+            <p:seq concurrent="1" nextAc="seek">
+              <p:cTn id="2" dur="indefinite" nodeType="mainSeq">
+                <p:childTnLst>
+                  <p:par>
+                    <p:cTn id="3" fill="hold">
+                      <p:stCondLst>
+                        <p:cond delay="indefinite"/>
+                      </p:stCondLst>
+                      <p:childTnLst>
+                        <p:par>
+                          <p:cTn id="4" fill="hold">
+                            <p:stCondLst>
+                              <p:cond delay="0"/>
+                            </p:stCondLst>
+                            <p:childTnLst>
+                              <p:par>
+                                <p:cTn id="5" presetID="10" presetClass="entr" presetSubtype="0" fill="hold" grpId="0" nodeType="clickEffect">
+                                  <p:stCondLst>
+                                    <p:cond delay="0"/>
+                                  </p:stCondLst>
+                                  <p:childTnLst>
+                                    <p:set>
+                                      <p:cBhvr>
+                                        <p:cTn id="6" dur="1" fill="hold">
+                                          <p:stCondLst>
+                                            <p:cond delay="0"/>
+                                          </p:stCondLst>
+                                        </p:cTn>
+                                        <p:tgtEl>
+                                          <p:spTgt spid="3">
+                                            <p:txEl>
+                                              <p:pRg st="0" end="0"/>
+                                            </p:txEl>
+                                          </p:spTgt>
+                                        </p:tgtEl>
+                                        <p:attrNameLst>
+                                          <p:attrName>style.visibility</p:attrName>
+                                        </p:attrNameLst>
+                                      </p:cBhvr>
+                                      <p:to>
+                                        <p:strVal val="visible"/>
+                                      </p:to>
+                                    </p:set>
+                                    <p:animEffect transition="in" filter="fade">
+                                      <p:cBhvr>
+                                        <p:cTn id="7" dur="500"/>
+                                        <p:tgtEl>
+                                          <p:spTgt spid="3">
+                                            <p:txEl>
+                                              <p:pRg st="0" end="0"/>
+                                            </p:txEl>
+                                          </p:spTgt>
+                                        </p:tgtEl>
+                                      </p:cBhvr>
+                                    </p:animEffect>
+                                  </p:childTnLst>
+                                </p:cTn>
+                              </p:par>
+                            </p:childTnLst>
+                          </p:cTn>
+                        </p:par>
+                      </p:childTnLst>
+                    </p:cTn>
+                  </p:par>
+                  <p:par>
+                    <p:cTn id="8" fill="hold">
+                      <p:stCondLst>
+                        <p:cond delay="indefinite"/>
+                      </p:stCondLst>
+                      <p:childTnLst>
+                        <p:par>
+                          <p:cTn id="9" fill="hold">
+                            <p:stCondLst>
+                              <p:cond delay="0"/>
+                            </p:stCondLst>
+                            <p:childTnLst>
+                              <p:par>
+                                <p:cTn id="10" presetID="10" presetClass="entr" presetSubtype="0" fill="hold" grpId="0" nodeType="clickEffect">
+                                  <p:stCondLst>
+                                    <p:cond delay="0"/>
+                                  </p:stCondLst>
+                                  <p:childTnLst>
+                                    <p:set>
+                                      <p:cBhvr>
+                                        <p:cTn id="11" dur="1" fill="hold">
+                                          <p:stCondLst>
+                                            <p:cond delay="0"/>
+                                          </p:stCondLst>
+                                        </p:cTn>
+                                        <p:tgtEl>
+                                          <p:spTgt spid="3">
+                                            <p:txEl>
+                                              <p:pRg st="1" end="1"/>
+                                            </p:txEl>
+                                          </p:spTgt>
+                                        </p:tgtEl>
+                                        <p:attrNameLst>
+                                          <p:attrName>style.visibility</p:attrName>
+                                        </p:attrNameLst>
+                                      </p:cBhvr>
+                                      <p:to>
+                                        <p:strVal val="visible"/>
+                                      </p:to>
+                                    </p:set>
+                                    <p:animEffect transition="in" filter="fade">
+                                      <p:cBhvr>
+                                        <p:cTn id="12" dur="500"/>
+                                        <p:tgtEl>
+                                          <p:spTgt spid="3">
+                                            <p:txEl>
+                                              <p:pRg st="1" end="1"/>
+                                            </p:txEl>
+                                          </p:spTgt>
+                                        </p:tgtEl>
+                                      </p:cBhvr>
+                                    </p:animEffect>
+                                  </p:childTnLst>
+                                </p:cTn>
+                              </p:par>
+                            </p:childTnLst>
+                          </p:cTn>
+                        </p:par>
+                      </p:childTnLst>
+                    </p:cTn>
+                  </p:par>
+                  <p:par>
+                    <p:cTn id="13" fill="hold">
+                      <p:stCondLst>
+                        <p:cond delay="indefinite"/>
+                      </p:stCondLst>
+                      <p:childTnLst>
+                        <p:par>
+                          <p:cTn id="14" fill="hold">
+                            <p:stCondLst>
+                              <p:cond delay="0"/>
+                            </p:stCondLst>
+                            <p:childTnLst>
+                              <p:par>
+                                <p:cTn id="15" presetID="10" presetClass="entr" presetSubtype="0" fill="hold" grpId="0" nodeType="clickEffect">
+                                  <p:stCondLst>
+                                    <p:cond delay="0"/>
+                                  </p:stCondLst>
+                                  <p:childTnLst>
+                                    <p:set>
+                                      <p:cBhvr>
+                                        <p:cTn id="16" dur="1" fill="hold">
+                                          <p:stCondLst>
+                                            <p:cond delay="0"/>
+                                          </p:stCondLst>
+                                        </p:cTn>
+                                        <p:tgtEl>
+                                          <p:spTgt spid="3">
+                                            <p:txEl>
+                                              <p:pRg st="2" end="2"/>
+                                            </p:txEl>
+                                          </p:spTgt>
+                                        </p:tgtEl>
+                                        <p:attrNameLst>
+                                          <p:attrName>style.visibility</p:attrName>
+                                        </p:attrNameLst>
+                                      </p:cBhvr>
+                                      <p:to>
+                                        <p:strVal val="visible"/>
+                                      </p:to>
+                                    </p:set>
+                                    <p:animEffect transition="in" filter="fade">
+                                      <p:cBhvr>
+                                        <p:cTn id="17" dur="500"/>
+                                        <p:tgtEl>
+                                          <p:spTgt spid="3">
+                                            <p:txEl>
+                                              <p:pRg st="2" end="2"/>
+                                            </p:txEl>
+                                          </p:spTgt>
+                                        </p:tgtEl>
+                                      </p:cBhvr>
+                                    </p:animEffect>
+                                  </p:childTnLst>
+                                </p:cTn>
+                              </p:par>
+                            </p:childTnLst>
+                          </p:cTn>
+                        </p:par>
+                      </p:childTnLst>
+                    </p:cTn>
+                  </p:par>
+                  <p:par>
+                    <p:cTn id="18" fill="hold">
+                      <p:stCondLst>
+                        <p:cond delay="indefinite"/>
+                      </p:stCondLst>
+                      <p:childTnLst>
+                        <p:par>
+                          <p:cTn id="19" fill="hold">
+                            <p:stCondLst>
+                              <p:cond delay="0"/>
+                            </p:stCondLst>
+                            <p:childTnLst>
+                              <p:par>
+                                <p:cTn id="20" presetID="10" presetClass="entr" presetSubtype="0" fill="hold" grpId="0" nodeType="clickEffect">
+                                  <p:stCondLst>
+                                    <p:cond delay="0"/>
+                                  </p:stCondLst>
+                                  <p:childTnLst>
+                                    <p:set>
+                                      <p:cBhvr>
+                                        <p:cTn id="21" dur="1" fill="hold">
+                                          <p:stCondLst>
+                                            <p:cond delay="0"/>
+                                          </p:stCondLst>
+                                        </p:cTn>
+                                        <p:tgtEl>
+                                          <p:spTgt spid="3">
+                                            <p:txEl>
+                                              <p:pRg st="3" end="3"/>
+                                            </p:txEl>
+                                          </p:spTgt>
+                                        </p:tgtEl>
+                                        <p:attrNameLst>
+                                          <p:attrName>style.visibility</p:attrName>
+                                        </p:attrNameLst>
+                                      </p:cBhvr>
+                                      <p:to>
+                                        <p:strVal val="visible"/>
+                                      </p:to>
+                                    </p:set>
+                                    <p:animEffect transition="in" filter="fade">
+                                      <p:cBhvr>
+                                        <p:cTn id="22" dur="500"/>
+                                        <p:tgtEl>
+                                          <p:spTgt spid="3">
+                                            <p:txEl>
+                                              <p:pRg st="3" end="3"/>
+                                            </p:txEl>
+                                          </p:spTgt>
+                                        </p:tgtEl>
+                                      </p:cBhvr>
+                                    </p:animEffect>
+                                  </p:childTnLst>
+                                </p:cTn>
+                              </p:par>
+                            </p:childTnLst>
+                          </p:cTn>
+                        </p:par>
+                      </p:childTnLst>
+                    </p:cTn>
+                  </p:par>
+                  <p:par>
+                    <p:cTn id="23" fill="hold">
+                      <p:stCondLst>
+                        <p:cond delay="indefinite"/>
+                      </p:stCondLst>
+                      <p:childTnLst>
+                        <p:par>
+                          <p:cTn id="24" fill="hold">
+                            <p:stCondLst>
+                              <p:cond delay="0"/>
+                            </p:stCondLst>
+                            <p:childTnLst>
+                              <p:par>
+                                <p:cTn id="25" presetID="10" presetClass="entr" presetSubtype="0" fill="hold" nodeType="clickEffect">
+                                  <p:stCondLst>
+                                    <p:cond delay="0"/>
+                                  </p:stCondLst>
+                                  <p:childTnLst>
+                                    <p:set>
+                                      <p:cBhvr>
+                                        <p:cTn id="26" dur="1" fill="hold">
+                                          <p:stCondLst>
+                                            <p:cond delay="0"/>
+                                          </p:stCondLst>
+                                        </p:cTn>
+                                        <p:tgtEl>
+                                          <p:spTgt spid="2050"/>
+                                        </p:tgtEl>
+                                        <p:attrNameLst>
+                                          <p:attrName>style.visibility</p:attrName>
+                                        </p:attrNameLst>
+                                      </p:cBhvr>
+                                      <p:to>
+                                        <p:strVal val="visible"/>
+                                      </p:to>
+                                    </p:set>
+                                    <p:animEffect transition="in" filter="fade">
+                                      <p:cBhvr>
+                                        <p:cTn id="27" dur="500"/>
+                                        <p:tgtEl>
+                                          <p:spTgt spid="2050"/>
+                                        </p:tgtEl>
+                                      </p:cBhvr>
+                                    </p:animEffect>
+                                  </p:childTnLst>
+                                </p:cTn>
+                              </p:par>
+                            </p:childTnLst>
+                          </p:cTn>
+                        </p:par>
+                      </p:childTnLst>
+                    </p:cTn>
+                  </p:par>
+                  <p:par>
+                    <p:cTn id="28" fill="hold">
+                      <p:stCondLst>
+                        <p:cond delay="indefinite"/>
+                      </p:stCondLst>
+                      <p:childTnLst>
+                        <p:par>
+                          <p:cTn id="29" fill="hold">
+                            <p:stCondLst>
+                              <p:cond delay="0"/>
+                            </p:stCondLst>
+                            <p:childTnLst>
+                              <p:par>
+                                <p:cTn id="30" presetID="10" presetClass="entr" presetSubtype="0" fill="hold" nodeType="clickEffect">
+                                  <p:stCondLst>
+                                    <p:cond delay="0"/>
+                                  </p:stCondLst>
+                                  <p:childTnLst>
+                                    <p:set>
+                                      <p:cBhvr>
+                                        <p:cTn id="31" dur="1" fill="hold">
+                                          <p:stCondLst>
+                                            <p:cond delay="0"/>
+                                          </p:stCondLst>
+                                        </p:cTn>
+                                        <p:tgtEl>
+                                          <p:spTgt spid="2052"/>
+                                        </p:tgtEl>
+                                        <p:attrNameLst>
+                                          <p:attrName>style.visibility</p:attrName>
+                                        </p:attrNameLst>
+                                      </p:cBhvr>
+                                      <p:to>
+                                        <p:strVal val="visible"/>
+                                      </p:to>
+                                    </p:set>
+                                    <p:animEffect transition="in" filter="fade">
+                                      <p:cBhvr>
+                                        <p:cTn id="32" dur="500"/>
+                                        <p:tgtEl>
+                                          <p:spTgt spid="2052"/>
+                                        </p:tgtEl>
+                                      </p:cBhvr>
+                                    </p:animEffect>
+                                  </p:childTnLst>
+                                </p:cTn>
+                              </p:par>
+                            </p:childTnLst>
+                          </p:cTn>
+                        </p:par>
+                      </p:childTnLst>
+                    </p:cTn>
+                  </p:par>
+                </p:childTnLst>
+              </p:cTn>
+              <p:prevCondLst>
+                <p:cond evt="onPrev" delay="0">
+                  <p:tgtEl>
+                    <p:sldTgt/>
+                  </p:tgtEl>
+                </p:cond>
+              </p:prevCondLst>
+              <p:nextCondLst>
+                <p:cond evt="onNext" delay="0">
+                  <p:tgtEl>
+                    <p:sldTgt/>
+                  </p:tgtEl>
+                </p:cond>
+              </p:nextCondLst>
+            </p:seq>
+          </p:childTnLst>
+        </p:cTn>
+      </p:par>
+    </p:tnLst>
+    <p:bldLst>
+      <p:bldP spid="3" grpId="0" build="p"/>
+    </p:bldLst>
+  </p:timing>
 </p:sld>
 </file>
 
@@ -6469,30 +8706,150 @@
             <p:ph type="title"/>
           </p:nvPr>
         </p:nvSpPr>
-        <p:spPr>
-          <a:xfrm>
-            <a:off x="4849811" y="3335618"/>
-            <a:ext cx="4192589" cy="1325282"/>
-          </a:xfrm>
-        </p:spPr>
+        <p:spPr/>
         <p:txBody>
           <a:bodyPr/>
           <a:lstStyle/>
           <a:p>
+            <a:r>
+              <a:rPr lang="hu-HU" dirty="0" smtClean="0"/>
+              <a:t>Források</a:t>
+            </a:r>
             <a:endParaRPr lang="hu-HU" dirty="0"/>
+          </a:p>
+        </p:txBody>
+      </p:sp>
+      <p:sp>
+        <p:nvSpPr>
+          <p:cNvPr id="3" name="Tartalom helye 2"/>
+          <p:cNvSpPr>
+            <a:spLocks noGrp="1"/>
+          </p:cNvSpPr>
+          <p:nvPr>
+            <p:ph idx="1"/>
+          </p:nvPr>
+        </p:nvSpPr>
+        <p:spPr/>
+        <p:txBody>
+          <a:bodyPr/>
+          <a:lstStyle/>
+          <a:p>
+            <a:r>
+              <a:rPr lang="hu-HU" dirty="0">
+                <a:hlinkClick r:id="rId2"/>
+              </a:rPr>
+              <a:t>https://polymoa.wordpress.com/2019/02/08/169-resolutions-chart</a:t>
+            </a:r>
+            <a:r>
+              <a:rPr lang="hu-HU" dirty="0" smtClean="0">
+                <a:hlinkClick r:id="rId2"/>
+              </a:rPr>
+              <a:t>/</a:t>
+            </a:r>
+            <a:endParaRPr lang="hu-HU" dirty="0" smtClean="0"/>
+          </a:p>
+          <a:p>
+            <a:r>
+              <a:rPr lang="hu-HU" dirty="0">
+                <a:hlinkClick r:id="rId3"/>
+              </a:rPr>
+              <a:t>https://www.pcgamer.com/asus-rog-swift-500hz-gaming-monitor</a:t>
+            </a:r>
+            <a:r>
+              <a:rPr lang="hu-HU" dirty="0" smtClean="0">
+                <a:hlinkClick r:id="rId3"/>
+              </a:rPr>
+              <a:t>/</a:t>
+            </a:r>
+            <a:endParaRPr lang="hu-HU" dirty="0" smtClean="0"/>
+          </a:p>
+          <a:p>
+            <a:endParaRPr lang="hu-HU" dirty="0" smtClean="0"/>
           </a:p>
         </p:txBody>
       </p:sp>
     </p:spTree>
     <p:extLst>
       <p:ext uri="{BB962C8B-B14F-4D97-AF65-F5344CB8AC3E}">
-        <p14:creationId xmlns:p14="http://schemas.microsoft.com/office/powerpoint/2010/main" val="1746285200"/>
+        <p14:creationId xmlns:p14="http://schemas.microsoft.com/office/powerpoint/2010/main" val="4109972850"/>
       </p:ext>
     </p:extLst>
   </p:cSld>
   <p:clrMapOvr>
     <a:masterClrMapping/>
   </p:clrMapOvr>
+  <p:timing>
+    <p:tnLst>
+      <p:par>
+        <p:cTn id="1" dur="indefinite" restart="never" nodeType="tmRoot"/>
+      </p:par>
+    </p:tnLst>
+  </p:timing>
+</p:sld>
+</file>
+
+<file path=ppt/slides/slide8.xml><?xml version="1.0" encoding="utf-8"?>
+<p:sld xmlns:a="http://schemas.openxmlformats.org/drawingml/2006/main" xmlns:r="http://schemas.openxmlformats.org/officeDocument/2006/relationships" xmlns:p="http://schemas.openxmlformats.org/presentationml/2006/main">
+  <p:cSld>
+    <p:spTree>
+      <p:nvGrpSpPr>
+        <p:cNvPr id="1" name=""/>
+        <p:cNvGrpSpPr/>
+        <p:nvPr/>
+      </p:nvGrpSpPr>
+      <p:grpSpPr>
+        <a:xfrm>
+          <a:off x="0" y="0"/>
+          <a:ext cx="0" cy="0"/>
+          <a:chOff x="0" y="0"/>
+          <a:chExt cx="0" cy="0"/>
+        </a:xfrm>
+      </p:grpSpPr>
+      <p:sp>
+        <p:nvSpPr>
+          <p:cNvPr id="2" name="Cím 1"/>
+          <p:cNvSpPr>
+            <a:spLocks noGrp="1"/>
+          </p:cNvSpPr>
+          <p:nvPr>
+            <p:ph type="title"/>
+          </p:nvPr>
+        </p:nvSpPr>
+        <p:spPr>
+          <a:xfrm>
+            <a:off x="3083449" y="3034385"/>
+            <a:ext cx="6234191" cy="740462"/>
+          </a:xfrm>
+        </p:spPr>
+        <p:txBody>
+          <a:bodyPr/>
+          <a:lstStyle/>
+          <a:p>
+            <a:r>
+              <a:rPr lang="hu-HU" sz="4000" dirty="0" smtClean="0"/>
+              <a:t>Köszönöm a figyelmet!</a:t>
+            </a:r>
+            <a:endParaRPr lang="hu-HU" sz="4000" dirty="0"/>
+          </a:p>
+        </p:txBody>
+      </p:sp>
+    </p:spTree>
+    <p:extLst>
+      <p:ext uri="{BB962C8B-B14F-4D97-AF65-F5344CB8AC3E}">
+        <p14:creationId xmlns:p14="http://schemas.microsoft.com/office/powerpoint/2010/main" val="1634896888"/>
+      </p:ext>
+    </p:extLst>
+  </p:cSld>
+  <p:clrMapOvr>
+    <a:masterClrMapping/>
+  </p:clrMapOvr>
+  <p:timing>
+    <p:tnLst>
+      <p:par>
+        <p:cTn id="1" dur="indefinite" restart="never" nodeType="tmRoot"/>
+      </p:par>
+    </p:tnLst>
+  </p:timing>
 </p:sld>
 </file>
 

--- a/Monitorok.pptx
+++ b/Monitorok.pptx
@@ -2,7 +2,7 @@
 <file path=ppt/presentation.xml><?xml version="1.0" encoding="utf-8"?>
 <p:presentation xmlns:a="http://schemas.openxmlformats.org/drawingml/2006/main" xmlns:r="http://schemas.openxmlformats.org/officeDocument/2006/relationships" xmlns:p="http://schemas.openxmlformats.org/presentationml/2006/main" autoCompressPictures="0">
   <p:sldMasterIdLst>
-    <p:sldMasterId id="2147483648" r:id="rId1"/>
+    <p:sldMasterId id="2147483845" r:id="rId1"/>
   </p:sldMasterIdLst>
   <p:sldIdLst>
     <p:sldId id="256" r:id="rId2"/>
@@ -304,8 +304,8 @@
           <a:lstStyle/>
           <a:p>
             <a:fld id="{4AAD347D-5ACD-4C99-B74B-A9C85AD731AF}" type="datetimeFigureOut">
-              <a:rPr lang="en-US" dirty="0"/>
-              <a:t>9/14/2022</a:t>
+              <a:rPr lang="en-US" smtClean="0"/>
+              <a:t>9/15/2022</a:t>
             </a:fld>
             <a:endParaRPr lang="en-US" dirty="0"/>
           </a:p>
@@ -346,7 +346,7 @@
           <a:lstStyle/>
           <a:p>
             <a:fld id="{D57F1E4F-1CFF-5643-939E-02111984F565}" type="slidenum">
-              <a:rPr lang="en-US" dirty="0"/>
+              <a:rPr lang="en-US" smtClean="0"/>
               <a:t>‹#›</a:t>
             </a:fld>
             <a:endParaRPr lang="en-US" dirty="0"/>
@@ -354,6 +354,11 @@
         </p:txBody>
       </p:sp>
     </p:spTree>
+    <p:extLst>
+      <p:ext uri="{BB962C8B-B14F-4D97-AF65-F5344CB8AC3E}">
+        <p14:creationId xmlns:p14="http://schemas.microsoft.com/office/powerpoint/2010/main" val="1753982468"/>
+      </p:ext>
+    </p:extLst>
   </p:cSld>
   <p:clrMapOvr>
     <a:masterClrMapping/>
@@ -573,9 +578,9 @@
           <a:bodyPr/>
           <a:lstStyle/>
           <a:p>
-            <a:fld id="{4509A250-FF31-4206-8172-F9D3106AACB1}" type="datetimeFigureOut">
-              <a:rPr lang="en-US" dirty="0"/>
-              <a:t>9/14/2022</a:t>
+            <a:fld id="{4AAD347D-5ACD-4C99-B74B-A9C85AD731AF}" type="datetimeFigureOut">
+              <a:rPr lang="en-US" smtClean="0"/>
+              <a:t>9/15/2022</a:t>
             </a:fld>
             <a:endParaRPr lang="en-US" dirty="0"/>
           </a:p>
@@ -616,7 +621,7 @@
           <a:lstStyle/>
           <a:p>
             <a:fld id="{D57F1E4F-1CFF-5643-939E-02111984F565}" type="slidenum">
-              <a:rPr lang="en-US" dirty="0"/>
+              <a:rPr lang="en-US" smtClean="0"/>
               <a:t>‹#›</a:t>
             </a:fld>
             <a:endParaRPr lang="en-US" dirty="0"/>
@@ -624,10 +629,16 @@
         </p:txBody>
       </p:sp>
     </p:spTree>
+    <p:extLst>
+      <p:ext uri="{BB962C8B-B14F-4D97-AF65-F5344CB8AC3E}">
+        <p14:creationId xmlns:p14="http://schemas.microsoft.com/office/powerpoint/2010/main" val="3685493148"/>
+      </p:ext>
+    </p:extLst>
   </p:cSld>
   <p:clrMapOvr>
     <a:masterClrMapping/>
   </p:clrMapOvr>
+  <p:hf sldNum="0" hdr="0" ftr="0" dt="0"/>
 </p:sldLayout>
 </file>
 
@@ -762,9 +773,9 @@
           <a:bodyPr/>
           <a:lstStyle/>
           <a:p>
-            <a:fld id="{4509A250-FF31-4206-8172-F9D3106AACB1}" type="datetimeFigureOut">
-              <a:rPr lang="en-US" dirty="0"/>
-              <a:t>9/14/2022</a:t>
+            <a:fld id="{4AAD347D-5ACD-4C99-B74B-A9C85AD731AF}" type="datetimeFigureOut">
+              <a:rPr lang="en-US" smtClean="0"/>
+              <a:t>9/15/2022</a:t>
             </a:fld>
             <a:endParaRPr lang="en-US" dirty="0"/>
           </a:p>
@@ -805,7 +816,7 @@
           <a:lstStyle/>
           <a:p>
             <a:fld id="{D57F1E4F-1CFF-5643-939E-02111984F565}" type="slidenum">
-              <a:rPr lang="en-US" dirty="0"/>
+              <a:rPr lang="en-US" smtClean="0"/>
               <a:t>‹#›</a:t>
             </a:fld>
             <a:endParaRPr lang="en-US" dirty="0"/>
@@ -813,10 +824,16 @@
         </p:txBody>
       </p:sp>
     </p:spTree>
+    <p:extLst>
+      <p:ext uri="{BB962C8B-B14F-4D97-AF65-F5344CB8AC3E}">
+        <p14:creationId xmlns:p14="http://schemas.microsoft.com/office/powerpoint/2010/main" val="665798797"/>
+      </p:ext>
+    </p:extLst>
   </p:cSld>
   <p:clrMapOvr>
     <a:masterClrMapping/>
   </p:clrMapOvr>
+  <p:hf sldNum="0" hdr="0" ftr="0" dt="0"/>
 </p:sldLayout>
 </file>
 
@@ -1030,9 +1047,9 @@
           <a:bodyPr/>
           <a:lstStyle/>
           <a:p>
-            <a:fld id="{4509A250-FF31-4206-8172-F9D3106AACB1}" type="datetimeFigureOut">
-              <a:rPr lang="en-US" dirty="0"/>
-              <a:t>9/14/2022</a:t>
+            <a:fld id="{4AAD347D-5ACD-4C99-B74B-A9C85AD731AF}" type="datetimeFigureOut">
+              <a:rPr lang="en-US" smtClean="0"/>
+              <a:t>9/15/2022</a:t>
             </a:fld>
             <a:endParaRPr lang="en-US" dirty="0"/>
           </a:p>
@@ -1073,7 +1090,7 @@
           <a:lstStyle/>
           <a:p>
             <a:fld id="{D57F1E4F-1CFF-5643-939E-02111984F565}" type="slidenum">
-              <a:rPr lang="en-US" dirty="0"/>
+              <a:rPr lang="en-US" smtClean="0"/>
               <a:t>‹#›</a:t>
             </a:fld>
             <a:endParaRPr lang="en-US" dirty="0"/>
@@ -1175,10 +1192,16 @@
         </p:txBody>
       </p:sp>
     </p:spTree>
+    <p:extLst>
+      <p:ext uri="{BB962C8B-B14F-4D97-AF65-F5344CB8AC3E}">
+        <p14:creationId xmlns:p14="http://schemas.microsoft.com/office/powerpoint/2010/main" val="839303134"/>
+      </p:ext>
+    </p:extLst>
   </p:cSld>
   <p:clrMapOvr>
     <a:masterClrMapping/>
   </p:clrMapOvr>
+  <p:hf sldNum="0" hdr="0" ftr="0" dt="0"/>
 </p:sldLayout>
 </file>
 
@@ -1366,9 +1389,9 @@
           <a:bodyPr/>
           <a:lstStyle/>
           <a:p>
-            <a:fld id="{4509A250-FF31-4206-8172-F9D3106AACB1}" type="datetimeFigureOut">
-              <a:rPr lang="en-US" dirty="0"/>
-              <a:t>9/14/2022</a:t>
+            <a:fld id="{4AAD347D-5ACD-4C99-B74B-A9C85AD731AF}" type="datetimeFigureOut">
+              <a:rPr lang="en-US" smtClean="0"/>
+              <a:t>9/15/2022</a:t>
             </a:fld>
             <a:endParaRPr lang="en-US" dirty="0"/>
           </a:p>
@@ -1409,7 +1432,7 @@
           <a:lstStyle/>
           <a:p>
             <a:fld id="{D57F1E4F-1CFF-5643-939E-02111984F565}" type="slidenum">
-              <a:rPr lang="en-US" dirty="0"/>
+              <a:rPr lang="en-US" smtClean="0"/>
               <a:t>‹#›</a:t>
             </a:fld>
             <a:endParaRPr lang="en-US" dirty="0"/>
@@ -1417,10 +1440,16 @@
         </p:txBody>
       </p:sp>
     </p:spTree>
+    <p:extLst>
+      <p:ext uri="{BB962C8B-B14F-4D97-AF65-F5344CB8AC3E}">
+        <p14:creationId xmlns:p14="http://schemas.microsoft.com/office/powerpoint/2010/main" val="2405353318"/>
+      </p:ext>
+    </p:extLst>
   </p:cSld>
   <p:clrMapOvr>
     <a:masterClrMapping/>
   </p:clrMapOvr>
+  <p:hf sldNum="0" hdr="0" ftr="0" dt="0"/>
 </p:sldLayout>
 </file>
 
@@ -1984,9 +2013,9 @@
           <a:bodyPr/>
           <a:lstStyle/>
           <a:p>
-            <a:fld id="{4509A250-FF31-4206-8172-F9D3106AACB1}" type="datetimeFigureOut">
-              <a:rPr lang="en-US" dirty="0"/>
-              <a:t>9/14/2022</a:t>
+            <a:fld id="{4AAD347D-5ACD-4C99-B74B-A9C85AD731AF}" type="datetimeFigureOut">
+              <a:rPr lang="en-US" smtClean="0"/>
+              <a:t>9/15/2022</a:t>
             </a:fld>
             <a:endParaRPr lang="en-US" dirty="0"/>
           </a:p>
@@ -2027,7 +2056,7 @@
           <a:lstStyle/>
           <a:p>
             <a:fld id="{D57F1E4F-1CFF-5643-939E-02111984F565}" type="slidenum">
-              <a:rPr lang="en-US" dirty="0"/>
+              <a:rPr lang="en-US" smtClean="0"/>
               <a:t>‹#›</a:t>
             </a:fld>
             <a:endParaRPr lang="en-US" dirty="0"/>
@@ -2035,10 +2064,16 @@
         </p:txBody>
       </p:sp>
     </p:spTree>
+    <p:extLst>
+      <p:ext uri="{BB962C8B-B14F-4D97-AF65-F5344CB8AC3E}">
+        <p14:creationId xmlns:p14="http://schemas.microsoft.com/office/powerpoint/2010/main" val="2677645173"/>
+      </p:ext>
+    </p:extLst>
   </p:cSld>
   <p:clrMapOvr>
     <a:masterClrMapping/>
   </p:clrMapOvr>
+  <p:hf sldNum="0" hdr="0" ftr="0" dt="0"/>
 </p:sldLayout>
 </file>
 
@@ -2839,9 +2874,9 @@
           <a:bodyPr/>
           <a:lstStyle/>
           <a:p>
-            <a:fld id="{4509A250-FF31-4206-8172-F9D3106AACB1}" type="datetimeFigureOut">
-              <a:rPr lang="en-US" dirty="0"/>
-              <a:t>9/14/2022</a:t>
+            <a:fld id="{4AAD347D-5ACD-4C99-B74B-A9C85AD731AF}" type="datetimeFigureOut">
+              <a:rPr lang="en-US" smtClean="0"/>
+              <a:t>9/15/2022</a:t>
             </a:fld>
             <a:endParaRPr lang="en-US" dirty="0"/>
           </a:p>
@@ -2882,7 +2917,7 @@
           <a:lstStyle/>
           <a:p>
             <a:fld id="{D57F1E4F-1CFF-5643-939E-02111984F565}" type="slidenum">
-              <a:rPr lang="en-US" dirty="0"/>
+              <a:rPr lang="en-US" smtClean="0"/>
               <a:t>‹#›</a:t>
             </a:fld>
             <a:endParaRPr lang="en-US" dirty="0"/>
@@ -2890,10 +2925,16 @@
         </p:txBody>
       </p:sp>
     </p:spTree>
+    <p:extLst>
+      <p:ext uri="{BB962C8B-B14F-4D97-AF65-F5344CB8AC3E}">
+        <p14:creationId xmlns:p14="http://schemas.microsoft.com/office/powerpoint/2010/main" val="2299857505"/>
+      </p:ext>
+    </p:extLst>
   </p:cSld>
   <p:clrMapOvr>
     <a:masterClrMapping/>
   </p:clrMapOvr>
+  <p:hf sldNum="0" hdr="0" ftr="0" dt="0"/>
 </p:sldLayout>
 </file>
 
@@ -3005,8 +3046,8 @@
           <a:lstStyle/>
           <a:p>
             <a:fld id="{4509A250-FF31-4206-8172-F9D3106AACB1}" type="datetimeFigureOut">
-              <a:rPr lang="en-US" dirty="0"/>
-              <a:t>9/14/2022</a:t>
+              <a:rPr lang="en-US" smtClean="0"/>
+              <a:t>9/15/2022</a:t>
             </a:fld>
             <a:endParaRPr lang="en-US" dirty="0"/>
           </a:p>
@@ -3047,7 +3088,7 @@
           <a:lstStyle/>
           <a:p>
             <a:fld id="{D57F1E4F-1CFF-5643-939E-02111984F565}" type="slidenum">
-              <a:rPr lang="en-US" dirty="0"/>
+              <a:rPr lang="en-US" smtClean="0"/>
               <a:t>‹#›</a:t>
             </a:fld>
             <a:endParaRPr lang="en-US" dirty="0"/>
@@ -3055,6 +3096,11 @@
         </p:txBody>
       </p:sp>
     </p:spTree>
+    <p:extLst>
+      <p:ext uri="{BB962C8B-B14F-4D97-AF65-F5344CB8AC3E}">
+        <p14:creationId xmlns:p14="http://schemas.microsoft.com/office/powerpoint/2010/main" val="1760575546"/>
+      </p:ext>
+    </p:extLst>
   </p:cSld>
   <p:clrMapOvr>
     <a:masterClrMapping/>
@@ -3180,8 +3226,8 @@
           <a:lstStyle/>
           <a:p>
             <a:fld id="{4509A250-FF31-4206-8172-F9D3106AACB1}" type="datetimeFigureOut">
-              <a:rPr lang="en-US" dirty="0"/>
-              <a:t>9/14/2022</a:t>
+              <a:rPr lang="en-US" smtClean="0"/>
+              <a:t>9/15/2022</a:t>
             </a:fld>
             <a:endParaRPr lang="en-US" dirty="0"/>
           </a:p>
@@ -3222,7 +3268,7 @@
           <a:lstStyle/>
           <a:p>
             <a:fld id="{D57F1E4F-1CFF-5643-939E-02111984F565}" type="slidenum">
-              <a:rPr lang="en-US" dirty="0"/>
+              <a:rPr lang="en-US" smtClean="0"/>
               <a:t>‹#›</a:t>
             </a:fld>
             <a:endParaRPr lang="en-US" dirty="0"/>
@@ -3230,6 +3276,11 @@
         </p:txBody>
       </p:sp>
     </p:spTree>
+    <p:extLst>
+      <p:ext uri="{BB962C8B-B14F-4D97-AF65-F5344CB8AC3E}">
+        <p14:creationId xmlns:p14="http://schemas.microsoft.com/office/powerpoint/2010/main" val="896397423"/>
+      </p:ext>
+    </p:extLst>
   </p:cSld>
   <p:clrMapOvr>
     <a:masterClrMapping/>
@@ -3345,8 +3396,8 @@
           <a:lstStyle/>
           <a:p>
             <a:fld id="{4509A250-FF31-4206-8172-F9D3106AACB1}" type="datetimeFigureOut">
-              <a:rPr lang="en-US" dirty="0"/>
-              <a:t>9/14/2022</a:t>
+              <a:rPr lang="en-US" smtClean="0"/>
+              <a:t>9/15/2022</a:t>
             </a:fld>
             <a:endParaRPr lang="en-US" dirty="0"/>
           </a:p>
@@ -3387,7 +3438,7 @@
           <a:lstStyle/>
           <a:p>
             <a:fld id="{D57F1E4F-1CFF-5643-939E-02111984F565}" type="slidenum">
-              <a:rPr lang="en-US" dirty="0"/>
+              <a:rPr lang="en-US" smtClean="0"/>
               <a:t>‹#›</a:t>
             </a:fld>
             <a:endParaRPr lang="en-US" dirty="0"/>
@@ -3395,6 +3446,11 @@
         </p:txBody>
       </p:sp>
     </p:spTree>
+    <p:extLst>
+      <p:ext uri="{BB962C8B-B14F-4D97-AF65-F5344CB8AC3E}">
+        <p14:creationId xmlns:p14="http://schemas.microsoft.com/office/powerpoint/2010/main" val="1933942939"/>
+      </p:ext>
+    </p:extLst>
   </p:cSld>
   <p:clrMapOvr>
     <a:masterClrMapping/>
@@ -3587,8 +3643,8 @@
           <a:lstStyle/>
           <a:p>
             <a:fld id="{9796027F-7875-4030-9381-8BD8C4F21935}" type="datetimeFigureOut">
-              <a:rPr lang="en-US" dirty="0"/>
-              <a:t>9/14/2022</a:t>
+              <a:rPr lang="en-US" smtClean="0"/>
+              <a:t>9/15/2022</a:t>
             </a:fld>
             <a:endParaRPr lang="en-US" dirty="0"/>
           </a:p>
@@ -3629,7 +3685,7 @@
           <a:lstStyle/>
           <a:p>
             <a:fld id="{D57F1E4F-1CFF-5643-939E-02111984F565}" type="slidenum">
-              <a:rPr lang="en-US" dirty="0"/>
+              <a:rPr lang="en-US" smtClean="0"/>
               <a:t>‹#›</a:t>
             </a:fld>
             <a:endParaRPr lang="en-US" dirty="0"/>
@@ -3637,6 +3693,11 @@
         </p:txBody>
       </p:sp>
     </p:spTree>
+    <p:extLst>
+      <p:ext uri="{BB962C8B-B14F-4D97-AF65-F5344CB8AC3E}">
+        <p14:creationId xmlns:p14="http://schemas.microsoft.com/office/powerpoint/2010/main" val="2467249897"/>
+      </p:ext>
+    </p:extLst>
   </p:cSld>
   <p:clrMapOvr>
     <a:masterClrMapping/>
@@ -3874,8 +3935,8 @@
           <a:lstStyle/>
           <a:p>
             <a:fld id="{9796027F-7875-4030-9381-8BD8C4F21935}" type="datetimeFigureOut">
-              <a:rPr lang="en-US" dirty="0"/>
-              <a:t>9/14/2022</a:t>
+              <a:rPr lang="en-US" smtClean="0"/>
+              <a:t>9/15/2022</a:t>
             </a:fld>
             <a:endParaRPr lang="en-US" dirty="0"/>
           </a:p>
@@ -3916,7 +3977,7 @@
           <a:lstStyle/>
           <a:p>
             <a:fld id="{D57F1E4F-1CFF-5643-939E-02111984F565}" type="slidenum">
-              <a:rPr lang="en-US" dirty="0"/>
+              <a:rPr lang="en-US" smtClean="0"/>
               <a:t>‹#›</a:t>
             </a:fld>
             <a:endParaRPr lang="en-US" dirty="0"/>
@@ -3924,6 +3985,11 @@
         </p:txBody>
       </p:sp>
     </p:spTree>
+    <p:extLst>
+      <p:ext uri="{BB962C8B-B14F-4D97-AF65-F5344CB8AC3E}">
+        <p14:creationId xmlns:p14="http://schemas.microsoft.com/office/powerpoint/2010/main" val="1605578034"/>
+      </p:ext>
+    </p:extLst>
   </p:cSld>
   <p:clrMapOvr>
     <a:masterClrMapping/>
@@ -4313,8 +4379,8 @@
           <a:lstStyle/>
           <a:p>
             <a:fld id="{9796027F-7875-4030-9381-8BD8C4F21935}" type="datetimeFigureOut">
-              <a:rPr lang="en-US" dirty="0"/>
-              <a:t>9/14/2022</a:t>
+              <a:rPr lang="en-US" smtClean="0"/>
+              <a:t>9/15/2022</a:t>
             </a:fld>
             <a:endParaRPr lang="en-US" dirty="0"/>
           </a:p>
@@ -4355,7 +4421,7 @@
           <a:lstStyle/>
           <a:p>
             <a:fld id="{D57F1E4F-1CFF-5643-939E-02111984F565}" type="slidenum">
-              <a:rPr lang="en-US" dirty="0"/>
+              <a:rPr lang="en-US" smtClean="0"/>
               <a:t>‹#›</a:t>
             </a:fld>
             <a:endParaRPr lang="en-US" dirty="0"/>
@@ -4363,6 +4429,11 @@
         </p:txBody>
       </p:sp>
     </p:spTree>
+    <p:extLst>
+      <p:ext uri="{BB962C8B-B14F-4D97-AF65-F5344CB8AC3E}">
+        <p14:creationId xmlns:p14="http://schemas.microsoft.com/office/powerpoint/2010/main" val="3705968011"/>
+      </p:ext>
+    </p:extLst>
   </p:cSld>
   <p:clrMapOvr>
     <a:masterClrMapping/>
@@ -4426,8 +4497,8 @@
           <a:lstStyle/>
           <a:p>
             <a:fld id="{4509A250-FF31-4206-8172-F9D3106AACB1}" type="datetimeFigureOut">
-              <a:rPr lang="en-US" dirty="0"/>
-              <a:t>9/14/2022</a:t>
+              <a:rPr lang="en-US" smtClean="0"/>
+              <a:t>9/15/2022</a:t>
             </a:fld>
             <a:endParaRPr lang="en-US" dirty="0"/>
           </a:p>
@@ -4468,7 +4539,7 @@
           <a:lstStyle/>
           <a:p>
             <a:fld id="{D57F1E4F-1CFF-5643-939E-02111984F565}" type="slidenum">
-              <a:rPr lang="en-US" dirty="0"/>
+              <a:rPr lang="en-US" smtClean="0"/>
               <a:t>‹#›</a:t>
             </a:fld>
             <a:endParaRPr lang="en-US" dirty="0"/>
@@ -4476,6 +4547,11 @@
         </p:txBody>
       </p:sp>
     </p:spTree>
+    <p:extLst>
+      <p:ext uri="{BB962C8B-B14F-4D97-AF65-F5344CB8AC3E}">
+        <p14:creationId xmlns:p14="http://schemas.microsoft.com/office/powerpoint/2010/main" val="807806778"/>
+      </p:ext>
+    </p:extLst>
   </p:cSld>
   <p:clrMapOvr>
     <a:masterClrMapping/>
@@ -4516,8 +4592,8 @@
           <a:lstStyle/>
           <a:p>
             <a:fld id="{4509A250-FF31-4206-8172-F9D3106AACB1}" type="datetimeFigureOut">
-              <a:rPr lang="en-US" dirty="0"/>
-              <a:t>9/14/2022</a:t>
+              <a:rPr lang="en-US" smtClean="0"/>
+              <a:t>9/15/2022</a:t>
             </a:fld>
             <a:endParaRPr lang="en-US" dirty="0"/>
           </a:p>
@@ -4558,7 +4634,7 @@
           <a:lstStyle/>
           <a:p>
             <a:fld id="{D57F1E4F-1CFF-5643-939E-02111984F565}" type="slidenum">
-              <a:rPr lang="en-US" dirty="0"/>
+              <a:rPr lang="en-US" smtClean="0"/>
               <a:t>‹#›</a:t>
             </a:fld>
             <a:endParaRPr lang="en-US" dirty="0"/>
@@ -4566,6 +4642,11 @@
         </p:txBody>
       </p:sp>
     </p:spTree>
+    <p:extLst>
+      <p:ext uri="{BB962C8B-B14F-4D97-AF65-F5344CB8AC3E}">
+        <p14:creationId xmlns:p14="http://schemas.microsoft.com/office/powerpoint/2010/main" val="4180361345"/>
+      </p:ext>
+    </p:extLst>
   </p:cSld>
   <p:clrMapOvr>
     <a:masterClrMapping/>
@@ -4790,8 +4871,8 @@
           <a:lstStyle/>
           <a:p>
             <a:fld id="{4509A250-FF31-4206-8172-F9D3106AACB1}" type="datetimeFigureOut">
-              <a:rPr lang="en-US" dirty="0"/>
-              <a:t>9/14/2022</a:t>
+              <a:rPr lang="en-US" smtClean="0"/>
+              <a:t>9/15/2022</a:t>
             </a:fld>
             <a:endParaRPr lang="en-US" dirty="0"/>
           </a:p>
@@ -4832,7 +4913,7 @@
           <a:lstStyle/>
           <a:p>
             <a:fld id="{D57F1E4F-1CFF-5643-939E-02111984F565}" type="slidenum">
-              <a:rPr lang="en-US" dirty="0"/>
+              <a:rPr lang="en-US" smtClean="0"/>
               <a:t>‹#›</a:t>
             </a:fld>
             <a:endParaRPr lang="en-US" dirty="0"/>
@@ -4840,6 +4921,11 @@
         </p:txBody>
       </p:sp>
     </p:spTree>
+    <p:extLst>
+      <p:ext uri="{BB962C8B-B14F-4D97-AF65-F5344CB8AC3E}">
+        <p14:creationId xmlns:p14="http://schemas.microsoft.com/office/powerpoint/2010/main" val="1233122220"/>
+      </p:ext>
+    </p:extLst>
   </p:cSld>
   <p:clrMapOvr>
     <a:masterClrMapping/>
@@ -5060,8 +5146,8 @@
           <a:lstStyle/>
           <a:p>
             <a:fld id="{4509A250-FF31-4206-8172-F9D3106AACB1}" type="datetimeFigureOut">
-              <a:rPr lang="en-US" dirty="0"/>
-              <a:t>9/14/2022</a:t>
+              <a:rPr lang="en-US" smtClean="0"/>
+              <a:t>9/15/2022</a:t>
             </a:fld>
             <a:endParaRPr lang="en-US" dirty="0"/>
           </a:p>
@@ -5102,7 +5188,7 @@
           <a:lstStyle/>
           <a:p>
             <a:fld id="{D57F1E4F-1CFF-5643-939E-02111984F565}" type="slidenum">
-              <a:rPr lang="en-US" dirty="0"/>
+              <a:rPr lang="en-US" smtClean="0"/>
               <a:t>‹#›</a:t>
             </a:fld>
             <a:endParaRPr lang="en-US" dirty="0"/>
@@ -5110,6 +5196,11 @@
         </p:txBody>
       </p:sp>
     </p:spTree>
+    <p:extLst>
+      <p:ext uri="{BB962C8B-B14F-4D97-AF65-F5344CB8AC3E}">
+        <p14:creationId xmlns:p14="http://schemas.microsoft.com/office/powerpoint/2010/main" val="654485209"/>
+      </p:ext>
+    </p:extLst>
   </p:cSld>
   <p:clrMapOvr>
     <a:masterClrMapping/>
@@ -5484,8 +5575,8 @@
           </a:lstStyle>
           <a:p>
             <a:fld id="{4AAD347D-5ACD-4C99-B74B-A9C85AD731AF}" type="datetimeFigureOut">
-              <a:rPr lang="en-US" dirty="0"/>
-              <a:t>9/14/2022</a:t>
+              <a:rPr lang="en-US" smtClean="0"/>
+              <a:t>9/15/2022</a:t>
             </a:fld>
             <a:endParaRPr lang="en-US" dirty="0"/>
           </a:p>
@@ -5563,7 +5654,7 @@
           </a:lstStyle>
           <a:p>
             <a:fld id="{D57F1E4F-1CFF-5643-939E-02111984F565}" type="slidenum">
-              <a:rPr lang="en-US" dirty="0"/>
+              <a:rPr lang="en-US" smtClean="0"/>
               <a:t>‹#›</a:t>
             </a:fld>
             <a:endParaRPr lang="en-US" dirty="0"/>
@@ -5571,26 +5662,31 @@
         </p:txBody>
       </p:sp>
     </p:spTree>
+    <p:extLst>
+      <p:ext uri="{BB962C8B-B14F-4D97-AF65-F5344CB8AC3E}">
+        <p14:creationId xmlns:p14="http://schemas.microsoft.com/office/powerpoint/2010/main" val="2316739389"/>
+      </p:ext>
+    </p:extLst>
   </p:cSld>
   <p:clrMap bg1="dk1" tx1="lt1" bg2="dk2" tx2="lt2" accent1="accent1" accent2="accent2" accent3="accent3" accent4="accent4" accent5="accent5" accent6="accent6" hlink="hlink" folHlink="folHlink"/>
   <p:sldLayoutIdLst>
-    <p:sldLayoutId id="2147483649" r:id="rId1"/>
-    <p:sldLayoutId id="2147483650" r:id="rId2"/>
-    <p:sldLayoutId id="2147483651" r:id="rId3"/>
-    <p:sldLayoutId id="2147483652" r:id="rId4"/>
-    <p:sldLayoutId id="2147483653" r:id="rId5"/>
-    <p:sldLayoutId id="2147483654" r:id="rId6"/>
-    <p:sldLayoutId id="2147483655" r:id="rId7"/>
-    <p:sldLayoutId id="2147483656" r:id="rId8"/>
-    <p:sldLayoutId id="2147483668" r:id="rId9"/>
-    <p:sldLayoutId id="2147483667" r:id="rId10"/>
-    <p:sldLayoutId id="2147483661" r:id="rId11"/>
-    <p:sldLayoutId id="2147483664" r:id="rId12"/>
-    <p:sldLayoutId id="2147483662" r:id="rId13"/>
-    <p:sldLayoutId id="2147483669" r:id="rId14"/>
-    <p:sldLayoutId id="2147483670" r:id="rId15"/>
-    <p:sldLayoutId id="2147483658" r:id="rId16"/>
-    <p:sldLayoutId id="2147483659" r:id="rId17"/>
+    <p:sldLayoutId id="2147483846" r:id="rId1"/>
+    <p:sldLayoutId id="2147483847" r:id="rId2"/>
+    <p:sldLayoutId id="2147483848" r:id="rId3"/>
+    <p:sldLayoutId id="2147483849" r:id="rId4"/>
+    <p:sldLayoutId id="2147483850" r:id="rId5"/>
+    <p:sldLayoutId id="2147483851" r:id="rId6"/>
+    <p:sldLayoutId id="2147483852" r:id="rId7"/>
+    <p:sldLayoutId id="2147483853" r:id="rId8"/>
+    <p:sldLayoutId id="2147483854" r:id="rId9"/>
+    <p:sldLayoutId id="2147483855" r:id="rId10"/>
+    <p:sldLayoutId id="2147483856" r:id="rId11"/>
+    <p:sldLayoutId id="2147483857" r:id="rId12"/>
+    <p:sldLayoutId id="2147483858" r:id="rId13"/>
+    <p:sldLayoutId id="2147483859" r:id="rId14"/>
+    <p:sldLayoutId id="2147483860" r:id="rId15"/>
+    <p:sldLayoutId id="2147483861" r:id="rId16"/>
+    <p:sldLayoutId id="2147483862" r:id="rId17"/>
   </p:sldLayoutIdLst>
   <p:hf sldNum="0" hdr="0" ftr="0" dt="0"/>
   <p:txStyles>
@@ -6021,12 +6117,14 @@
         </p:nvSpPr>
         <p:spPr>
           <a:xfrm>
-            <a:off x="2221436" y="1799063"/>
+            <a:off x="2221435" y="1799063"/>
             <a:ext cx="7406227" cy="842537"/>
           </a:xfrm>
         </p:spPr>
         <p:txBody>
-          <a:bodyPr/>
+          <a:bodyPr>
+            <a:normAutofit fontScale="90000"/>
+          </a:bodyPr>
           <a:lstStyle/>
           <a:p>
             <a:r>
@@ -6058,7 +6156,7 @@
         </p:blipFill>
         <p:spPr>
           <a:xfrm>
-            <a:off x="3225800" y="2641600"/>
+            <a:off x="3225799" y="2641600"/>
             <a:ext cx="5397500" cy="3149600"/>
           </a:xfrm>
           <a:prstGeom prst="rect">
@@ -6076,6 +6174,40 @@
           </a:effectLst>
         </p:spPr>
       </p:pic>
+      <p:sp>
+        <p:nvSpPr>
+          <p:cNvPr id="3" name="Szövegdoboz 2"/>
+          <p:cNvSpPr txBox="1"/>
+          <p:nvPr/>
+        </p:nvSpPr>
+        <p:spPr>
+          <a:xfrm>
+            <a:off x="514864" y="5791200"/>
+            <a:ext cx="4345757" cy="369332"/>
+          </a:xfrm>
+          <a:prstGeom prst="rect">
+            <a:avLst/>
+          </a:prstGeom>
+          <a:noFill/>
+        </p:spPr>
+        <p:txBody>
+          <a:bodyPr wrap="square" rtlCol="0">
+            <a:spAutoFit/>
+          </a:bodyPr>
+          <a:lstStyle/>
+          <a:p>
+            <a:r>
+              <a:rPr lang="hu-HU" dirty="0" smtClean="0"/>
+              <a:t>Készítette: Péter Dávid 10. </a:t>
+            </a:r>
+            <a:r>
+              <a:rPr lang="hu-HU" smtClean="0"/>
+              <a:t>A</a:t>
+            </a:r>
+            <a:endParaRPr lang="hu-HU" dirty="0"/>
+          </a:p>
+        </p:txBody>
+      </p:sp>
     </p:spTree>
     <p:extLst>
       <p:ext uri="{BB962C8B-B14F-4D97-AF65-F5344CB8AC3E}">
@@ -6432,33 +6564,15 @@
                                   </p:childTnLst>
                                 </p:cTn>
                               </p:par>
-                            </p:childTnLst>
-                          </p:cTn>
-                        </p:par>
-                      </p:childTnLst>
-                    </p:cTn>
-                  </p:par>
-                  <p:par>
-                    <p:cTn id="8" fill="hold">
-                      <p:stCondLst>
-                        <p:cond delay="indefinite"/>
-                      </p:stCondLst>
-                      <p:childTnLst>
-                        <p:par>
-                          <p:cTn id="9" fill="hold">
-                            <p:stCondLst>
-                              <p:cond delay="0"/>
-                            </p:stCondLst>
-                            <p:childTnLst>
                               <p:par>
-                                <p:cTn id="10" presetID="10" presetClass="entr" presetSubtype="0" fill="hold" grpId="0" nodeType="clickEffect">
+                                <p:cTn id="8" presetID="10" presetClass="entr" presetSubtype="0" fill="hold" grpId="0" nodeType="withEffect">
                                   <p:stCondLst>
                                     <p:cond delay="0"/>
                                   </p:stCondLst>
                                   <p:childTnLst>
                                     <p:set>
                                       <p:cBhvr>
-                                        <p:cTn id="11" dur="1" fill="hold">
+                                        <p:cTn id="9" dur="1" fill="hold">
                                           <p:stCondLst>
                                             <p:cond delay="0"/>
                                           </p:stCondLst>
@@ -6480,7 +6594,7 @@
                                     </p:set>
                                     <p:animEffect transition="in" filter="fade">
                                       <p:cBhvr>
-                                        <p:cTn id="12" dur="500"/>
+                                        <p:cTn id="10" dur="500"/>
                                         <p:tgtEl>
                                           <p:spTgt spid="3">
                                             <p:txEl>
@@ -6493,33 +6607,15 @@
                                   </p:childTnLst>
                                 </p:cTn>
                               </p:par>
-                            </p:childTnLst>
-                          </p:cTn>
-                        </p:par>
-                      </p:childTnLst>
-                    </p:cTn>
-                  </p:par>
-                  <p:par>
-                    <p:cTn id="13" fill="hold">
-                      <p:stCondLst>
-                        <p:cond delay="indefinite"/>
-                      </p:stCondLst>
-                      <p:childTnLst>
-                        <p:par>
-                          <p:cTn id="14" fill="hold">
-                            <p:stCondLst>
-                              <p:cond delay="0"/>
-                            </p:stCondLst>
-                            <p:childTnLst>
                               <p:par>
-                                <p:cTn id="15" presetID="10" presetClass="entr" presetSubtype="0" fill="hold" grpId="0" nodeType="clickEffect">
+                                <p:cTn id="11" presetID="10" presetClass="entr" presetSubtype="0" fill="hold" grpId="0" nodeType="withEffect">
                                   <p:stCondLst>
                                     <p:cond delay="0"/>
                                   </p:stCondLst>
                                   <p:childTnLst>
                                     <p:set>
                                       <p:cBhvr>
-                                        <p:cTn id="16" dur="1" fill="hold">
+                                        <p:cTn id="12" dur="1" fill="hold">
                                           <p:stCondLst>
                                             <p:cond delay="0"/>
                                           </p:stCondLst>
@@ -6541,7 +6637,7 @@
                                     </p:set>
                                     <p:animEffect transition="in" filter="fade">
                                       <p:cBhvr>
-                                        <p:cTn id="17" dur="500"/>
+                                        <p:cTn id="13" dur="500"/>
                                         <p:tgtEl>
                                           <p:spTgt spid="3">
                                             <p:txEl>
@@ -6554,33 +6650,15 @@
                                   </p:childTnLst>
                                 </p:cTn>
                               </p:par>
-                            </p:childTnLst>
-                          </p:cTn>
-                        </p:par>
-                      </p:childTnLst>
-                    </p:cTn>
-                  </p:par>
-                  <p:par>
-                    <p:cTn id="18" fill="hold">
-                      <p:stCondLst>
-                        <p:cond delay="indefinite"/>
-                      </p:stCondLst>
-                      <p:childTnLst>
-                        <p:par>
-                          <p:cTn id="19" fill="hold">
-                            <p:stCondLst>
-                              <p:cond delay="0"/>
-                            </p:stCondLst>
-                            <p:childTnLst>
                               <p:par>
-                                <p:cTn id="20" presetID="10" presetClass="entr" presetSubtype="0" fill="hold" grpId="0" nodeType="clickEffect">
+                                <p:cTn id="14" presetID="10" presetClass="entr" presetSubtype="0" fill="hold" grpId="0" nodeType="withEffect">
                                   <p:stCondLst>
                                     <p:cond delay="0"/>
                                   </p:stCondLst>
                                   <p:childTnLst>
                                     <p:set>
                                       <p:cBhvr>
-                                        <p:cTn id="21" dur="1" fill="hold">
+                                        <p:cTn id="15" dur="1" fill="hold">
                                           <p:stCondLst>
                                             <p:cond delay="0"/>
                                           </p:stCondLst>
@@ -6602,7 +6680,7 @@
                                     </p:set>
                                     <p:animEffect transition="in" filter="fade">
                                       <p:cBhvr>
-                                        <p:cTn id="22" dur="500"/>
+                                        <p:cTn id="16" dur="500"/>
                                         <p:tgtEl>
                                           <p:spTgt spid="3">
                                             <p:txEl>
@@ -6622,26 +6700,26 @@
                     </p:cTn>
                   </p:par>
                   <p:par>
-                    <p:cTn id="23" fill="hold">
+                    <p:cTn id="17" fill="hold">
                       <p:stCondLst>
                         <p:cond delay="indefinite"/>
                       </p:stCondLst>
                       <p:childTnLst>
                         <p:par>
-                          <p:cTn id="24" fill="hold">
+                          <p:cTn id="18" fill="hold">
                             <p:stCondLst>
                               <p:cond delay="0"/>
                             </p:stCondLst>
                             <p:childTnLst>
                               <p:par>
-                                <p:cTn id="25" presetID="10" presetClass="entr" presetSubtype="0" fill="hold" nodeType="clickEffect">
+                                <p:cTn id="19" presetID="10" presetClass="entr" presetSubtype="0" fill="hold" nodeType="clickEffect">
                                   <p:stCondLst>
                                     <p:cond delay="0"/>
                                   </p:stCondLst>
                                   <p:childTnLst>
                                     <p:set>
                                       <p:cBhvr>
-                                        <p:cTn id="26" dur="1" fill="hold">
+                                        <p:cTn id="20" dur="1" fill="hold">
                                           <p:stCondLst>
                                             <p:cond delay="0"/>
                                           </p:stCondLst>
@@ -6659,7 +6737,7 @@
                                     </p:set>
                                     <p:animEffect transition="in" filter="fade">
                                       <p:cBhvr>
-                                        <p:cTn id="27" dur="500"/>
+                                        <p:cTn id="21" dur="500"/>
                                         <p:tgtEl>
                                           <p:spTgt spid="1026"/>
                                         </p:tgtEl>
@@ -6696,7 +6774,7 @@
       </p:par>
     </p:tnLst>
     <p:bldLst>
-      <p:bldP spid="3" grpId="0" build="p"/>
+      <p:bldP spid="3" grpId="0" build="allAtOnce"/>
     </p:bldLst>
   </p:timing>
 </p:sld>
@@ -6822,7 +6900,7 @@
         </p:blipFill>
         <p:spPr>
           <a:xfrm>
-            <a:off x="6954644" y="1524930"/>
+            <a:off x="6671839" y="2052918"/>
             <a:ext cx="4572000" cy="2514600"/>
           </a:xfrm>
           <a:prstGeom prst="rect">
@@ -6903,33 +6981,15 @@
                                   </p:childTnLst>
                                 </p:cTn>
                               </p:par>
-                            </p:childTnLst>
-                          </p:cTn>
-                        </p:par>
-                      </p:childTnLst>
-                    </p:cTn>
-                  </p:par>
-                  <p:par>
-                    <p:cTn id="8" fill="hold">
-                      <p:stCondLst>
-                        <p:cond delay="indefinite"/>
-                      </p:stCondLst>
-                      <p:childTnLst>
-                        <p:par>
-                          <p:cTn id="9" fill="hold">
-                            <p:stCondLst>
-                              <p:cond delay="0"/>
-                            </p:stCondLst>
-                            <p:childTnLst>
                               <p:par>
-                                <p:cTn id="10" presetID="10" presetClass="entr" presetSubtype="0" fill="hold" grpId="0" nodeType="clickEffect">
+                                <p:cTn id="8" presetID="10" presetClass="entr" presetSubtype="0" fill="hold" grpId="0" nodeType="withEffect">
                                   <p:stCondLst>
                                     <p:cond delay="0"/>
                                   </p:stCondLst>
                                   <p:childTnLst>
                                     <p:set>
                                       <p:cBhvr>
-                                        <p:cTn id="11" dur="1" fill="hold">
+                                        <p:cTn id="9" dur="1" fill="hold">
                                           <p:stCondLst>
                                             <p:cond delay="0"/>
                                           </p:stCondLst>
@@ -6951,7 +7011,7 @@
                                     </p:set>
                                     <p:animEffect transition="in" filter="fade">
                                       <p:cBhvr>
-                                        <p:cTn id="12" dur="500"/>
+                                        <p:cTn id="10" dur="500"/>
                                         <p:tgtEl>
                                           <p:spTgt spid="3">
                                             <p:txEl>
@@ -6964,33 +7024,15 @@
                                   </p:childTnLst>
                                 </p:cTn>
                               </p:par>
-                            </p:childTnLst>
-                          </p:cTn>
-                        </p:par>
-                      </p:childTnLst>
-                    </p:cTn>
-                  </p:par>
-                  <p:par>
-                    <p:cTn id="13" fill="hold">
-                      <p:stCondLst>
-                        <p:cond delay="indefinite"/>
-                      </p:stCondLst>
-                      <p:childTnLst>
-                        <p:par>
-                          <p:cTn id="14" fill="hold">
-                            <p:stCondLst>
-                              <p:cond delay="0"/>
-                            </p:stCondLst>
-                            <p:childTnLst>
                               <p:par>
-                                <p:cTn id="15" presetID="10" presetClass="entr" presetSubtype="0" fill="hold" grpId="0" nodeType="clickEffect">
+                                <p:cTn id="11" presetID="10" presetClass="entr" presetSubtype="0" fill="hold" grpId="0" nodeType="withEffect">
                                   <p:stCondLst>
                                     <p:cond delay="0"/>
                                   </p:stCondLst>
                                   <p:childTnLst>
                                     <p:set>
                                       <p:cBhvr>
-                                        <p:cTn id="16" dur="1" fill="hold">
+                                        <p:cTn id="12" dur="1" fill="hold">
                                           <p:stCondLst>
                                             <p:cond delay="0"/>
                                           </p:stCondLst>
@@ -7012,7 +7054,7 @@
                                     </p:set>
                                     <p:animEffect transition="in" filter="fade">
                                       <p:cBhvr>
-                                        <p:cTn id="17" dur="500"/>
+                                        <p:cTn id="13" dur="500"/>
                                         <p:tgtEl>
                                           <p:spTgt spid="3">
                                             <p:txEl>
@@ -7025,33 +7067,15 @@
                                   </p:childTnLst>
                                 </p:cTn>
                               </p:par>
-                            </p:childTnLst>
-                          </p:cTn>
-                        </p:par>
-                      </p:childTnLst>
-                    </p:cTn>
-                  </p:par>
-                  <p:par>
-                    <p:cTn id="18" fill="hold">
-                      <p:stCondLst>
-                        <p:cond delay="indefinite"/>
-                      </p:stCondLst>
-                      <p:childTnLst>
-                        <p:par>
-                          <p:cTn id="19" fill="hold">
-                            <p:stCondLst>
-                              <p:cond delay="0"/>
-                            </p:stCondLst>
-                            <p:childTnLst>
                               <p:par>
-                                <p:cTn id="20" presetID="10" presetClass="entr" presetSubtype="0" fill="hold" grpId="0" nodeType="clickEffect">
+                                <p:cTn id="14" presetID="10" presetClass="entr" presetSubtype="0" fill="hold" grpId="0" nodeType="withEffect">
                                   <p:stCondLst>
                                     <p:cond delay="0"/>
                                   </p:stCondLst>
                                   <p:childTnLst>
                                     <p:set>
                                       <p:cBhvr>
-                                        <p:cTn id="21" dur="1" fill="hold">
+                                        <p:cTn id="15" dur="1" fill="hold">
                                           <p:stCondLst>
                                             <p:cond delay="0"/>
                                           </p:stCondLst>
@@ -7073,11 +7097,97 @@
                                     </p:set>
                                     <p:animEffect transition="in" filter="fade">
                                       <p:cBhvr>
+                                        <p:cTn id="16" dur="500"/>
+                                        <p:tgtEl>
+                                          <p:spTgt spid="3">
+                                            <p:txEl>
+                                              <p:pRg st="3" end="3"/>
+                                            </p:txEl>
+                                          </p:spTgt>
+                                        </p:tgtEl>
+                                      </p:cBhvr>
+                                    </p:animEffect>
+                                  </p:childTnLst>
+                                </p:cTn>
+                              </p:par>
+                              <p:par>
+                                <p:cTn id="17" presetID="10" presetClass="entr" presetSubtype="0" fill="hold" grpId="0" nodeType="withEffect">
+                                  <p:stCondLst>
+                                    <p:cond delay="0"/>
+                                  </p:stCondLst>
+                                  <p:childTnLst>
+                                    <p:set>
+                                      <p:cBhvr>
+                                        <p:cTn id="18" dur="1" fill="hold">
+                                          <p:stCondLst>
+                                            <p:cond delay="0"/>
+                                          </p:stCondLst>
+                                        </p:cTn>
+                                        <p:tgtEl>
+                                          <p:spTgt spid="3">
+                                            <p:txEl>
+                                              <p:pRg st="4" end="4"/>
+                                            </p:txEl>
+                                          </p:spTgt>
+                                        </p:tgtEl>
+                                        <p:attrNameLst>
+                                          <p:attrName>style.visibility</p:attrName>
+                                        </p:attrNameLst>
+                                      </p:cBhvr>
+                                      <p:to>
+                                        <p:strVal val="visible"/>
+                                      </p:to>
+                                    </p:set>
+                                    <p:animEffect transition="in" filter="fade">
+                                      <p:cBhvr>
+                                        <p:cTn id="19" dur="500"/>
+                                        <p:tgtEl>
+                                          <p:spTgt spid="3">
+                                            <p:txEl>
+                                              <p:pRg st="4" end="4"/>
+                                            </p:txEl>
+                                          </p:spTgt>
+                                        </p:tgtEl>
+                                      </p:cBhvr>
+                                    </p:animEffect>
+                                  </p:childTnLst>
+                                </p:cTn>
+                              </p:par>
+                              <p:par>
+                                <p:cTn id="20" presetID="10" presetClass="entr" presetSubtype="0" fill="hold" grpId="0" nodeType="withEffect">
+                                  <p:stCondLst>
+                                    <p:cond delay="0"/>
+                                  </p:stCondLst>
+                                  <p:childTnLst>
+                                    <p:set>
+                                      <p:cBhvr>
+                                        <p:cTn id="21" dur="1" fill="hold">
+                                          <p:stCondLst>
+                                            <p:cond delay="0"/>
+                                          </p:stCondLst>
+                                        </p:cTn>
+                                        <p:tgtEl>
+                                          <p:spTgt spid="3">
+                                            <p:txEl>
+                                              <p:pRg st="5" end="5"/>
+                                            </p:txEl>
+                                          </p:spTgt>
+                                        </p:tgtEl>
+                                        <p:attrNameLst>
+                                          <p:attrName>style.visibility</p:attrName>
+                                        </p:attrNameLst>
+                                      </p:cBhvr>
+                                      <p:to>
+                                        <p:strVal val="visible"/>
+                                      </p:to>
+                                    </p:set>
+                                    <p:animEffect transition="in" filter="fade">
+                                      <p:cBhvr>
                                         <p:cTn id="22" dur="500"/>
                                         <p:tgtEl>
                                           <p:spTgt spid="3">
                                             <p:txEl>
-                                              <p:pRg st="3" end="3"/>
+                                              <p:pRg st="5" end="5"/>
                                             </p:txEl>
                                           </p:spTgt>
                                         </p:tgtEl>
@@ -7105,7 +7215,7 @@
                             </p:stCondLst>
                             <p:childTnLst>
                               <p:par>
-                                <p:cTn id="25" presetID="10" presetClass="entr" presetSubtype="0" fill="hold" grpId="0" nodeType="clickEffect">
+                                <p:cTn id="25" presetID="10" presetClass="entr" presetSubtype="0" fill="hold" nodeType="clickEffect">
                                   <p:stCondLst>
                                     <p:cond delay="0"/>
                                   </p:stCondLst>
@@ -7113,128 +7223,6 @@
                                     <p:set>
                                       <p:cBhvr>
                                         <p:cTn id="26" dur="1" fill="hold">
-                                          <p:stCondLst>
-                                            <p:cond delay="0"/>
-                                          </p:stCondLst>
-                                        </p:cTn>
-                                        <p:tgtEl>
-                                          <p:spTgt spid="3">
-                                            <p:txEl>
-                                              <p:pRg st="4" end="4"/>
-                                            </p:txEl>
-                                          </p:spTgt>
-                                        </p:tgtEl>
-                                        <p:attrNameLst>
-                                          <p:attrName>style.visibility</p:attrName>
-                                        </p:attrNameLst>
-                                      </p:cBhvr>
-                                      <p:to>
-                                        <p:strVal val="visible"/>
-                                      </p:to>
-                                    </p:set>
-                                    <p:animEffect transition="in" filter="fade">
-                                      <p:cBhvr>
-                                        <p:cTn id="27" dur="500"/>
-                                        <p:tgtEl>
-                                          <p:spTgt spid="3">
-                                            <p:txEl>
-                                              <p:pRg st="4" end="4"/>
-                                            </p:txEl>
-                                          </p:spTgt>
-                                        </p:tgtEl>
-                                      </p:cBhvr>
-                                    </p:animEffect>
-                                  </p:childTnLst>
-                                </p:cTn>
-                              </p:par>
-                            </p:childTnLst>
-                          </p:cTn>
-                        </p:par>
-                      </p:childTnLst>
-                    </p:cTn>
-                  </p:par>
-                  <p:par>
-                    <p:cTn id="28" fill="hold">
-                      <p:stCondLst>
-                        <p:cond delay="indefinite"/>
-                      </p:stCondLst>
-                      <p:childTnLst>
-                        <p:par>
-                          <p:cTn id="29" fill="hold">
-                            <p:stCondLst>
-                              <p:cond delay="0"/>
-                            </p:stCondLst>
-                            <p:childTnLst>
-                              <p:par>
-                                <p:cTn id="30" presetID="10" presetClass="entr" presetSubtype="0" fill="hold" grpId="0" nodeType="clickEffect">
-                                  <p:stCondLst>
-                                    <p:cond delay="0"/>
-                                  </p:stCondLst>
-                                  <p:childTnLst>
-                                    <p:set>
-                                      <p:cBhvr>
-                                        <p:cTn id="31" dur="1" fill="hold">
-                                          <p:stCondLst>
-                                            <p:cond delay="0"/>
-                                          </p:stCondLst>
-                                        </p:cTn>
-                                        <p:tgtEl>
-                                          <p:spTgt spid="3">
-                                            <p:txEl>
-                                              <p:pRg st="5" end="5"/>
-                                            </p:txEl>
-                                          </p:spTgt>
-                                        </p:tgtEl>
-                                        <p:attrNameLst>
-                                          <p:attrName>style.visibility</p:attrName>
-                                        </p:attrNameLst>
-                                      </p:cBhvr>
-                                      <p:to>
-                                        <p:strVal val="visible"/>
-                                      </p:to>
-                                    </p:set>
-                                    <p:animEffect transition="in" filter="fade">
-                                      <p:cBhvr>
-                                        <p:cTn id="32" dur="500"/>
-                                        <p:tgtEl>
-                                          <p:spTgt spid="3">
-                                            <p:txEl>
-                                              <p:pRg st="5" end="5"/>
-                                            </p:txEl>
-                                          </p:spTgt>
-                                        </p:tgtEl>
-                                      </p:cBhvr>
-                                    </p:animEffect>
-                                  </p:childTnLst>
-                                </p:cTn>
-                              </p:par>
-                            </p:childTnLst>
-                          </p:cTn>
-                        </p:par>
-                      </p:childTnLst>
-                    </p:cTn>
-                  </p:par>
-                  <p:par>
-                    <p:cTn id="33" fill="hold">
-                      <p:stCondLst>
-                        <p:cond delay="indefinite"/>
-                      </p:stCondLst>
-                      <p:childTnLst>
-                        <p:par>
-                          <p:cTn id="34" fill="hold">
-                            <p:stCondLst>
-                              <p:cond delay="0"/>
-                            </p:stCondLst>
-                            <p:childTnLst>
-                              <p:par>
-                                <p:cTn id="35" presetID="10" presetClass="entr" presetSubtype="0" fill="hold" nodeType="clickEffect">
-                                  <p:stCondLst>
-                                    <p:cond delay="0"/>
-                                  </p:stCondLst>
-                                  <p:childTnLst>
-                                    <p:set>
-                                      <p:cBhvr>
-                                        <p:cTn id="36" dur="1" fill="hold">
                                           <p:stCondLst>
                                             <p:cond delay="0"/>
                                           </p:stCondLst>
@@ -7252,7 +7240,7 @@
                                     </p:set>
                                     <p:animEffect transition="in" filter="fade">
                                       <p:cBhvr>
-                                        <p:cTn id="37" dur="500"/>
+                                        <p:cTn id="27" dur="500"/>
                                         <p:tgtEl>
                                           <p:spTgt spid="4"/>
                                         </p:tgtEl>
@@ -7289,7 +7277,7 @@
       </p:par>
     </p:tnLst>
     <p:bldLst>
-      <p:bldP spid="3" grpId="0" build="p"/>
+      <p:bldP spid="3" grpId="0" build="allAtOnce"/>
     </p:bldLst>
   </p:timing>
 </p:sld>
@@ -7352,25 +7340,34 @@
           <a:p>
             <a:r>
               <a:rPr lang="hu-HU" dirty="0" smtClean="0"/>
-              <a:t>1080p (1920x1080px)</a:t>
-            </a:r>
-          </a:p>
-          <a:p>
+              <a:t>1080p	(1920x1080px</a:t>
+            </a:r>
             <a:r>
               <a:rPr lang="hu-HU" dirty="0" smtClean="0"/>
-              <a:t>1440p(2560x1440px)</a:t>
+              <a:t>)</a:t>
             </a:r>
           </a:p>
           <a:p>
             <a:r>
               <a:rPr lang="hu-HU" dirty="0" smtClean="0"/>
-              <a:t>4k (3840x2160px)</a:t>
-            </a:r>
-          </a:p>
-          <a:p>
+              <a:t>1440p	(</a:t>
+            </a:r>
             <a:r>
               <a:rPr lang="hu-HU" dirty="0" smtClean="0"/>
-              <a:t>8k (7680x4320px)</a:t>
+              <a:t>2560x1440px)</a:t>
+            </a:r>
+          </a:p>
+          <a:p>
+            <a:r>
+              <a:rPr lang="hu-HU" dirty="0" smtClean="0"/>
+              <a:t>4k		(3840x2160px)</a:t>
+            </a:r>
+            <a:endParaRPr lang="hu-HU" dirty="0" smtClean="0"/>
+          </a:p>
+          <a:p>
+            <a:r>
+              <a:rPr lang="hu-HU" dirty="0" smtClean="0"/>
+              <a:t>8k		(7680x4320px)</a:t>
             </a:r>
           </a:p>
           <a:p>
@@ -7378,6 +7375,56 @@
           </a:p>
         </p:txBody>
       </p:sp>
+      <p:pic>
+        <p:nvPicPr>
+          <p:cNvPr id="1028" name="Picture 4" descr="http://www.napavalleytv.org/blog/wp-content/uploads/2017/01/resolution-comparison-01-1024x658.png"/>
+          <p:cNvPicPr>
+            <a:picLocks noChangeAspect="1" noChangeArrowheads="1"/>
+          </p:cNvPicPr>
+          <p:nvPr/>
+        </p:nvPicPr>
+        <p:blipFill>
+          <a:blip r:embed="rId2">
+            <a:extLst>
+              <a:ext uri="{28A0092B-C50C-407E-A947-70E740481C1C}">
+                <a14:useLocalDpi xmlns:a14="http://schemas.microsoft.com/office/drawing/2010/main" val="0"/>
+              </a:ext>
+            </a:extLst>
+          </a:blip>
+          <a:srcRect/>
+          <a:stretch>
+            <a:fillRect/>
+          </a:stretch>
+        </p:blipFill>
+        <p:spPr bwMode="auto">
+          <a:xfrm>
+            <a:off x="5821086" y="1721272"/>
+            <a:ext cx="5764457" cy="3704115"/>
+          </a:xfrm>
+          <a:prstGeom prst="rect">
+            <a:avLst/>
+          </a:prstGeom>
+          <a:ln>
+            <a:noFill/>
+          </a:ln>
+          <a:effectLst>
+            <a:outerShdw blurRad="292100" dist="139700" dir="2700000" algn="tl" rotWithShape="0">
+              <a:srgbClr val="333333">
+                <a:alpha val="65000"/>
+              </a:srgbClr>
+            </a:outerShdw>
+          </a:effectLst>
+          <a:extLst>
+            <a:ext uri="{909E8E84-426E-40DD-AFC4-6F175D3DCCD1}">
+              <a14:hiddenFill xmlns:a14="http://schemas.microsoft.com/office/drawing/2010/main">
+                <a:solidFill>
+                  <a:srgbClr val="FFFFFF"/>
+                </a:solidFill>
+              </a14:hiddenFill>
+            </a:ext>
+          </a:extLst>
+        </p:spPr>
+      </p:pic>
     </p:spTree>
     <p:extLst>
       <p:ext uri="{BB962C8B-B14F-4D97-AF65-F5344CB8AC3E}">
@@ -7451,33 +7498,15 @@
                                   </p:childTnLst>
                                 </p:cTn>
                               </p:par>
-                            </p:childTnLst>
-                          </p:cTn>
-                        </p:par>
-                      </p:childTnLst>
-                    </p:cTn>
-                  </p:par>
-                  <p:par>
-                    <p:cTn id="8" fill="hold">
-                      <p:stCondLst>
-                        <p:cond delay="indefinite"/>
-                      </p:stCondLst>
-                      <p:childTnLst>
-                        <p:par>
-                          <p:cTn id="9" fill="hold">
-                            <p:stCondLst>
-                              <p:cond delay="0"/>
-                            </p:stCondLst>
-                            <p:childTnLst>
                               <p:par>
-                                <p:cTn id="10" presetID="10" presetClass="entr" presetSubtype="0" fill="hold" grpId="0" nodeType="clickEffect">
+                                <p:cTn id="8" presetID="10" presetClass="entr" presetSubtype="0" fill="hold" grpId="0" nodeType="withEffect">
                                   <p:stCondLst>
                                     <p:cond delay="0"/>
                                   </p:stCondLst>
                                   <p:childTnLst>
                                     <p:set>
                                       <p:cBhvr>
-                                        <p:cTn id="11" dur="1" fill="hold">
+                                        <p:cTn id="9" dur="1" fill="hold">
                                           <p:stCondLst>
                                             <p:cond delay="0"/>
                                           </p:stCondLst>
@@ -7499,7 +7528,7 @@
                                     </p:set>
                                     <p:animEffect transition="in" filter="fade">
                                       <p:cBhvr>
-                                        <p:cTn id="12" dur="500"/>
+                                        <p:cTn id="10" dur="500"/>
                                         <p:tgtEl>
                                           <p:spTgt spid="3">
                                             <p:txEl>
@@ -7512,33 +7541,15 @@
                                   </p:childTnLst>
                                 </p:cTn>
                               </p:par>
-                            </p:childTnLst>
-                          </p:cTn>
-                        </p:par>
-                      </p:childTnLst>
-                    </p:cTn>
-                  </p:par>
-                  <p:par>
-                    <p:cTn id="13" fill="hold">
-                      <p:stCondLst>
-                        <p:cond delay="indefinite"/>
-                      </p:stCondLst>
-                      <p:childTnLst>
-                        <p:par>
-                          <p:cTn id="14" fill="hold">
-                            <p:stCondLst>
-                              <p:cond delay="0"/>
-                            </p:stCondLst>
-                            <p:childTnLst>
                               <p:par>
-                                <p:cTn id="15" presetID="10" presetClass="entr" presetSubtype="0" fill="hold" grpId="0" nodeType="clickEffect">
+                                <p:cTn id="11" presetID="10" presetClass="entr" presetSubtype="0" fill="hold" grpId="0" nodeType="withEffect">
                                   <p:stCondLst>
                                     <p:cond delay="0"/>
                                   </p:stCondLst>
                                   <p:childTnLst>
                                     <p:set>
                                       <p:cBhvr>
-                                        <p:cTn id="16" dur="1" fill="hold">
+                                        <p:cTn id="12" dur="1" fill="hold">
                                           <p:stCondLst>
                                             <p:cond delay="0"/>
                                           </p:stCondLst>
@@ -7560,7 +7571,7 @@
                                     </p:set>
                                     <p:animEffect transition="in" filter="fade">
                                       <p:cBhvr>
-                                        <p:cTn id="17" dur="500"/>
+                                        <p:cTn id="13" dur="500"/>
                                         <p:tgtEl>
                                           <p:spTgt spid="3">
                                             <p:txEl>
@@ -7573,33 +7584,15 @@
                                   </p:childTnLst>
                                 </p:cTn>
                               </p:par>
-                            </p:childTnLst>
-                          </p:cTn>
-                        </p:par>
-                      </p:childTnLst>
-                    </p:cTn>
-                  </p:par>
-                  <p:par>
-                    <p:cTn id="18" fill="hold">
-                      <p:stCondLst>
-                        <p:cond delay="indefinite"/>
-                      </p:stCondLst>
-                      <p:childTnLst>
-                        <p:par>
-                          <p:cTn id="19" fill="hold">
-                            <p:stCondLst>
-                              <p:cond delay="0"/>
-                            </p:stCondLst>
-                            <p:childTnLst>
                               <p:par>
-                                <p:cTn id="20" presetID="10" presetClass="entr" presetSubtype="0" fill="hold" grpId="0" nodeType="clickEffect">
+                                <p:cTn id="14" presetID="10" presetClass="entr" presetSubtype="0" fill="hold" grpId="0" nodeType="withEffect">
                                   <p:stCondLst>
                                     <p:cond delay="0"/>
                                   </p:stCondLst>
                                   <p:childTnLst>
                                     <p:set>
                                       <p:cBhvr>
-                                        <p:cTn id="21" dur="1" fill="hold">
+                                        <p:cTn id="15" dur="1" fill="hold">
                                           <p:stCondLst>
                                             <p:cond delay="0"/>
                                           </p:stCondLst>
@@ -7621,7 +7614,7 @@
                                     </p:set>
                                     <p:animEffect transition="in" filter="fade">
                                       <p:cBhvr>
-                                        <p:cTn id="22" dur="500"/>
+                                        <p:cTn id="16" dur="500"/>
                                         <p:tgtEl>
                                           <p:spTgt spid="3">
                                             <p:txEl>
@@ -7662,7 +7655,7 @@
       </p:par>
     </p:tnLst>
     <p:bldLst>
-      <p:bldP spid="3" grpId="0" build="p"/>
+      <p:bldP spid="3" grpId="0" build="allAtOnce"/>
     </p:bldLst>
   </p:timing>
 </p:sld>
@@ -7712,7 +7705,6 @@
               <a:rPr lang="hu-HU" dirty="0"/>
               <a:t>frissítési gyakoriság</a:t>
             </a:r>
-            <a:endParaRPr lang="hu-HU" dirty="0"/>
           </a:p>
         </p:txBody>
       </p:sp>
@@ -7734,32 +7726,62 @@
           <a:lstStyle/>
           <a:p>
             <a:r>
-              <a:rPr lang="hu-HU" sz="3200" dirty="0"/>
+              <a:rPr lang="hu-HU" dirty="0" smtClean="0"/>
               <a:t>V-</a:t>
             </a:r>
             <a:r>
-              <a:rPr lang="hu-HU" sz="3200" dirty="0" err="1"/>
+              <a:rPr lang="hu-HU" dirty="0" err="1" smtClean="0"/>
               <a:t>sync</a:t>
             </a:r>
-            <a:endParaRPr lang="hu-HU" sz="3200" dirty="0"/>
-          </a:p>
-          <a:p>
-            <a:r>
-              <a:rPr lang="hu-HU" sz="3200" dirty="0" smtClean="0"/>
-              <a:t>G-</a:t>
-            </a:r>
-            <a:r>
-              <a:rPr lang="hu-HU" sz="3200" dirty="0" err="1" smtClean="0"/>
-              <a:t>sync</a:t>
-            </a:r>
-            <a:endParaRPr lang="hu-HU" sz="3200" dirty="0" smtClean="0"/>
-          </a:p>
-          <a:p>
-            <a:r>
-              <a:rPr lang="hu-HU" sz="3200" dirty="0" err="1" smtClean="0"/>
+            <a:endParaRPr lang="hu-HU" dirty="0" smtClean="0"/>
+          </a:p>
+          <a:p>
+            <a:endParaRPr lang="hu-HU" dirty="0" smtClean="0"/>
+          </a:p>
+          <a:p>
+            <a:endParaRPr lang="hu-HU" dirty="0"/>
+          </a:p>
+          <a:p>
+            <a:r>
+              <a:rPr lang="hu-HU" dirty="0" smtClean="0"/>
+              <a:t>G-sync</a:t>
+            </a:r>
+            <a:r>
+              <a:rPr lang="hu-HU" dirty="0" smtClean="0">
+                <a:sym typeface="Wingdings" panose="05000000000000000000" pitchFamily="2" charset="2"/>
+              </a:rPr>
+              <a:t></a:t>
+            </a:r>
+            <a:r>
+              <a:rPr lang="hu-HU" dirty="0" smtClean="0"/>
+              <a:t>Nvidia</a:t>
+            </a:r>
+          </a:p>
+          <a:p>
+            <a:pPr marL="0" indent="0">
+              <a:buNone/>
+            </a:pPr>
+            <a:endParaRPr lang="hu-HU" dirty="0" smtClean="0"/>
+          </a:p>
+          <a:p>
+            <a:endParaRPr lang="hu-HU" dirty="0" smtClean="0"/>
+          </a:p>
+          <a:p>
+            <a:r>
+              <a:rPr lang="hu-HU" dirty="0" err="1" smtClean="0"/>
               <a:t>Freesync</a:t>
             </a:r>
-            <a:endParaRPr lang="hu-HU" sz="3200" dirty="0" smtClean="0"/>
+            <a:r>
+              <a:rPr lang="hu-HU" dirty="0" err="1" smtClean="0">
+                <a:sym typeface="Wingdings" panose="05000000000000000000" pitchFamily="2" charset="2"/>
+              </a:rPr>
+              <a:t></a:t>
+            </a:r>
+            <a:r>
+              <a:rPr lang="hu-HU" dirty="0" err="1" smtClean="0"/>
+              <a:t>AMD</a:t>
+            </a:r>
+            <a:endParaRPr lang="hu-HU" dirty="0" smtClean="0"/>
           </a:p>
         </p:txBody>
       </p:sp>
@@ -7877,33 +7899,15 @@
                                   </p:childTnLst>
                                 </p:cTn>
                               </p:par>
-                            </p:childTnLst>
-                          </p:cTn>
-                        </p:par>
-                      </p:childTnLst>
-                    </p:cTn>
-                  </p:par>
-                  <p:par>
-                    <p:cTn id="8" fill="hold">
-                      <p:stCondLst>
-                        <p:cond delay="indefinite"/>
-                      </p:stCondLst>
-                      <p:childTnLst>
-                        <p:par>
-                          <p:cTn id="9" fill="hold">
-                            <p:stCondLst>
-                              <p:cond delay="0"/>
-                            </p:stCondLst>
-                            <p:childTnLst>
                               <p:par>
-                                <p:cTn id="10" presetID="10" presetClass="entr" presetSubtype="0" fill="hold" grpId="0" nodeType="clickEffect">
+                                <p:cTn id="8" presetID="10" presetClass="entr" presetSubtype="0" fill="hold" grpId="0" nodeType="withEffect">
                                   <p:stCondLst>
                                     <p:cond delay="0"/>
                                   </p:stCondLst>
                                   <p:childTnLst>
                                     <p:set>
                                       <p:cBhvr>
-                                        <p:cTn id="11" dur="1" fill="hold">
+                                        <p:cTn id="9" dur="1" fill="hold">
                                           <p:stCondLst>
                                             <p:cond delay="0"/>
                                           </p:stCondLst>
@@ -7911,7 +7915,7 @@
                                         <p:tgtEl>
                                           <p:spTgt spid="3">
                                             <p:txEl>
-                                              <p:pRg st="1" end="1"/>
+                                              <p:pRg st="3" end="3"/>
                                             </p:txEl>
                                           </p:spTgt>
                                         </p:tgtEl>
@@ -7925,11 +7929,54 @@
                                     </p:set>
                                     <p:animEffect transition="in" filter="fade">
                                       <p:cBhvr>
-                                        <p:cTn id="12" dur="500"/>
+                                        <p:cTn id="10" dur="500"/>
                                         <p:tgtEl>
                                           <p:spTgt spid="3">
                                             <p:txEl>
-                                              <p:pRg st="1" end="1"/>
+                                              <p:pRg st="3" end="3"/>
+                                            </p:txEl>
+                                          </p:spTgt>
+                                        </p:tgtEl>
+                                      </p:cBhvr>
+                                    </p:animEffect>
+                                  </p:childTnLst>
+                                </p:cTn>
+                              </p:par>
+                              <p:par>
+                                <p:cTn id="11" presetID="10" presetClass="entr" presetSubtype="0" fill="hold" grpId="0" nodeType="withEffect">
+                                  <p:stCondLst>
+                                    <p:cond delay="0"/>
+                                  </p:stCondLst>
+                                  <p:childTnLst>
+                                    <p:set>
+                                      <p:cBhvr>
+                                        <p:cTn id="12" dur="1" fill="hold">
+                                          <p:stCondLst>
+                                            <p:cond delay="0"/>
+                                          </p:stCondLst>
+                                        </p:cTn>
+                                        <p:tgtEl>
+                                          <p:spTgt spid="3">
+                                            <p:txEl>
+                                              <p:pRg st="6" end="6"/>
+                                            </p:txEl>
+                                          </p:spTgt>
+                                        </p:tgtEl>
+                                        <p:attrNameLst>
+                                          <p:attrName>style.visibility</p:attrName>
+                                        </p:attrNameLst>
+                                      </p:cBhvr>
+                                      <p:to>
+                                        <p:strVal val="visible"/>
+                                      </p:to>
+                                    </p:set>
+                                    <p:animEffect transition="in" filter="fade">
+                                      <p:cBhvr>
+                                        <p:cTn id="13" dur="500"/>
+                                        <p:tgtEl>
+                                          <p:spTgt spid="3">
+                                            <p:txEl>
+                                              <p:pRg st="6" end="6"/>
                                             </p:txEl>
                                           </p:spTgt>
                                         </p:tgtEl>
@@ -7945,87 +7992,26 @@
                     </p:cTn>
                   </p:par>
                   <p:par>
-                    <p:cTn id="13" fill="hold">
+                    <p:cTn id="14" fill="hold">
                       <p:stCondLst>
                         <p:cond delay="indefinite"/>
                       </p:stCondLst>
                       <p:childTnLst>
                         <p:par>
-                          <p:cTn id="14" fill="hold">
+                          <p:cTn id="15" fill="hold">
                             <p:stCondLst>
                               <p:cond delay="0"/>
                             </p:stCondLst>
                             <p:childTnLst>
                               <p:par>
-                                <p:cTn id="15" presetID="10" presetClass="entr" presetSubtype="0" fill="hold" grpId="0" nodeType="clickEffect">
+                                <p:cTn id="16" presetID="10" presetClass="entr" presetSubtype="0" fill="hold" nodeType="clickEffect">
                                   <p:stCondLst>
                                     <p:cond delay="0"/>
                                   </p:stCondLst>
                                   <p:childTnLst>
                                     <p:set>
                                       <p:cBhvr>
-                                        <p:cTn id="16" dur="1" fill="hold">
-                                          <p:stCondLst>
-                                            <p:cond delay="0"/>
-                                          </p:stCondLst>
-                                        </p:cTn>
-                                        <p:tgtEl>
-                                          <p:spTgt spid="3">
-                                            <p:txEl>
-                                              <p:pRg st="2" end="2"/>
-                                            </p:txEl>
-                                          </p:spTgt>
-                                        </p:tgtEl>
-                                        <p:attrNameLst>
-                                          <p:attrName>style.visibility</p:attrName>
-                                        </p:attrNameLst>
-                                      </p:cBhvr>
-                                      <p:to>
-                                        <p:strVal val="visible"/>
-                                      </p:to>
-                                    </p:set>
-                                    <p:animEffect transition="in" filter="fade">
-                                      <p:cBhvr>
-                                        <p:cTn id="17" dur="500"/>
-                                        <p:tgtEl>
-                                          <p:spTgt spid="3">
-                                            <p:txEl>
-                                              <p:pRg st="2" end="2"/>
-                                            </p:txEl>
-                                          </p:spTgt>
-                                        </p:tgtEl>
-                                      </p:cBhvr>
-                                    </p:animEffect>
-                                  </p:childTnLst>
-                                </p:cTn>
-                              </p:par>
-                            </p:childTnLst>
-                          </p:cTn>
-                        </p:par>
-                      </p:childTnLst>
-                    </p:cTn>
-                  </p:par>
-                  <p:par>
-                    <p:cTn id="18" fill="hold">
-                      <p:stCondLst>
-                        <p:cond delay="indefinite"/>
-                      </p:stCondLst>
-                      <p:childTnLst>
-                        <p:par>
-                          <p:cTn id="19" fill="hold">
-                            <p:stCondLst>
-                              <p:cond delay="0"/>
-                            </p:stCondLst>
-                            <p:childTnLst>
-                              <p:par>
-                                <p:cTn id="20" presetID="10" presetClass="entr" presetSubtype="0" fill="hold" nodeType="clickEffect">
-                                  <p:stCondLst>
-                                    <p:cond delay="0"/>
-                                  </p:stCondLst>
-                                  <p:childTnLst>
-                                    <p:set>
-                                      <p:cBhvr>
-                                        <p:cTn id="21" dur="1" fill="hold">
+                                        <p:cTn id="17" dur="1" fill="hold">
                                           <p:stCondLst>
                                             <p:cond delay="0"/>
                                           </p:stCondLst>
@@ -8043,7 +8029,7 @@
                                     </p:set>
                                     <p:animEffect transition="in" filter="fade">
                                       <p:cBhvr>
-                                        <p:cTn id="22" dur="500"/>
+                                        <p:cTn id="18" dur="500"/>
                                         <p:tgtEl>
                                           <p:spTgt spid="3074"/>
                                         </p:tgtEl>
@@ -8080,7 +8066,7 @@
       </p:par>
     </p:tnLst>
     <p:bldLst>
-      <p:bldP spid="3" grpId="0" build="p"/>
+      <p:bldP spid="3" grpId="0" build="allAtOnce"/>
     </p:bldLst>
   </p:timing>
 </p:sld>
@@ -8142,13 +8128,8 @@
           <a:p>
             <a:r>
               <a:rPr lang="hu-HU" dirty="0" smtClean="0"/>
-              <a:t>USB </a:t>
-            </a:r>
-            <a:r>
-              <a:rPr lang="hu-HU" dirty="0" err="1" smtClean="0"/>
-              <a:t>hub</a:t>
-            </a:r>
-            <a:endParaRPr lang="hu-HU" dirty="0" smtClean="0"/>
+              <a:t>USB hub</a:t>
+            </a:r>
           </a:p>
           <a:p>
             <a:r>
@@ -8159,7 +8140,17 @@
           <a:p>
             <a:r>
               <a:rPr lang="hu-HU" dirty="0" smtClean="0"/>
-              <a:t>Ívelt kijelző</a:t>
+              <a:t>Ívelt </a:t>
+            </a:r>
+            <a:r>
+              <a:rPr lang="hu-HU" dirty="0" smtClean="0"/>
+              <a:t>kijelző</a:t>
+            </a:r>
+          </a:p>
+          <a:p>
+            <a:r>
+              <a:rPr lang="hu-HU" dirty="0" smtClean="0"/>
+              <a:t>HDR támogatás</a:t>
             </a:r>
           </a:p>
           <a:p>
@@ -8167,6 +8158,9 @@
               <a:rPr lang="hu-HU" dirty="0" smtClean="0"/>
               <a:t>Hangszóró</a:t>
             </a:r>
+          </a:p>
+          <a:p>
+            <a:endParaRPr lang="hu-HU" dirty="0" smtClean="0"/>
           </a:p>
           <a:p>
             <a:endParaRPr lang="hu-HU" dirty="0"/>
@@ -8196,50 +8190,23 @@
         </p:blipFill>
         <p:spPr bwMode="auto">
           <a:xfrm>
-            <a:off x="5348472" y="1350807"/>
+            <a:off x="5348472" y="1409466"/>
             <a:ext cx="5715000" cy="1857376"/>
           </a:xfrm>
           <a:prstGeom prst="rect">
             <a:avLst/>
           </a:prstGeom>
-          <a:solidFill>
-            <a:srgbClr val="FFFFFF">
-              <a:shade val="85000"/>
-            </a:srgbClr>
-          </a:solidFill>
-          <a:ln w="190500" cap="rnd">
-            <a:solidFill>
-              <a:srgbClr val="FFFFFF"/>
-            </a:solidFill>
+          <a:ln>
+            <a:noFill/>
           </a:ln>
           <a:effectLst>
-            <a:outerShdw blurRad="50000" algn="tl" rotWithShape="0">
-              <a:srgbClr val="000000">
-                <a:alpha val="41000"/>
+            <a:outerShdw blurRad="292100" dist="139700" dir="2700000" algn="tl" rotWithShape="0">
+              <a:srgbClr val="333333">
+                <a:alpha val="65000"/>
               </a:srgbClr>
             </a:outerShdw>
           </a:effectLst>
-          <a:scene3d>
-            <a:camera prst="orthographicFront"/>
-            <a:lightRig rig="twoPt" dir="t">
-              <a:rot lat="0" lon="0" rev="7800000"/>
-            </a:lightRig>
-          </a:scene3d>
-          <a:sp3d contourW="6350">
-            <a:bevelT w="50800" h="16510"/>
-            <a:contourClr>
-              <a:srgbClr val="C0C0C0"/>
-            </a:contourClr>
-          </a:sp3d>
-          <a:extLst>
-            <a:ext uri="{909E8E84-426E-40DD-AFC4-6F175D3DCCD1}">
-              <a14:hiddenFill xmlns:a14="http://schemas.microsoft.com/office/drawing/2010/main">
-                <a:solidFill>
-                  <a:srgbClr val="FFFFFF"/>
-                </a:solidFill>
-              </a14:hiddenFill>
-            </a:ext>
-          </a:extLst>
+          <a:extLst/>
         </p:spPr>
       </p:pic>
       <p:pic>
@@ -8268,10 +8235,39 @@
             <a:off x="6074443" y="3590691"/>
             <a:ext cx="3975410" cy="2981557"/>
           </a:xfrm>
-          <a:prstGeom prst="rect">
+          <a:prstGeom prst="snip2DiagRect">
             <a:avLst/>
           </a:prstGeom>
-          <a:noFill/>
+          <a:solidFill>
+            <a:srgbClr val="FFFFFF">
+              <a:shade val="85000"/>
+            </a:srgbClr>
+          </a:solidFill>
+          <a:ln w="88900" cap="sq">
+            <a:solidFill>
+              <a:srgbClr val="FFFFFF"/>
+            </a:solidFill>
+            <a:miter lim="800000"/>
+          </a:ln>
+          <a:effectLst>
+            <a:outerShdw blurRad="88900" algn="tl" rotWithShape="0">
+              <a:srgbClr val="000000">
+                <a:alpha val="45000"/>
+              </a:srgbClr>
+            </a:outerShdw>
+          </a:effectLst>
+          <a:scene3d>
+            <a:camera prst="orthographicFront"/>
+            <a:lightRig rig="twoPt" dir="t">
+              <a:rot lat="0" lon="0" rev="7200000"/>
+            </a:lightRig>
+          </a:scene3d>
+          <a:sp3d>
+            <a:bevelT w="25400" h="19050"/>
+            <a:contourClr>
+              <a:srgbClr val="FFFFFF"/>
+            </a:contourClr>
+          </a:sp3d>
           <a:extLst>
             <a:ext uri="{909E8E84-426E-40DD-AFC4-6F175D3DCCD1}">
               <a14:hiddenFill xmlns:a14="http://schemas.microsoft.com/office/drawing/2010/main">
@@ -8356,33 +8352,15 @@
                                   </p:childTnLst>
                                 </p:cTn>
                               </p:par>
-                            </p:childTnLst>
-                          </p:cTn>
-                        </p:par>
-                      </p:childTnLst>
-                    </p:cTn>
-                  </p:par>
-                  <p:par>
-                    <p:cTn id="8" fill="hold">
-                      <p:stCondLst>
-                        <p:cond delay="indefinite"/>
-                      </p:stCondLst>
-                      <p:childTnLst>
-                        <p:par>
-                          <p:cTn id="9" fill="hold">
-                            <p:stCondLst>
-                              <p:cond delay="0"/>
-                            </p:stCondLst>
-                            <p:childTnLst>
                               <p:par>
-                                <p:cTn id="10" presetID="10" presetClass="entr" presetSubtype="0" fill="hold" grpId="0" nodeType="clickEffect">
+                                <p:cTn id="8" presetID="10" presetClass="entr" presetSubtype="0" fill="hold" grpId="0" nodeType="withEffect">
                                   <p:stCondLst>
                                     <p:cond delay="0"/>
                                   </p:stCondLst>
                                   <p:childTnLst>
                                     <p:set>
                                       <p:cBhvr>
-                                        <p:cTn id="11" dur="1" fill="hold">
+                                        <p:cTn id="9" dur="1" fill="hold">
                                           <p:stCondLst>
                                             <p:cond delay="0"/>
                                           </p:stCondLst>
@@ -8404,7 +8382,7 @@
                                     </p:set>
                                     <p:animEffect transition="in" filter="fade">
                                       <p:cBhvr>
-                                        <p:cTn id="12" dur="500"/>
+                                        <p:cTn id="10" dur="500"/>
                                         <p:tgtEl>
                                           <p:spTgt spid="3">
                                             <p:txEl>
@@ -8417,33 +8395,15 @@
                                   </p:childTnLst>
                                 </p:cTn>
                               </p:par>
-                            </p:childTnLst>
-                          </p:cTn>
-                        </p:par>
-                      </p:childTnLst>
-                    </p:cTn>
-                  </p:par>
-                  <p:par>
-                    <p:cTn id="13" fill="hold">
-                      <p:stCondLst>
-                        <p:cond delay="indefinite"/>
-                      </p:stCondLst>
-                      <p:childTnLst>
-                        <p:par>
-                          <p:cTn id="14" fill="hold">
-                            <p:stCondLst>
-                              <p:cond delay="0"/>
-                            </p:stCondLst>
-                            <p:childTnLst>
                               <p:par>
-                                <p:cTn id="15" presetID="10" presetClass="entr" presetSubtype="0" fill="hold" grpId="0" nodeType="clickEffect">
+                                <p:cTn id="11" presetID="10" presetClass="entr" presetSubtype="0" fill="hold" grpId="0" nodeType="withEffect">
                                   <p:stCondLst>
                                     <p:cond delay="0"/>
                                   </p:stCondLst>
                                   <p:childTnLst>
                                     <p:set>
                                       <p:cBhvr>
-                                        <p:cTn id="16" dur="1" fill="hold">
+                                        <p:cTn id="12" dur="1" fill="hold">
                                           <p:stCondLst>
                                             <p:cond delay="0"/>
                                           </p:stCondLst>
@@ -8465,7 +8425,7 @@
                                     </p:set>
                                     <p:animEffect transition="in" filter="fade">
                                       <p:cBhvr>
-                                        <p:cTn id="17" dur="500"/>
+                                        <p:cTn id="13" dur="500"/>
                                         <p:tgtEl>
                                           <p:spTgt spid="3">
                                             <p:txEl>
@@ -8478,33 +8438,15 @@
                                   </p:childTnLst>
                                 </p:cTn>
                               </p:par>
-                            </p:childTnLst>
-                          </p:cTn>
-                        </p:par>
-                      </p:childTnLst>
-                    </p:cTn>
-                  </p:par>
-                  <p:par>
-                    <p:cTn id="18" fill="hold">
-                      <p:stCondLst>
-                        <p:cond delay="indefinite"/>
-                      </p:stCondLst>
-                      <p:childTnLst>
-                        <p:par>
-                          <p:cTn id="19" fill="hold">
-                            <p:stCondLst>
-                              <p:cond delay="0"/>
-                            </p:stCondLst>
-                            <p:childTnLst>
                               <p:par>
-                                <p:cTn id="20" presetID="10" presetClass="entr" presetSubtype="0" fill="hold" grpId="0" nodeType="clickEffect">
+                                <p:cTn id="14" presetID="10" presetClass="entr" presetSubtype="0" fill="hold" grpId="0" nodeType="withEffect">
                                   <p:stCondLst>
                                     <p:cond delay="0"/>
                                   </p:stCondLst>
                                   <p:childTnLst>
                                     <p:set>
                                       <p:cBhvr>
-                                        <p:cTn id="21" dur="1" fill="hold">
+                                        <p:cTn id="15" dur="1" fill="hold">
                                           <p:stCondLst>
                                             <p:cond delay="0"/>
                                           </p:stCondLst>
@@ -8526,11 +8468,54 @@
                                     </p:set>
                                     <p:animEffect transition="in" filter="fade">
                                       <p:cBhvr>
-                                        <p:cTn id="22" dur="500"/>
+                                        <p:cTn id="16" dur="500"/>
                                         <p:tgtEl>
                                           <p:spTgt spid="3">
                                             <p:txEl>
                                               <p:pRg st="3" end="3"/>
+                                            </p:txEl>
+                                          </p:spTgt>
+                                        </p:tgtEl>
+                                      </p:cBhvr>
+                                    </p:animEffect>
+                                  </p:childTnLst>
+                                </p:cTn>
+                              </p:par>
+                              <p:par>
+                                <p:cTn id="17" presetID="10" presetClass="entr" presetSubtype="0" fill="hold" grpId="0" nodeType="withEffect">
+                                  <p:stCondLst>
+                                    <p:cond delay="0"/>
+                                  </p:stCondLst>
+                                  <p:childTnLst>
+                                    <p:set>
+                                      <p:cBhvr>
+                                        <p:cTn id="18" dur="1" fill="hold">
+                                          <p:stCondLst>
+                                            <p:cond delay="0"/>
+                                          </p:stCondLst>
+                                        </p:cTn>
+                                        <p:tgtEl>
+                                          <p:spTgt spid="3">
+                                            <p:txEl>
+                                              <p:pRg st="4" end="4"/>
+                                            </p:txEl>
+                                          </p:spTgt>
+                                        </p:tgtEl>
+                                        <p:attrNameLst>
+                                          <p:attrName>style.visibility</p:attrName>
+                                        </p:attrNameLst>
+                                      </p:cBhvr>
+                                      <p:to>
+                                        <p:strVal val="visible"/>
+                                      </p:to>
+                                    </p:set>
+                                    <p:animEffect transition="in" filter="fade">
+                                      <p:cBhvr>
+                                        <p:cTn id="19" dur="500"/>
+                                        <p:tgtEl>
+                                          <p:spTgt spid="3">
+                                            <p:txEl>
+                                              <p:pRg st="4" end="4"/>
                                             </p:txEl>
                                           </p:spTgt>
                                         </p:tgtEl>
@@ -8546,26 +8531,26 @@
                     </p:cTn>
                   </p:par>
                   <p:par>
-                    <p:cTn id="23" fill="hold">
+                    <p:cTn id="20" fill="hold">
                       <p:stCondLst>
                         <p:cond delay="indefinite"/>
                       </p:stCondLst>
                       <p:childTnLst>
                         <p:par>
-                          <p:cTn id="24" fill="hold">
+                          <p:cTn id="21" fill="hold">
                             <p:stCondLst>
                               <p:cond delay="0"/>
                             </p:stCondLst>
                             <p:childTnLst>
                               <p:par>
-                                <p:cTn id="25" presetID="10" presetClass="entr" presetSubtype="0" fill="hold" nodeType="clickEffect">
+                                <p:cTn id="22" presetID="10" presetClass="entr" presetSubtype="0" fill="hold" nodeType="clickEffect">
                                   <p:stCondLst>
                                     <p:cond delay="0"/>
                                   </p:stCondLst>
                                   <p:childTnLst>
                                     <p:set>
                                       <p:cBhvr>
-                                        <p:cTn id="26" dur="1" fill="hold">
+                                        <p:cTn id="23" dur="1" fill="hold">
                                           <p:stCondLst>
                                             <p:cond delay="0"/>
                                           </p:stCondLst>
@@ -8583,7 +8568,7 @@
                                     </p:set>
                                     <p:animEffect transition="in" filter="fade">
                                       <p:cBhvr>
-                                        <p:cTn id="27" dur="500"/>
+                                        <p:cTn id="24" dur="500"/>
                                         <p:tgtEl>
                                           <p:spTgt spid="2050"/>
                                         </p:tgtEl>
@@ -8592,33 +8577,15 @@
                                   </p:childTnLst>
                                 </p:cTn>
                               </p:par>
-                            </p:childTnLst>
-                          </p:cTn>
-                        </p:par>
-                      </p:childTnLst>
-                    </p:cTn>
-                  </p:par>
-                  <p:par>
-                    <p:cTn id="28" fill="hold">
-                      <p:stCondLst>
-                        <p:cond delay="indefinite"/>
-                      </p:stCondLst>
-                      <p:childTnLst>
-                        <p:par>
-                          <p:cTn id="29" fill="hold">
-                            <p:stCondLst>
-                              <p:cond delay="0"/>
-                            </p:stCondLst>
-                            <p:childTnLst>
                               <p:par>
-                                <p:cTn id="30" presetID="10" presetClass="entr" presetSubtype="0" fill="hold" nodeType="clickEffect">
+                                <p:cTn id="25" presetID="10" presetClass="entr" presetSubtype="0" fill="hold" nodeType="withEffect">
                                   <p:stCondLst>
                                     <p:cond delay="0"/>
                                   </p:stCondLst>
                                   <p:childTnLst>
                                     <p:set>
                                       <p:cBhvr>
-                                        <p:cTn id="31" dur="1" fill="hold">
+                                        <p:cTn id="26" dur="1" fill="hold">
                                           <p:stCondLst>
                                             <p:cond delay="0"/>
                                           </p:stCondLst>
@@ -8636,7 +8603,7 @@
                                     </p:set>
                                     <p:animEffect transition="in" filter="fade">
                                       <p:cBhvr>
-                                        <p:cTn id="32" dur="500"/>
+                                        <p:cTn id="27" dur="500"/>
                                         <p:tgtEl>
                                           <p:spTgt spid="2052"/>
                                         </p:tgtEl>
@@ -8673,7 +8640,7 @@
       </p:par>
     </p:tnLst>
     <p:bldLst>
-      <p:bldP spid="3" grpId="0" build="p"/>
+      <p:bldP spid="3" grpId="0" build="allAtOnce"/>
     </p:bldLst>
   </p:timing>
 </p:sld>
@@ -8822,7 +8789,9 @@
           </a:xfrm>
         </p:spPr>
         <p:txBody>
-          <a:bodyPr/>
+          <a:bodyPr>
+            <a:normAutofit/>
+          </a:bodyPr>
           <a:lstStyle/>
           <a:p>
             <a:r>

--- a/Monitorok.pptx
+++ b/Monitorok.pptx
@@ -305,7 +305,7 @@
           <a:p>
             <a:fld id="{4AAD347D-5ACD-4C99-B74B-A9C85AD731AF}" type="datetimeFigureOut">
               <a:rPr lang="en-US" smtClean="0"/>
-              <a:t>9/15/2022</a:t>
+              <a:t>9/19/2022</a:t>
             </a:fld>
             <a:endParaRPr lang="en-US" dirty="0"/>
           </a:p>
@@ -580,7 +580,7 @@
           <a:p>
             <a:fld id="{4AAD347D-5ACD-4C99-B74B-A9C85AD731AF}" type="datetimeFigureOut">
               <a:rPr lang="en-US" smtClean="0"/>
-              <a:t>9/15/2022</a:t>
+              <a:t>9/19/2022</a:t>
             </a:fld>
             <a:endParaRPr lang="en-US" dirty="0"/>
           </a:p>
@@ -775,7 +775,7 @@
           <a:p>
             <a:fld id="{4AAD347D-5ACD-4C99-B74B-A9C85AD731AF}" type="datetimeFigureOut">
               <a:rPr lang="en-US" smtClean="0"/>
-              <a:t>9/15/2022</a:t>
+              <a:t>9/19/2022</a:t>
             </a:fld>
             <a:endParaRPr lang="en-US" dirty="0"/>
           </a:p>
@@ -1049,7 +1049,7 @@
           <a:p>
             <a:fld id="{4AAD347D-5ACD-4C99-B74B-A9C85AD731AF}" type="datetimeFigureOut">
               <a:rPr lang="en-US" smtClean="0"/>
-              <a:t>9/15/2022</a:t>
+              <a:t>9/19/2022</a:t>
             </a:fld>
             <a:endParaRPr lang="en-US" dirty="0"/>
           </a:p>
@@ -1391,7 +1391,7 @@
           <a:p>
             <a:fld id="{4AAD347D-5ACD-4C99-B74B-A9C85AD731AF}" type="datetimeFigureOut">
               <a:rPr lang="en-US" smtClean="0"/>
-              <a:t>9/15/2022</a:t>
+              <a:t>9/19/2022</a:t>
             </a:fld>
             <a:endParaRPr lang="en-US" dirty="0"/>
           </a:p>
@@ -2015,7 +2015,7 @@
           <a:p>
             <a:fld id="{4AAD347D-5ACD-4C99-B74B-A9C85AD731AF}" type="datetimeFigureOut">
               <a:rPr lang="en-US" smtClean="0"/>
-              <a:t>9/15/2022</a:t>
+              <a:t>9/19/2022</a:t>
             </a:fld>
             <a:endParaRPr lang="en-US" dirty="0"/>
           </a:p>
@@ -2876,7 +2876,7 @@
           <a:p>
             <a:fld id="{4AAD347D-5ACD-4C99-B74B-A9C85AD731AF}" type="datetimeFigureOut">
               <a:rPr lang="en-US" smtClean="0"/>
-              <a:t>9/15/2022</a:t>
+              <a:t>9/19/2022</a:t>
             </a:fld>
             <a:endParaRPr lang="en-US" dirty="0"/>
           </a:p>
@@ -3047,7 +3047,7 @@
           <a:p>
             <a:fld id="{4509A250-FF31-4206-8172-F9D3106AACB1}" type="datetimeFigureOut">
               <a:rPr lang="en-US" smtClean="0"/>
-              <a:t>9/15/2022</a:t>
+              <a:t>9/19/2022</a:t>
             </a:fld>
             <a:endParaRPr lang="en-US" dirty="0"/>
           </a:p>
@@ -3227,7 +3227,7 @@
           <a:p>
             <a:fld id="{4509A250-FF31-4206-8172-F9D3106AACB1}" type="datetimeFigureOut">
               <a:rPr lang="en-US" smtClean="0"/>
-              <a:t>9/15/2022</a:t>
+              <a:t>9/19/2022</a:t>
             </a:fld>
             <a:endParaRPr lang="en-US" dirty="0"/>
           </a:p>
@@ -3397,7 +3397,7 @@
           <a:p>
             <a:fld id="{4509A250-FF31-4206-8172-F9D3106AACB1}" type="datetimeFigureOut">
               <a:rPr lang="en-US" smtClean="0"/>
-              <a:t>9/15/2022</a:t>
+              <a:t>9/19/2022</a:t>
             </a:fld>
             <a:endParaRPr lang="en-US" dirty="0"/>
           </a:p>
@@ -3644,7 +3644,7 @@
           <a:p>
             <a:fld id="{9796027F-7875-4030-9381-8BD8C4F21935}" type="datetimeFigureOut">
               <a:rPr lang="en-US" smtClean="0"/>
-              <a:t>9/15/2022</a:t>
+              <a:t>9/19/2022</a:t>
             </a:fld>
             <a:endParaRPr lang="en-US" dirty="0"/>
           </a:p>
@@ -3936,7 +3936,7 @@
           <a:p>
             <a:fld id="{9796027F-7875-4030-9381-8BD8C4F21935}" type="datetimeFigureOut">
               <a:rPr lang="en-US" smtClean="0"/>
-              <a:t>9/15/2022</a:t>
+              <a:t>9/19/2022</a:t>
             </a:fld>
             <a:endParaRPr lang="en-US" dirty="0"/>
           </a:p>
@@ -4380,7 +4380,7 @@
           <a:p>
             <a:fld id="{9796027F-7875-4030-9381-8BD8C4F21935}" type="datetimeFigureOut">
               <a:rPr lang="en-US" smtClean="0"/>
-              <a:t>9/15/2022</a:t>
+              <a:t>9/19/2022</a:t>
             </a:fld>
             <a:endParaRPr lang="en-US" dirty="0"/>
           </a:p>
@@ -4498,7 +4498,7 @@
           <a:p>
             <a:fld id="{4509A250-FF31-4206-8172-F9D3106AACB1}" type="datetimeFigureOut">
               <a:rPr lang="en-US" smtClean="0"/>
-              <a:t>9/15/2022</a:t>
+              <a:t>9/19/2022</a:t>
             </a:fld>
             <a:endParaRPr lang="en-US" dirty="0"/>
           </a:p>
@@ -4593,7 +4593,7 @@
           <a:p>
             <a:fld id="{4509A250-FF31-4206-8172-F9D3106AACB1}" type="datetimeFigureOut">
               <a:rPr lang="en-US" smtClean="0"/>
-              <a:t>9/15/2022</a:t>
+              <a:t>9/19/2022</a:t>
             </a:fld>
             <a:endParaRPr lang="en-US" dirty="0"/>
           </a:p>
@@ -4872,7 +4872,7 @@
           <a:p>
             <a:fld id="{4509A250-FF31-4206-8172-F9D3106AACB1}" type="datetimeFigureOut">
               <a:rPr lang="en-US" smtClean="0"/>
-              <a:t>9/15/2022</a:t>
+              <a:t>9/19/2022</a:t>
             </a:fld>
             <a:endParaRPr lang="en-US" dirty="0"/>
           </a:p>
@@ -5147,7 +5147,7 @@
           <a:p>
             <a:fld id="{4509A250-FF31-4206-8172-F9D3106AACB1}" type="datetimeFigureOut">
               <a:rPr lang="en-US" smtClean="0"/>
-              <a:t>9/15/2022</a:t>
+              <a:t>9/19/2022</a:t>
             </a:fld>
             <a:endParaRPr lang="en-US" dirty="0"/>
           </a:p>
@@ -5576,7 +5576,7 @@
           <a:p>
             <a:fld id="{4AAD347D-5ACD-4C99-B74B-A9C85AD731AF}" type="datetimeFigureOut">
               <a:rPr lang="en-US" smtClean="0"/>
-              <a:t>9/15/2022</a:t>
+              <a:t>9/19/2022</a:t>
             </a:fld>
             <a:endParaRPr lang="en-US" dirty="0"/>
           </a:p>
@@ -6419,24 +6419,90 @@
               <a:rPr lang="hu-HU" dirty="0" smtClean="0"/>
               <a:t>IPS</a:t>
             </a:r>
+            <a:r>
+              <a:rPr lang="hu-HU" dirty="0" smtClean="0">
+                <a:sym typeface="Wingdings" panose="05000000000000000000" pitchFamily="2" charset="2"/>
+              </a:rPr>
+              <a:t> </a:t>
+            </a:r>
+            <a:r>
+              <a:rPr lang="hu-HU" dirty="0" smtClean="0">
+                <a:sym typeface="Wingdings" panose="05000000000000000000" pitchFamily="2" charset="2"/>
+              </a:rPr>
+              <a:t>jó színmegjelenítés</a:t>
+            </a:r>
+            <a:endParaRPr lang="hu-HU" dirty="0" smtClean="0"/>
           </a:p>
           <a:p>
             <a:r>
               <a:rPr lang="hu-HU" dirty="0" smtClean="0"/>
               <a:t>VA</a:t>
             </a:r>
+            <a:r>
+              <a:rPr lang="hu-HU" dirty="0" smtClean="0">
+                <a:sym typeface="Wingdings" panose="05000000000000000000" pitchFamily="2" charset="2"/>
+              </a:rPr>
+              <a:t> legjobb betekintési szög</a:t>
+            </a:r>
+            <a:endParaRPr lang="hu-HU" dirty="0" smtClean="0"/>
           </a:p>
           <a:p>
             <a:r>
               <a:rPr lang="hu-HU" dirty="0" smtClean="0"/>
               <a:t>TN</a:t>
             </a:r>
+            <a:r>
+              <a:rPr lang="hu-HU" dirty="0" smtClean="0">
+                <a:sym typeface="Wingdings" panose="05000000000000000000" pitchFamily="2" charset="2"/>
+              </a:rPr>
+              <a:t> </a:t>
+            </a:r>
+            <a:r>
+              <a:rPr lang="hu-HU" dirty="0" smtClean="0"/>
+              <a:t>a </a:t>
+            </a:r>
+            <a:r>
+              <a:rPr lang="hu-HU" dirty="0"/>
+              <a:t>legalacsonyabb </a:t>
+            </a:r>
+            <a:r>
+              <a:rPr lang="hu-HU" dirty="0" smtClean="0"/>
+              <a:t>válaszidő</a:t>
+            </a:r>
+            <a:endParaRPr lang="hu-HU" dirty="0" smtClean="0"/>
           </a:p>
           <a:p>
             <a:r>
               <a:rPr lang="hu-HU" dirty="0" smtClean="0"/>
               <a:t>OLED</a:t>
             </a:r>
+            <a:r>
+              <a:rPr lang="hu-HU" dirty="0" smtClean="0">
+                <a:sym typeface="Wingdings" panose="05000000000000000000" pitchFamily="2" charset="2"/>
+              </a:rPr>
+              <a:t> legszebb kép</a:t>
+            </a:r>
+          </a:p>
+          <a:p>
+            <a:r>
+              <a:rPr lang="hu-HU" dirty="0" smtClean="0">
+                <a:sym typeface="Wingdings" panose="05000000000000000000" pitchFamily="2" charset="2"/>
+              </a:rPr>
+              <a:t>(az </a:t>
+            </a:r>
+            <a:r>
+              <a:rPr lang="hu-HU" dirty="0" err="1" smtClean="0">
+                <a:sym typeface="Wingdings" panose="05000000000000000000" pitchFamily="2" charset="2"/>
+              </a:rPr>
+              <a:t>ips-hez</a:t>
+            </a:r>
+            <a:r>
+              <a:rPr lang="hu-HU" dirty="0" smtClean="0">
+                <a:sym typeface="Wingdings" panose="05000000000000000000" pitchFamily="2" charset="2"/>
+              </a:rPr>
+              <a:t> közel áll)</a:t>
+            </a:r>
+            <a:endParaRPr lang="hu-HU" dirty="0" smtClean="0"/>
           </a:p>
           <a:p>
             <a:endParaRPr lang="hu-HU" dirty="0"/>
@@ -6693,6 +6759,49 @@
                                   </p:childTnLst>
                                 </p:cTn>
                               </p:par>
+                              <p:par>
+                                <p:cTn id="17" presetID="10" presetClass="entr" presetSubtype="0" fill="hold" grpId="0" nodeType="withEffect">
+                                  <p:stCondLst>
+                                    <p:cond delay="0"/>
+                                  </p:stCondLst>
+                                  <p:childTnLst>
+                                    <p:set>
+                                      <p:cBhvr>
+                                        <p:cTn id="18" dur="1" fill="hold">
+                                          <p:stCondLst>
+                                            <p:cond delay="0"/>
+                                          </p:stCondLst>
+                                        </p:cTn>
+                                        <p:tgtEl>
+                                          <p:spTgt spid="3">
+                                            <p:txEl>
+                                              <p:pRg st="4" end="4"/>
+                                            </p:txEl>
+                                          </p:spTgt>
+                                        </p:tgtEl>
+                                        <p:attrNameLst>
+                                          <p:attrName>style.visibility</p:attrName>
+                                        </p:attrNameLst>
+                                      </p:cBhvr>
+                                      <p:to>
+                                        <p:strVal val="visible"/>
+                                      </p:to>
+                                    </p:set>
+                                    <p:animEffect transition="in" filter="fade">
+                                      <p:cBhvr>
+                                        <p:cTn id="19" dur="500"/>
+                                        <p:tgtEl>
+                                          <p:spTgt spid="3">
+                                            <p:txEl>
+                                              <p:pRg st="4" end="4"/>
+                                            </p:txEl>
+                                          </p:spTgt>
+                                        </p:tgtEl>
+                                      </p:cBhvr>
+                                    </p:animEffect>
+                                  </p:childTnLst>
+                                </p:cTn>
+                              </p:par>
                             </p:childTnLst>
                           </p:cTn>
                         </p:par>
@@ -6700,26 +6809,26 @@
                     </p:cTn>
                   </p:par>
                   <p:par>
-                    <p:cTn id="17" fill="hold">
+                    <p:cTn id="20" fill="hold">
                       <p:stCondLst>
                         <p:cond delay="indefinite"/>
                       </p:stCondLst>
                       <p:childTnLst>
                         <p:par>
-                          <p:cTn id="18" fill="hold">
+                          <p:cTn id="21" fill="hold">
                             <p:stCondLst>
                               <p:cond delay="0"/>
                             </p:stCondLst>
                             <p:childTnLst>
                               <p:par>
-                                <p:cTn id="19" presetID="10" presetClass="entr" presetSubtype="0" fill="hold" nodeType="clickEffect">
+                                <p:cTn id="22" presetID="10" presetClass="entr" presetSubtype="0" fill="hold" nodeType="clickEffect">
                                   <p:stCondLst>
                                     <p:cond delay="0"/>
                                   </p:stCondLst>
                                   <p:childTnLst>
                                     <p:set>
                                       <p:cBhvr>
-                                        <p:cTn id="20" dur="1" fill="hold">
+                                        <p:cTn id="23" dur="1" fill="hold">
                                           <p:stCondLst>
                                             <p:cond delay="0"/>
                                           </p:stCondLst>
@@ -6737,7 +6846,7 @@
                                     </p:set>
                                     <p:animEffect transition="in" filter="fade">
                                       <p:cBhvr>
-                                        <p:cTn id="21" dur="500"/>
+                                        <p:cTn id="24" dur="500"/>
                                         <p:tgtEl>
                                           <p:spTgt spid="1026"/>
                                         </p:tgtEl>
@@ -7340,21 +7449,13 @@
           <a:p>
             <a:r>
               <a:rPr lang="hu-HU" dirty="0" smtClean="0"/>
-              <a:t>1080p	(1920x1080px</a:t>
-            </a:r>
+              <a:t>1080p	(1920x1080px)</a:t>
+            </a:r>
+          </a:p>
+          <a:p>
             <a:r>
               <a:rPr lang="hu-HU" dirty="0" smtClean="0"/>
-              <a:t>)</a:t>
-            </a:r>
-          </a:p>
-          <a:p>
-            <a:r>
-              <a:rPr lang="hu-HU" dirty="0" smtClean="0"/>
-              <a:t>1440p	(</a:t>
-            </a:r>
-            <a:r>
-              <a:rPr lang="hu-HU" dirty="0" smtClean="0"/>
-              <a:t>2560x1440px)</a:t>
+              <a:t>1440p	(2560x1440px)</a:t>
             </a:r>
           </a:p>
           <a:p>
@@ -7362,7 +7463,6 @@
               <a:rPr lang="hu-HU" dirty="0" smtClean="0"/>
               <a:t>4k		(3840x2160px)</a:t>
             </a:r>
-            <a:endParaRPr lang="hu-HU" dirty="0" smtClean="0"/>
           </a:p>
           <a:p>
             <a:r>
@@ -7621,6 +7721,59 @@
                                               <p:pRg st="3" end="3"/>
                                             </p:txEl>
                                           </p:spTgt>
+                                        </p:tgtEl>
+                                      </p:cBhvr>
+                                    </p:animEffect>
+                                  </p:childTnLst>
+                                </p:cTn>
+                              </p:par>
+                            </p:childTnLst>
+                          </p:cTn>
+                        </p:par>
+                      </p:childTnLst>
+                    </p:cTn>
+                  </p:par>
+                  <p:par>
+                    <p:cTn id="17" fill="hold">
+                      <p:stCondLst>
+                        <p:cond delay="indefinite"/>
+                      </p:stCondLst>
+                      <p:childTnLst>
+                        <p:par>
+                          <p:cTn id="18" fill="hold">
+                            <p:stCondLst>
+                              <p:cond delay="0"/>
+                            </p:stCondLst>
+                            <p:childTnLst>
+                              <p:par>
+                                <p:cTn id="19" presetID="10" presetClass="entr" presetSubtype="0" fill="hold" nodeType="clickEffect">
+                                  <p:stCondLst>
+                                    <p:cond delay="0"/>
+                                  </p:stCondLst>
+                                  <p:childTnLst>
+                                    <p:set>
+                                      <p:cBhvr>
+                                        <p:cTn id="20" dur="1" fill="hold">
+                                          <p:stCondLst>
+                                            <p:cond delay="0"/>
+                                          </p:stCondLst>
+                                        </p:cTn>
+                                        <p:tgtEl>
+                                          <p:spTgt spid="1028"/>
+                                        </p:tgtEl>
+                                        <p:attrNameLst>
+                                          <p:attrName>style.visibility</p:attrName>
+                                        </p:attrNameLst>
+                                      </p:cBhvr>
+                                      <p:to>
+                                        <p:strVal val="visible"/>
+                                      </p:to>
+                                    </p:set>
+                                    <p:animEffect transition="in" filter="fade">
+                                      <p:cBhvr>
+                                        <p:cTn id="21" dur="500"/>
+                                        <p:tgtEl>
+                                          <p:spTgt spid="1028"/>
                                         </p:tgtEl>
                                       </p:cBhvr>
                                     </p:animEffect>
@@ -8140,11 +8293,7 @@
           <a:p>
             <a:r>
               <a:rPr lang="hu-HU" dirty="0" smtClean="0"/>
-              <a:t>Ívelt </a:t>
-            </a:r>
-            <a:r>
-              <a:rPr lang="hu-HU" dirty="0" smtClean="0"/>
-              <a:t>kijelző</a:t>
+              <a:t>Ívelt kijelző</a:t>
             </a:r>
           </a:p>
           <a:p>
@@ -8158,6 +8307,24 @@
               <a:rPr lang="hu-HU" dirty="0" smtClean="0"/>
               <a:t>Hangszóró</a:t>
             </a:r>
+          </a:p>
+          <a:p>
+            <a:r>
+              <a:rPr lang="hu-HU" dirty="0" smtClean="0"/>
+              <a:t>Különböző </a:t>
+            </a:r>
+            <a:r>
+              <a:rPr lang="hu-HU" dirty="0" err="1" smtClean="0"/>
+              <a:t>profilok,beállítások</a:t>
+            </a:r>
+            <a:endParaRPr lang="hu-HU" dirty="0" smtClean="0"/>
+          </a:p>
+          <a:p>
+            <a:r>
+              <a:rPr lang="hu-HU" dirty="0" smtClean="0"/>
+              <a:t>Állíthatóság</a:t>
+            </a:r>
+            <a:endParaRPr lang="hu-HU" dirty="0" smtClean="0"/>
           </a:p>
           <a:p>
             <a:endParaRPr lang="hu-HU" dirty="0" smtClean="0"/>
@@ -8268,15 +8435,7 @@
               <a:srgbClr val="FFFFFF"/>
             </a:contourClr>
           </a:sp3d>
-          <a:extLst>
-            <a:ext uri="{909E8E84-426E-40DD-AFC4-6F175D3DCCD1}">
-              <a14:hiddenFill xmlns:a14="http://schemas.microsoft.com/office/drawing/2010/main">
-                <a:solidFill>
-                  <a:srgbClr val="FFFFFF"/>
-                </a:solidFill>
-              </a14:hiddenFill>
-            </a:ext>
-          </a:extLst>
+          <a:extLst/>
         </p:spPr>
       </p:pic>
     </p:spTree>
@@ -8524,6 +8683,92 @@
                                   </p:childTnLst>
                                 </p:cTn>
                               </p:par>
+                              <p:par>
+                                <p:cTn id="20" presetID="10" presetClass="entr" presetSubtype="0" fill="hold" grpId="0" nodeType="withEffect">
+                                  <p:stCondLst>
+                                    <p:cond delay="0"/>
+                                  </p:stCondLst>
+                                  <p:childTnLst>
+                                    <p:set>
+                                      <p:cBhvr>
+                                        <p:cTn id="21" dur="1" fill="hold">
+                                          <p:stCondLst>
+                                            <p:cond delay="0"/>
+                                          </p:stCondLst>
+                                        </p:cTn>
+                                        <p:tgtEl>
+                                          <p:spTgt spid="3">
+                                            <p:txEl>
+                                              <p:pRg st="5" end="5"/>
+                                            </p:txEl>
+                                          </p:spTgt>
+                                        </p:tgtEl>
+                                        <p:attrNameLst>
+                                          <p:attrName>style.visibility</p:attrName>
+                                        </p:attrNameLst>
+                                      </p:cBhvr>
+                                      <p:to>
+                                        <p:strVal val="visible"/>
+                                      </p:to>
+                                    </p:set>
+                                    <p:animEffect transition="in" filter="fade">
+                                      <p:cBhvr>
+                                        <p:cTn id="22" dur="500"/>
+                                        <p:tgtEl>
+                                          <p:spTgt spid="3">
+                                            <p:txEl>
+                                              <p:pRg st="5" end="5"/>
+                                            </p:txEl>
+                                          </p:spTgt>
+                                        </p:tgtEl>
+                                      </p:cBhvr>
+                                    </p:animEffect>
+                                  </p:childTnLst>
+                                </p:cTn>
+                              </p:par>
+                              <p:par>
+                                <p:cTn id="23" presetID="10" presetClass="entr" presetSubtype="0" fill="hold" grpId="0" nodeType="withEffect">
+                                  <p:stCondLst>
+                                    <p:cond delay="0"/>
+                                  </p:stCondLst>
+                                  <p:childTnLst>
+                                    <p:set>
+                                      <p:cBhvr>
+                                        <p:cTn id="24" dur="1" fill="hold">
+                                          <p:stCondLst>
+                                            <p:cond delay="0"/>
+                                          </p:stCondLst>
+                                        </p:cTn>
+                                        <p:tgtEl>
+                                          <p:spTgt spid="3">
+                                            <p:txEl>
+                                              <p:pRg st="6" end="6"/>
+                                            </p:txEl>
+                                          </p:spTgt>
+                                        </p:tgtEl>
+                                        <p:attrNameLst>
+                                          <p:attrName>style.visibility</p:attrName>
+                                        </p:attrNameLst>
+                                      </p:cBhvr>
+                                      <p:to>
+                                        <p:strVal val="visible"/>
+                                      </p:to>
+                                    </p:set>
+                                    <p:animEffect transition="in" filter="fade">
+                                      <p:cBhvr>
+                                        <p:cTn id="25" dur="500"/>
+                                        <p:tgtEl>
+                                          <p:spTgt spid="3">
+                                            <p:txEl>
+                                              <p:pRg st="6" end="6"/>
+                                            </p:txEl>
+                                          </p:spTgt>
+                                        </p:tgtEl>
+                                      </p:cBhvr>
+                                    </p:animEffect>
+                                  </p:childTnLst>
+                                </p:cTn>
+                              </p:par>
                             </p:childTnLst>
                           </p:cTn>
                         </p:par>
@@ -8531,26 +8776,26 @@
                     </p:cTn>
                   </p:par>
                   <p:par>
-                    <p:cTn id="20" fill="hold">
+                    <p:cTn id="26" fill="hold">
                       <p:stCondLst>
                         <p:cond delay="indefinite"/>
                       </p:stCondLst>
                       <p:childTnLst>
                         <p:par>
-                          <p:cTn id="21" fill="hold">
+                          <p:cTn id="27" fill="hold">
                             <p:stCondLst>
                               <p:cond delay="0"/>
                             </p:stCondLst>
                             <p:childTnLst>
                               <p:par>
-                                <p:cTn id="22" presetID="10" presetClass="entr" presetSubtype="0" fill="hold" nodeType="clickEffect">
+                                <p:cTn id="28" presetID="10" presetClass="entr" presetSubtype="0" fill="hold" nodeType="clickEffect">
                                   <p:stCondLst>
                                     <p:cond delay="0"/>
                                   </p:stCondLst>
                                   <p:childTnLst>
                                     <p:set>
                                       <p:cBhvr>
-                                        <p:cTn id="23" dur="1" fill="hold">
+                                        <p:cTn id="29" dur="1" fill="hold">
                                           <p:stCondLst>
                                             <p:cond delay="0"/>
                                           </p:stCondLst>
@@ -8568,7 +8813,7 @@
                                     </p:set>
                                     <p:animEffect transition="in" filter="fade">
                                       <p:cBhvr>
-                                        <p:cTn id="24" dur="500"/>
+                                        <p:cTn id="30" dur="500"/>
                                         <p:tgtEl>
                                           <p:spTgt spid="2050"/>
                                         </p:tgtEl>
@@ -8578,14 +8823,14 @@
                                 </p:cTn>
                               </p:par>
                               <p:par>
-                                <p:cTn id="25" presetID="10" presetClass="entr" presetSubtype="0" fill="hold" nodeType="withEffect">
+                                <p:cTn id="31" presetID="10" presetClass="entr" presetSubtype="0" fill="hold" nodeType="withEffect">
                                   <p:stCondLst>
                                     <p:cond delay="0"/>
                                   </p:stCondLst>
                                   <p:childTnLst>
                                     <p:set>
                                       <p:cBhvr>
-                                        <p:cTn id="26" dur="1" fill="hold">
+                                        <p:cTn id="32" dur="1" fill="hold">
                                           <p:stCondLst>
                                             <p:cond delay="0"/>
                                           </p:stCondLst>
@@ -8603,7 +8848,7 @@
                                     </p:set>
                                     <p:animEffect transition="in" filter="fade">
                                       <p:cBhvr>
-                                        <p:cTn id="27" dur="500"/>
+                                        <p:cTn id="33" dur="500"/>
                                         <p:tgtEl>
                                           <p:spTgt spid="2052"/>
                                         </p:tgtEl>

--- a/Monitorok.pptx
+++ b/Monitorok.pptx
@@ -161,7 +161,7 @@
           </a:lstStyle>
           <a:p>
             <a:r>
-              <a:rPr lang="hu-HU" smtClean="0"/>
+              <a:rPr lang="hu-HU"/>
               <a:t>Mintacím szerkesztése</a:t>
             </a:r>
             <a:endParaRPr lang="en-US" dirty="0"/>
@@ -281,7 +281,7 @@
           </a:lstStyle>
           <a:p>
             <a:r>
-              <a:rPr lang="hu-HU" smtClean="0"/>
+              <a:rPr lang="hu-HU"/>
               <a:t>Kattintson ide az alcím mintájának szerkesztéséhez</a:t>
             </a:r>
             <a:endParaRPr lang="en-US" dirty="0"/>
@@ -305,7 +305,7 @@
           <a:p>
             <a:fld id="{4AAD347D-5ACD-4C99-B74B-A9C85AD731AF}" type="datetimeFigureOut">
               <a:rPr lang="en-US" smtClean="0"/>
-              <a:t>9/19/2022</a:t>
+              <a:t>9/25/2022</a:t>
             </a:fld>
             <a:endParaRPr lang="en-US" dirty="0"/>
           </a:p>
@@ -410,7 +410,7 @@
           </a:lstStyle>
           <a:p>
             <a:r>
-              <a:rPr lang="hu-HU" smtClean="0"/>
+              <a:rPr lang="hu-HU"/>
               <a:t>Mintacím szerkesztése</a:t>
             </a:r>
             <a:endParaRPr lang="en-US" dirty="0"/>
@@ -489,7 +489,7 @@
           </a:lstStyle>
           <a:p>
             <a:r>
-              <a:rPr lang="hu-HU" smtClean="0"/>
+              <a:rPr lang="hu-HU"/>
               <a:t>Kép beszúrásához kattintson az ikonra</a:t>
             </a:r>
             <a:endParaRPr lang="en-US" dirty="0"/>
@@ -557,7 +557,7 @@
           <a:p>
             <a:pPr lvl="0"/>
             <a:r>
-              <a:rPr lang="hu-HU" smtClean="0"/>
+              <a:rPr lang="hu-HU"/>
               <a:t>Mintaszöveg szerkesztése</a:t>
             </a:r>
           </a:p>
@@ -580,7 +580,7 @@
           <a:p>
             <a:fld id="{4AAD347D-5ACD-4C99-B74B-A9C85AD731AF}" type="datetimeFigureOut">
               <a:rPr lang="en-US" smtClean="0"/>
-              <a:t>9/19/2022</a:t>
+              <a:t>9/25/2022</a:t>
             </a:fld>
             <a:endParaRPr lang="en-US" dirty="0"/>
           </a:p>
@@ -684,7 +684,7 @@
           </a:lstStyle>
           <a:p>
             <a:r>
-              <a:rPr lang="hu-HU" smtClean="0"/>
+              <a:rPr lang="hu-HU"/>
               <a:t>Mintacím szerkesztése</a:t>
             </a:r>
             <a:endParaRPr lang="en-US" dirty="0"/>
@@ -752,7 +752,7 @@
           <a:p>
             <a:pPr lvl="0"/>
             <a:r>
-              <a:rPr lang="hu-HU" smtClean="0"/>
+              <a:rPr lang="hu-HU"/>
               <a:t>Mintaszöveg szerkesztése</a:t>
             </a:r>
           </a:p>
@@ -775,7 +775,7 @@
           <a:p>
             <a:fld id="{4AAD347D-5ACD-4C99-B74B-A9C85AD731AF}" type="datetimeFigureOut">
               <a:rPr lang="en-US" smtClean="0"/>
-              <a:t>9/19/2022</a:t>
+              <a:t>9/25/2022</a:t>
             </a:fld>
             <a:endParaRPr lang="en-US" dirty="0"/>
           </a:p>
@@ -879,7 +879,7 @@
           </a:lstStyle>
           <a:p>
             <a:r>
-              <a:rPr lang="hu-HU" smtClean="0"/>
+              <a:rPr lang="hu-HU"/>
               <a:t>Mintacím szerkesztése</a:t>
             </a:r>
             <a:endParaRPr lang="en-US" dirty="0"/>
@@ -959,7 +959,7 @@
               <a:buNone/>
             </a:pPr>
             <a:r>
-              <a:rPr lang="hu-HU" smtClean="0"/>
+              <a:rPr lang="hu-HU"/>
               <a:t>Mintaszöveg szerkesztése</a:t>
             </a:r>
           </a:p>
@@ -1026,7 +1026,7 @@
           <a:p>
             <a:pPr lvl="0"/>
             <a:r>
-              <a:rPr lang="hu-HU" smtClean="0"/>
+              <a:rPr lang="hu-HU"/>
               <a:t>Mintaszöveg szerkesztése</a:t>
             </a:r>
           </a:p>
@@ -1049,7 +1049,7 @@
           <a:p>
             <a:fld id="{4AAD347D-5ACD-4C99-B74B-A9C85AD731AF}" type="datetimeFigureOut">
               <a:rPr lang="en-US" smtClean="0"/>
-              <a:t>9/19/2022</a:t>
+              <a:t>9/25/2022</a:t>
             </a:fld>
             <a:endParaRPr lang="en-US" dirty="0"/>
           </a:p>
@@ -1247,7 +1247,7 @@
           </a:lstStyle>
           <a:p>
             <a:r>
-              <a:rPr lang="hu-HU" smtClean="0"/>
+              <a:rPr lang="hu-HU"/>
               <a:t>Mintacím szerkesztése</a:t>
             </a:r>
             <a:endParaRPr lang="en-US" dirty="0"/>
@@ -1368,7 +1368,7 @@
           <a:p>
             <a:pPr lvl="0"/>
             <a:r>
-              <a:rPr lang="hu-HU" smtClean="0"/>
+              <a:rPr lang="hu-HU"/>
               <a:t>Mintaszöveg szerkesztése</a:t>
             </a:r>
           </a:p>
@@ -1391,7 +1391,7 @@
           <a:p>
             <a:fld id="{4AAD347D-5ACD-4C99-B74B-A9C85AD731AF}" type="datetimeFigureOut">
               <a:rPr lang="en-US" smtClean="0"/>
-              <a:t>9/19/2022</a:t>
+              <a:t>9/25/2022</a:t>
             </a:fld>
             <a:endParaRPr lang="en-US" dirty="0"/>
           </a:p>
@@ -1490,7 +1490,7 @@
           </a:lstStyle>
           <a:p>
             <a:r>
-              <a:rPr lang="hu-HU" smtClean="0"/>
+              <a:rPr lang="hu-HU"/>
               <a:t>Mintacím szerkesztése</a:t>
             </a:r>
             <a:endParaRPr lang="en-US" dirty="0"/>
@@ -1565,7 +1565,7 @@
           <a:p>
             <a:pPr lvl="0"/>
             <a:r>
-              <a:rPr lang="hu-HU" smtClean="0"/>
+              <a:rPr lang="hu-HU"/>
               <a:t>Mintaszöveg szerkesztése</a:t>
             </a:r>
           </a:p>
@@ -1632,7 +1632,7 @@
           <a:p>
             <a:pPr lvl="0"/>
             <a:r>
-              <a:rPr lang="hu-HU" smtClean="0"/>
+              <a:rPr lang="hu-HU"/>
               <a:t>Mintaszöveg szerkesztése</a:t>
             </a:r>
           </a:p>
@@ -1706,7 +1706,7 @@
           <a:p>
             <a:pPr lvl="0"/>
             <a:r>
-              <a:rPr lang="hu-HU" smtClean="0"/>
+              <a:rPr lang="hu-HU"/>
               <a:t>Mintaszöveg szerkesztése</a:t>
             </a:r>
           </a:p>
@@ -1773,7 +1773,7 @@
           <a:p>
             <a:pPr lvl="0"/>
             <a:r>
-              <a:rPr lang="hu-HU" smtClean="0"/>
+              <a:rPr lang="hu-HU"/>
               <a:t>Mintaszöveg szerkesztése</a:t>
             </a:r>
           </a:p>
@@ -1847,7 +1847,7 @@
           <a:p>
             <a:pPr lvl="0"/>
             <a:r>
-              <a:rPr lang="hu-HU" smtClean="0"/>
+              <a:rPr lang="hu-HU"/>
               <a:t>Mintaszöveg szerkesztése</a:t>
             </a:r>
           </a:p>
@@ -1914,7 +1914,7 @@
           <a:p>
             <a:pPr lvl="0"/>
             <a:r>
-              <a:rPr lang="hu-HU" smtClean="0"/>
+              <a:rPr lang="hu-HU"/>
               <a:t>Mintaszöveg szerkesztése</a:t>
             </a:r>
           </a:p>
@@ -2015,7 +2015,7 @@
           <a:p>
             <a:fld id="{4AAD347D-5ACD-4C99-B74B-A9C85AD731AF}" type="datetimeFigureOut">
               <a:rPr lang="en-US" smtClean="0"/>
-              <a:t>9/19/2022</a:t>
+              <a:t>9/25/2022</a:t>
             </a:fld>
             <a:endParaRPr lang="en-US" dirty="0"/>
           </a:p>
@@ -2114,7 +2114,7 @@
           </a:lstStyle>
           <a:p>
             <a:r>
-              <a:rPr lang="hu-HU" smtClean="0"/>
+              <a:rPr lang="hu-HU"/>
               <a:t>Mintacím szerkesztése</a:t>
             </a:r>
             <a:endParaRPr lang="en-US" dirty="0"/>
@@ -2189,7 +2189,7 @@
           <a:p>
             <a:pPr lvl="0"/>
             <a:r>
-              <a:rPr lang="hu-HU" smtClean="0"/>
+              <a:rPr lang="hu-HU"/>
               <a:t>Mintaszöveg szerkesztése</a:t>
             </a:r>
           </a:p>
@@ -2267,7 +2267,7 @@
           </a:lstStyle>
           <a:p>
             <a:r>
-              <a:rPr lang="hu-HU" smtClean="0"/>
+              <a:rPr lang="hu-HU"/>
               <a:t>Kép beszúrásához kattintson az ikonra</a:t>
             </a:r>
             <a:endParaRPr lang="en-US" dirty="0"/>
@@ -2335,7 +2335,7 @@
           <a:p>
             <a:pPr lvl="0"/>
             <a:r>
-              <a:rPr lang="hu-HU" smtClean="0"/>
+              <a:rPr lang="hu-HU"/>
               <a:t>Mintaszöveg szerkesztése</a:t>
             </a:r>
           </a:p>
@@ -2409,7 +2409,7 @@
           <a:p>
             <a:pPr lvl="0"/>
             <a:r>
-              <a:rPr lang="hu-HU" smtClean="0"/>
+              <a:rPr lang="hu-HU"/>
               <a:t>Mintaszöveg szerkesztése</a:t>
             </a:r>
           </a:p>
@@ -2487,7 +2487,7 @@
           </a:lstStyle>
           <a:p>
             <a:r>
-              <a:rPr lang="hu-HU" smtClean="0"/>
+              <a:rPr lang="hu-HU"/>
               <a:t>Kép beszúrásához kattintson az ikonra</a:t>
             </a:r>
             <a:endParaRPr lang="en-US" dirty="0"/>
@@ -2555,7 +2555,7 @@
           <a:p>
             <a:pPr lvl="0"/>
             <a:r>
-              <a:rPr lang="hu-HU" smtClean="0"/>
+              <a:rPr lang="hu-HU"/>
               <a:t>Mintaszöveg szerkesztése</a:t>
             </a:r>
           </a:p>
@@ -2629,7 +2629,7 @@
           <a:p>
             <a:pPr lvl="0"/>
             <a:r>
-              <a:rPr lang="hu-HU" smtClean="0"/>
+              <a:rPr lang="hu-HU"/>
               <a:t>Mintaszöveg szerkesztése</a:t>
             </a:r>
           </a:p>
@@ -2707,7 +2707,7 @@
           </a:lstStyle>
           <a:p>
             <a:r>
-              <a:rPr lang="hu-HU" smtClean="0"/>
+              <a:rPr lang="hu-HU"/>
               <a:t>Kép beszúrásához kattintson az ikonra</a:t>
             </a:r>
             <a:endParaRPr lang="en-US" dirty="0"/>
@@ -2775,7 +2775,7 @@
           <a:p>
             <a:pPr lvl="0"/>
             <a:r>
-              <a:rPr lang="hu-HU" smtClean="0"/>
+              <a:rPr lang="hu-HU"/>
               <a:t>Mintaszöveg szerkesztése</a:t>
             </a:r>
           </a:p>
@@ -2876,7 +2876,7 @@
           <a:p>
             <a:fld id="{4AAD347D-5ACD-4C99-B74B-A9C85AD731AF}" type="datetimeFigureOut">
               <a:rPr lang="en-US" smtClean="0"/>
-              <a:t>9/19/2022</a:t>
+              <a:t>9/25/2022</a:t>
             </a:fld>
             <a:endParaRPr lang="en-US" dirty="0"/>
           </a:p>
@@ -2971,7 +2971,7 @@
           <a:lstStyle/>
           <a:p>
             <a:r>
-              <a:rPr lang="hu-HU" smtClean="0"/>
+              <a:rPr lang="hu-HU"/>
               <a:t>Mintacím szerkesztése</a:t>
             </a:r>
             <a:endParaRPr lang="en-US" dirty="0"/>
@@ -2995,35 +2995,35 @@
           <a:p>
             <a:pPr lvl="0"/>
             <a:r>
-              <a:rPr lang="hu-HU" smtClean="0"/>
+              <a:rPr lang="hu-HU"/>
               <a:t>Mintaszöveg szerkesztése</a:t>
             </a:r>
           </a:p>
           <a:p>
             <a:pPr lvl="1"/>
             <a:r>
-              <a:rPr lang="hu-HU" smtClean="0"/>
+              <a:rPr lang="hu-HU"/>
               <a:t>Második szint</a:t>
             </a:r>
           </a:p>
           <a:p>
             <a:pPr lvl="2"/>
             <a:r>
-              <a:rPr lang="hu-HU" smtClean="0"/>
+              <a:rPr lang="hu-HU"/>
               <a:t>Harmadik szint</a:t>
             </a:r>
           </a:p>
           <a:p>
             <a:pPr lvl="3"/>
             <a:r>
-              <a:rPr lang="hu-HU" smtClean="0"/>
+              <a:rPr lang="hu-HU"/>
               <a:t>Negyedik szint</a:t>
             </a:r>
           </a:p>
           <a:p>
             <a:pPr lvl="4"/>
             <a:r>
-              <a:rPr lang="hu-HU" smtClean="0"/>
+              <a:rPr lang="hu-HU"/>
               <a:t>Ötödik szint</a:t>
             </a:r>
             <a:endParaRPr lang="en-US" dirty="0"/>
@@ -3047,7 +3047,7 @@
           <a:p>
             <a:fld id="{4509A250-FF31-4206-8172-F9D3106AACB1}" type="datetimeFigureOut">
               <a:rPr lang="en-US" smtClean="0"/>
-              <a:t>9/19/2022</a:t>
+              <a:t>9/25/2022</a:t>
             </a:fld>
             <a:endParaRPr lang="en-US" dirty="0"/>
           </a:p>
@@ -3146,7 +3146,7 @@
           <a:lstStyle/>
           <a:p>
             <a:r>
-              <a:rPr lang="hu-HU" smtClean="0"/>
+              <a:rPr lang="hu-HU"/>
               <a:t>Mintacím szerkesztése</a:t>
             </a:r>
             <a:endParaRPr lang="en-US" dirty="0"/>
@@ -3175,35 +3175,35 @@
           <a:p>
             <a:pPr lvl="0"/>
             <a:r>
-              <a:rPr lang="hu-HU" smtClean="0"/>
+              <a:rPr lang="hu-HU"/>
               <a:t>Mintaszöveg szerkesztése</a:t>
             </a:r>
           </a:p>
           <a:p>
             <a:pPr lvl="1"/>
             <a:r>
-              <a:rPr lang="hu-HU" smtClean="0"/>
+              <a:rPr lang="hu-HU"/>
               <a:t>Második szint</a:t>
             </a:r>
           </a:p>
           <a:p>
             <a:pPr lvl="2"/>
             <a:r>
-              <a:rPr lang="hu-HU" smtClean="0"/>
+              <a:rPr lang="hu-HU"/>
               <a:t>Harmadik szint</a:t>
             </a:r>
           </a:p>
           <a:p>
             <a:pPr lvl="3"/>
             <a:r>
-              <a:rPr lang="hu-HU" smtClean="0"/>
+              <a:rPr lang="hu-HU"/>
               <a:t>Negyedik szint</a:t>
             </a:r>
           </a:p>
           <a:p>
             <a:pPr lvl="4"/>
             <a:r>
-              <a:rPr lang="hu-HU" smtClean="0"/>
+              <a:rPr lang="hu-HU"/>
               <a:t>Ötödik szint</a:t>
             </a:r>
             <a:endParaRPr lang="en-US" dirty="0"/>
@@ -3227,7 +3227,7 @@
           <a:p>
             <a:fld id="{4509A250-FF31-4206-8172-F9D3106AACB1}" type="datetimeFigureOut">
               <a:rPr lang="en-US" smtClean="0"/>
-              <a:t>9/19/2022</a:t>
+              <a:t>9/25/2022</a:t>
             </a:fld>
             <a:endParaRPr lang="en-US" dirty="0"/>
           </a:p>
@@ -3321,7 +3321,7 @@
           <a:lstStyle/>
           <a:p>
             <a:r>
-              <a:rPr lang="hu-HU" smtClean="0"/>
+              <a:rPr lang="hu-HU"/>
               <a:t>Mintacím szerkesztése</a:t>
             </a:r>
             <a:endParaRPr lang="en-US" dirty="0"/>
@@ -3345,35 +3345,35 @@
           <a:p>
             <a:pPr lvl="0"/>
             <a:r>
-              <a:rPr lang="hu-HU" smtClean="0"/>
+              <a:rPr lang="hu-HU"/>
               <a:t>Mintaszöveg szerkesztése</a:t>
             </a:r>
           </a:p>
           <a:p>
             <a:pPr lvl="1"/>
             <a:r>
-              <a:rPr lang="hu-HU" smtClean="0"/>
+              <a:rPr lang="hu-HU"/>
               <a:t>Második szint</a:t>
             </a:r>
           </a:p>
           <a:p>
             <a:pPr lvl="2"/>
             <a:r>
-              <a:rPr lang="hu-HU" smtClean="0"/>
+              <a:rPr lang="hu-HU"/>
               <a:t>Harmadik szint</a:t>
             </a:r>
           </a:p>
           <a:p>
             <a:pPr lvl="3"/>
             <a:r>
-              <a:rPr lang="hu-HU" smtClean="0"/>
+              <a:rPr lang="hu-HU"/>
               <a:t>Negyedik szint</a:t>
             </a:r>
           </a:p>
           <a:p>
             <a:pPr lvl="4"/>
             <a:r>
-              <a:rPr lang="hu-HU" smtClean="0"/>
+              <a:rPr lang="hu-HU"/>
               <a:t>Ötödik szint</a:t>
             </a:r>
             <a:endParaRPr lang="en-US" dirty="0"/>
@@ -3397,7 +3397,7 @@
           <a:p>
             <a:fld id="{4509A250-FF31-4206-8172-F9D3106AACB1}" type="datetimeFigureOut">
               <a:rPr lang="en-US" smtClean="0"/>
-              <a:t>9/19/2022</a:t>
+              <a:t>9/25/2022</a:t>
             </a:fld>
             <a:endParaRPr lang="en-US" dirty="0"/>
           </a:p>
@@ -3500,7 +3500,7 @@
           </a:lstStyle>
           <a:p>
             <a:r>
-              <a:rPr lang="hu-HU" smtClean="0"/>
+              <a:rPr lang="hu-HU"/>
               <a:t>Mintacím szerkesztése</a:t>
             </a:r>
             <a:endParaRPr lang="en-US" dirty="0"/>
@@ -3621,7 +3621,7 @@
           <a:p>
             <a:pPr lvl="0"/>
             <a:r>
-              <a:rPr lang="hu-HU" smtClean="0"/>
+              <a:rPr lang="hu-HU"/>
               <a:t>Mintaszöveg szerkesztése</a:t>
             </a:r>
           </a:p>
@@ -3644,7 +3644,7 @@
           <a:p>
             <a:fld id="{9796027F-7875-4030-9381-8BD8C4F21935}" type="datetimeFigureOut">
               <a:rPr lang="en-US" smtClean="0"/>
-              <a:t>9/19/2022</a:t>
+              <a:t>9/25/2022</a:t>
             </a:fld>
             <a:endParaRPr lang="en-US" dirty="0"/>
           </a:p>
@@ -3738,7 +3738,7 @@
           <a:lstStyle/>
           <a:p>
             <a:r>
-              <a:rPr lang="hu-HU" smtClean="0"/>
+              <a:rPr lang="hu-HU"/>
               <a:t>Mintacím szerkesztése</a:t>
             </a:r>
             <a:endParaRPr lang="en-US" dirty="0"/>
@@ -3797,35 +3797,35 @@
           <a:p>
             <a:pPr lvl="0"/>
             <a:r>
-              <a:rPr lang="hu-HU" smtClean="0"/>
+              <a:rPr lang="hu-HU"/>
               <a:t>Mintaszöveg szerkesztése</a:t>
             </a:r>
           </a:p>
           <a:p>
             <a:pPr lvl="1"/>
             <a:r>
-              <a:rPr lang="hu-HU" smtClean="0"/>
+              <a:rPr lang="hu-HU"/>
               <a:t>Második szint</a:t>
             </a:r>
           </a:p>
           <a:p>
             <a:pPr lvl="2"/>
             <a:r>
-              <a:rPr lang="hu-HU" smtClean="0"/>
+              <a:rPr lang="hu-HU"/>
               <a:t>Harmadik szint</a:t>
             </a:r>
           </a:p>
           <a:p>
             <a:pPr lvl="3"/>
             <a:r>
-              <a:rPr lang="hu-HU" smtClean="0"/>
+              <a:rPr lang="hu-HU"/>
               <a:t>Negyedik szint</a:t>
             </a:r>
           </a:p>
           <a:p>
             <a:pPr lvl="4"/>
             <a:r>
-              <a:rPr lang="hu-HU" smtClean="0"/>
+              <a:rPr lang="hu-HU"/>
               <a:t>Ötödik szint</a:t>
             </a:r>
             <a:endParaRPr lang="en-US" dirty="0"/>
@@ -3884,35 +3884,35 @@
           <a:p>
             <a:pPr lvl="0"/>
             <a:r>
-              <a:rPr lang="hu-HU" smtClean="0"/>
+              <a:rPr lang="hu-HU"/>
               <a:t>Mintaszöveg szerkesztése</a:t>
             </a:r>
           </a:p>
           <a:p>
             <a:pPr lvl="1"/>
             <a:r>
-              <a:rPr lang="hu-HU" smtClean="0"/>
+              <a:rPr lang="hu-HU"/>
               <a:t>Második szint</a:t>
             </a:r>
           </a:p>
           <a:p>
             <a:pPr lvl="2"/>
             <a:r>
-              <a:rPr lang="hu-HU" smtClean="0"/>
+              <a:rPr lang="hu-HU"/>
               <a:t>Harmadik szint</a:t>
             </a:r>
           </a:p>
           <a:p>
             <a:pPr lvl="3"/>
             <a:r>
-              <a:rPr lang="hu-HU" smtClean="0"/>
+              <a:rPr lang="hu-HU"/>
               <a:t>Negyedik szint</a:t>
             </a:r>
           </a:p>
           <a:p>
             <a:pPr lvl="4"/>
             <a:r>
-              <a:rPr lang="hu-HU" smtClean="0"/>
+              <a:rPr lang="hu-HU"/>
               <a:t>Ötödik szint</a:t>
             </a:r>
             <a:endParaRPr lang="en-US" dirty="0"/>
@@ -3936,7 +3936,7 @@
           <a:p>
             <a:fld id="{9796027F-7875-4030-9381-8BD8C4F21935}" type="datetimeFigureOut">
               <a:rPr lang="en-US" smtClean="0"/>
-              <a:t>9/19/2022</a:t>
+              <a:t>9/25/2022</a:t>
             </a:fld>
             <a:endParaRPr lang="en-US" dirty="0"/>
           </a:p>
@@ -4034,7 +4034,7 @@
           </a:lstStyle>
           <a:p>
             <a:r>
-              <a:rPr lang="hu-HU" smtClean="0"/>
+              <a:rPr lang="hu-HU"/>
               <a:t>Mintacím szerkesztése</a:t>
             </a:r>
             <a:endParaRPr lang="en-US" dirty="0"/>
@@ -4109,7 +4109,7 @@
           <a:p>
             <a:pPr lvl="0"/>
             <a:r>
-              <a:rPr lang="hu-HU" smtClean="0"/>
+              <a:rPr lang="hu-HU"/>
               <a:t>Mintaszöveg szerkesztése</a:t>
             </a:r>
           </a:p>
@@ -4167,35 +4167,35 @@
           <a:p>
             <a:pPr lvl="0"/>
             <a:r>
-              <a:rPr lang="hu-HU" smtClean="0"/>
+              <a:rPr lang="hu-HU"/>
               <a:t>Mintaszöveg szerkesztése</a:t>
             </a:r>
           </a:p>
           <a:p>
             <a:pPr lvl="1"/>
             <a:r>
-              <a:rPr lang="hu-HU" smtClean="0"/>
+              <a:rPr lang="hu-HU"/>
               <a:t>Második szint</a:t>
             </a:r>
           </a:p>
           <a:p>
             <a:pPr lvl="2"/>
             <a:r>
-              <a:rPr lang="hu-HU" smtClean="0"/>
+              <a:rPr lang="hu-HU"/>
               <a:t>Harmadik szint</a:t>
             </a:r>
           </a:p>
           <a:p>
             <a:pPr lvl="3"/>
             <a:r>
-              <a:rPr lang="hu-HU" smtClean="0"/>
+              <a:rPr lang="hu-HU"/>
               <a:t>Negyedik szint</a:t>
             </a:r>
           </a:p>
           <a:p>
             <a:pPr lvl="4"/>
             <a:r>
-              <a:rPr lang="hu-HU" smtClean="0"/>
+              <a:rPr lang="hu-HU"/>
               <a:t>Ötödik szint</a:t>
             </a:r>
             <a:endParaRPr lang="en-US" dirty="0"/>
@@ -4270,7 +4270,7 @@
           <a:p>
             <a:pPr lvl="0"/>
             <a:r>
-              <a:rPr lang="hu-HU" smtClean="0"/>
+              <a:rPr lang="hu-HU"/>
               <a:t>Mintaszöveg szerkesztése</a:t>
             </a:r>
           </a:p>
@@ -4328,35 +4328,35 @@
           <a:p>
             <a:pPr lvl="0"/>
             <a:r>
-              <a:rPr lang="hu-HU" smtClean="0"/>
+              <a:rPr lang="hu-HU"/>
               <a:t>Mintaszöveg szerkesztése</a:t>
             </a:r>
           </a:p>
           <a:p>
             <a:pPr lvl="1"/>
             <a:r>
-              <a:rPr lang="hu-HU" smtClean="0"/>
+              <a:rPr lang="hu-HU"/>
               <a:t>Második szint</a:t>
             </a:r>
           </a:p>
           <a:p>
             <a:pPr lvl="2"/>
             <a:r>
-              <a:rPr lang="hu-HU" smtClean="0"/>
+              <a:rPr lang="hu-HU"/>
               <a:t>Harmadik szint</a:t>
             </a:r>
           </a:p>
           <a:p>
             <a:pPr lvl="3"/>
             <a:r>
-              <a:rPr lang="hu-HU" smtClean="0"/>
+              <a:rPr lang="hu-HU"/>
               <a:t>Negyedik szint</a:t>
             </a:r>
           </a:p>
           <a:p>
             <a:pPr lvl="4"/>
             <a:r>
-              <a:rPr lang="hu-HU" smtClean="0"/>
+              <a:rPr lang="hu-HU"/>
               <a:t>Ötödik szint</a:t>
             </a:r>
             <a:endParaRPr lang="en-US" dirty="0"/>
@@ -4380,7 +4380,7 @@
           <a:p>
             <a:fld id="{9796027F-7875-4030-9381-8BD8C4F21935}" type="datetimeFigureOut">
               <a:rPr lang="en-US" smtClean="0"/>
-              <a:t>9/19/2022</a:t>
+              <a:t>9/25/2022</a:t>
             </a:fld>
             <a:endParaRPr lang="en-US" dirty="0"/>
           </a:p>
@@ -4474,7 +4474,7 @@
           <a:lstStyle/>
           <a:p>
             <a:r>
-              <a:rPr lang="hu-HU" smtClean="0"/>
+              <a:rPr lang="hu-HU"/>
               <a:t>Mintacím szerkesztése</a:t>
             </a:r>
             <a:endParaRPr lang="en-US" dirty="0"/>
@@ -4498,7 +4498,7 @@
           <a:p>
             <a:fld id="{4509A250-FF31-4206-8172-F9D3106AACB1}" type="datetimeFigureOut">
               <a:rPr lang="en-US" smtClean="0"/>
-              <a:t>9/19/2022</a:t>
+              <a:t>9/25/2022</a:t>
             </a:fld>
             <a:endParaRPr lang="en-US" dirty="0"/>
           </a:p>
@@ -4593,7 +4593,7 @@
           <a:p>
             <a:fld id="{4509A250-FF31-4206-8172-F9D3106AACB1}" type="datetimeFigureOut">
               <a:rPr lang="en-US" smtClean="0"/>
-              <a:t>9/19/2022</a:t>
+              <a:t>9/25/2022</a:t>
             </a:fld>
             <a:endParaRPr lang="en-US" dirty="0"/>
           </a:p>
@@ -4696,7 +4696,7 @@
           </a:lstStyle>
           <a:p>
             <a:r>
-              <a:rPr lang="hu-HU" smtClean="0"/>
+              <a:rPr lang="hu-HU"/>
               <a:t>Mintacím szerkesztése</a:t>
             </a:r>
             <a:endParaRPr lang="en-US" dirty="0"/>
@@ -4755,35 +4755,35 @@
           <a:p>
             <a:pPr lvl="0"/>
             <a:r>
-              <a:rPr lang="hu-HU" smtClean="0"/>
+              <a:rPr lang="hu-HU"/>
               <a:t>Mintaszöveg szerkesztése</a:t>
             </a:r>
           </a:p>
           <a:p>
             <a:pPr lvl="1"/>
             <a:r>
-              <a:rPr lang="hu-HU" smtClean="0"/>
+              <a:rPr lang="hu-HU"/>
               <a:t>Második szint</a:t>
             </a:r>
           </a:p>
           <a:p>
             <a:pPr lvl="2"/>
             <a:r>
-              <a:rPr lang="hu-HU" smtClean="0"/>
+              <a:rPr lang="hu-HU"/>
               <a:t>Harmadik szint</a:t>
             </a:r>
           </a:p>
           <a:p>
             <a:pPr lvl="3"/>
             <a:r>
-              <a:rPr lang="hu-HU" smtClean="0"/>
+              <a:rPr lang="hu-HU"/>
               <a:t>Negyedik szint</a:t>
             </a:r>
           </a:p>
           <a:p>
             <a:pPr lvl="4"/>
             <a:r>
-              <a:rPr lang="hu-HU" smtClean="0"/>
+              <a:rPr lang="hu-HU"/>
               <a:t>Ötödik szint</a:t>
             </a:r>
             <a:endParaRPr lang="en-US" dirty="0"/>
@@ -4849,7 +4849,7 @@
           <a:p>
             <a:pPr lvl="0"/>
             <a:r>
-              <a:rPr lang="hu-HU" smtClean="0"/>
+              <a:rPr lang="hu-HU"/>
               <a:t>Mintaszöveg szerkesztése</a:t>
             </a:r>
           </a:p>
@@ -4872,7 +4872,7 @@
           <a:p>
             <a:fld id="{4509A250-FF31-4206-8172-F9D3106AACB1}" type="datetimeFigureOut">
               <a:rPr lang="en-US" smtClean="0"/>
-              <a:t>9/19/2022</a:t>
+              <a:t>9/25/2022</a:t>
             </a:fld>
             <a:endParaRPr lang="en-US" dirty="0"/>
           </a:p>
@@ -4977,7 +4977,7 @@
           </a:lstStyle>
           <a:p>
             <a:r>
-              <a:rPr lang="hu-HU" smtClean="0"/>
+              <a:rPr lang="hu-HU"/>
               <a:t>Mintacím szerkesztése</a:t>
             </a:r>
             <a:endParaRPr lang="en-US" dirty="0"/>
@@ -5056,7 +5056,7 @@
           </a:lstStyle>
           <a:p>
             <a:r>
-              <a:rPr lang="hu-HU" smtClean="0"/>
+              <a:rPr lang="hu-HU"/>
               <a:t>Kép beszúrásához kattintson az ikonra</a:t>
             </a:r>
             <a:endParaRPr lang="en-US" dirty="0"/>
@@ -5124,7 +5124,7 @@
           <a:p>
             <a:pPr lvl="0"/>
             <a:r>
-              <a:rPr lang="hu-HU" smtClean="0"/>
+              <a:rPr lang="hu-HU"/>
               <a:t>Mintaszöveg szerkesztése</a:t>
             </a:r>
           </a:p>
@@ -5147,7 +5147,7 @@
           <a:p>
             <a:fld id="{4509A250-FF31-4206-8172-F9D3106AACB1}" type="datetimeFigureOut">
               <a:rPr lang="en-US" smtClean="0"/>
-              <a:t>9/19/2022</a:t>
+              <a:t>9/25/2022</a:t>
             </a:fld>
             <a:endParaRPr lang="en-US" dirty="0"/>
           </a:p>
@@ -5471,7 +5471,7 @@
           <a:lstStyle/>
           <a:p>
             <a:r>
-              <a:rPr lang="hu-HU" smtClean="0"/>
+              <a:rPr lang="hu-HU"/>
               <a:t>Mintacím szerkesztése</a:t>
             </a:r>
             <a:endParaRPr lang="en-US" dirty="0"/>
@@ -5505,35 +5505,35 @@
           <a:p>
             <a:pPr lvl="0"/>
             <a:r>
-              <a:rPr lang="hu-HU" smtClean="0"/>
+              <a:rPr lang="hu-HU"/>
               <a:t>Mintaszöveg szerkesztése</a:t>
             </a:r>
           </a:p>
           <a:p>
             <a:pPr lvl="1"/>
             <a:r>
-              <a:rPr lang="hu-HU" smtClean="0"/>
+              <a:rPr lang="hu-HU"/>
               <a:t>Második szint</a:t>
             </a:r>
           </a:p>
           <a:p>
             <a:pPr lvl="2"/>
             <a:r>
-              <a:rPr lang="hu-HU" smtClean="0"/>
+              <a:rPr lang="hu-HU"/>
               <a:t>Harmadik szint</a:t>
             </a:r>
           </a:p>
           <a:p>
             <a:pPr lvl="3"/>
             <a:r>
-              <a:rPr lang="hu-HU" smtClean="0"/>
+              <a:rPr lang="hu-HU"/>
               <a:t>Negyedik szint</a:t>
             </a:r>
           </a:p>
           <a:p>
             <a:pPr lvl="4"/>
             <a:r>
-              <a:rPr lang="hu-HU" smtClean="0"/>
+              <a:rPr lang="hu-HU"/>
               <a:t>Ötödik szint</a:t>
             </a:r>
             <a:endParaRPr lang="en-US" dirty="0"/>
@@ -5576,7 +5576,7 @@
           <a:p>
             <a:fld id="{4AAD347D-5ACD-4C99-B74B-A9C85AD731AF}" type="datetimeFigureOut">
               <a:rPr lang="en-US" smtClean="0"/>
-              <a:t>9/19/2022</a:t>
+              <a:t>9/25/2022</a:t>
             </a:fld>
             <a:endParaRPr lang="en-US" dirty="0"/>
           </a:p>
@@ -6128,10 +6128,9 @@
           <a:lstStyle/>
           <a:p>
             <a:r>
-              <a:rPr lang="hu-HU" sz="6600" dirty="0" smtClean="0"/>
+              <a:rPr lang="hu-HU" sz="6600" dirty="0"/>
               <a:t>Gamer Monitorok</a:t>
             </a:r>
-            <a:endParaRPr lang="hu-HU" sz="6600" dirty="0"/>
           </a:p>
         </p:txBody>
       </p:sp>
@@ -6197,11 +6196,11 @@
           <a:lstStyle/>
           <a:p>
             <a:r>
-              <a:rPr lang="hu-HU" dirty="0" smtClean="0"/>
+              <a:rPr lang="hu-HU" dirty="0"/>
               <a:t>Készítette: Péter Dávid 10. </a:t>
             </a:r>
             <a:r>
-              <a:rPr lang="hu-HU" smtClean="0"/>
+              <a:rPr lang="hu-HU"/>
               <a:t>A</a:t>
             </a:r>
             <a:endParaRPr lang="hu-HU" dirty="0"/>
@@ -6218,151 +6217,36 @@
   <p:clrMapOvr>
     <a:masterClrMapping/>
   </p:clrMapOvr>
-  <p:timing>
-    <p:tnLst>
-      <p:par>
-        <p:cTn id="1" dur="indefinite" restart="never" nodeType="tmRoot">
-          <p:childTnLst>
-            <p:seq concurrent="1" nextAc="seek">
-              <p:cTn id="2" dur="indefinite" nodeType="mainSeq">
-                <p:childTnLst>
-                  <p:par>
-                    <p:cTn id="3" fill="hold">
-                      <p:stCondLst>
-                        <p:cond delay="indefinite"/>
-                      </p:stCondLst>
-                      <p:childTnLst>
-                        <p:par>
-                          <p:cTn id="4" fill="hold">
-                            <p:stCondLst>
-                              <p:cond delay="0"/>
-                            </p:stCondLst>
-                            <p:childTnLst>
-                              <p:par>
-                                <p:cTn id="5" presetID="10" presetClass="entr" presetSubtype="0" fill="hold" grpId="0" nodeType="clickEffect">
-                                  <p:stCondLst>
-                                    <p:cond delay="0"/>
-                                  </p:stCondLst>
-                                  <p:childTnLst>
-                                    <p:set>
-                                      <p:cBhvr>
-                                        <p:cTn id="6" dur="1" fill="hold">
-                                          <p:stCondLst>
-                                            <p:cond delay="0"/>
-                                          </p:stCondLst>
-                                        </p:cTn>
-                                        <p:tgtEl>
-                                          <p:spTgt spid="2"/>
-                                        </p:tgtEl>
-                                        <p:attrNameLst>
-                                          <p:attrName>style.visibility</p:attrName>
-                                        </p:attrNameLst>
-                                      </p:cBhvr>
-                                      <p:to>
-                                        <p:strVal val="visible"/>
-                                      </p:to>
-                                    </p:set>
-                                    <p:animEffect transition="in" filter="fade">
-                                      <p:cBhvr>
-                                        <p:cTn id="7" dur="500"/>
-                                        <p:tgtEl>
-                                          <p:spTgt spid="2"/>
-                                        </p:tgtEl>
-                                      </p:cBhvr>
-                                    </p:animEffect>
-                                  </p:childTnLst>
-                                </p:cTn>
-                              </p:par>
-                            </p:childTnLst>
-                          </p:cTn>
-                        </p:par>
-                      </p:childTnLst>
-                    </p:cTn>
-                  </p:par>
-                  <p:par>
-                    <p:cTn id="8" fill="hold">
-                      <p:stCondLst>
-                        <p:cond delay="indefinite"/>
-                      </p:stCondLst>
-                      <p:childTnLst>
-                        <p:par>
-                          <p:cTn id="9" fill="hold">
-                            <p:stCondLst>
-                              <p:cond delay="0"/>
-                            </p:stCondLst>
-                            <p:childTnLst>
-                              <p:par>
-                                <p:cTn id="10" presetID="10" presetClass="entr" presetSubtype="0" fill="hold" nodeType="clickEffect">
-                                  <p:stCondLst>
-                                    <p:cond delay="0"/>
-                                  </p:stCondLst>
-                                  <p:childTnLst>
-                                    <p:set>
-                                      <p:cBhvr>
-                                        <p:cTn id="11" dur="1" fill="hold">
-                                          <p:stCondLst>
-                                            <p:cond delay="0"/>
-                                          </p:stCondLst>
-                                        </p:cTn>
-                                        <p:tgtEl>
-                                          <p:spTgt spid="8"/>
-                                        </p:tgtEl>
-                                        <p:attrNameLst>
-                                          <p:attrName>style.visibility</p:attrName>
-                                        </p:attrNameLst>
-                                      </p:cBhvr>
-                                      <p:to>
-                                        <p:strVal val="visible"/>
-                                      </p:to>
-                                    </p:set>
-                                    <p:animEffect transition="in" filter="fade">
-                                      <p:cBhvr>
-                                        <p:cTn id="12" dur="500"/>
-                                        <p:tgtEl>
-                                          <p:spTgt spid="8"/>
-                                        </p:tgtEl>
-                                      </p:cBhvr>
-                                    </p:animEffect>
-                                  </p:childTnLst>
-                                </p:cTn>
-                              </p:par>
-                            </p:childTnLst>
-                          </p:cTn>
-                        </p:par>
-                      </p:childTnLst>
-                    </p:cTn>
-                  </p:par>
-                </p:childTnLst>
-              </p:cTn>
-              <p:prevCondLst>
-                <p:cond evt="onPrev" delay="0">
-                  <p:tgtEl>
-                    <p:sldTgt/>
-                  </p:tgtEl>
-                </p:cond>
-              </p:prevCondLst>
-              <p:nextCondLst>
-                <p:cond evt="onNext" delay="0">
-                  <p:tgtEl>
-                    <p:sldTgt/>
-                  </p:tgtEl>
-                </p:cond>
-              </p:nextCondLst>
-            </p:seq>
-          </p:childTnLst>
-        </p:cTn>
-      </p:par>
-    </p:tnLst>
-    <p:bldLst>
-      <p:bldP spid="2" grpId="0"/>
-    </p:bldLst>
-  </p:timing>
 </p:sld>
 </file>
 
 <file path=ppt/slides/slide2.xml><?xml version="1.0" encoding="utf-8"?>
 <p:sld xmlns:a="http://schemas.openxmlformats.org/drawingml/2006/main" xmlns:r="http://schemas.openxmlformats.org/officeDocument/2006/relationships" xmlns:p="http://schemas.openxmlformats.org/presentationml/2006/main">
   <p:cSld>
+    <p:bg>
+      <p:bgPr>
+        <a:blipFill rotWithShape="1">
+          <a:blip r:embed="rId2">
+            <a:duotone>
+              <a:schemeClr val="bg2">
+                <a:shade val="69000"/>
+                <a:hueMod val="108000"/>
+                <a:satMod val="164000"/>
+                <a:lumMod val="74000"/>
+              </a:schemeClr>
+              <a:schemeClr val="bg2">
+                <a:tint val="96000"/>
+                <a:hueMod val="88000"/>
+                <a:satMod val="140000"/>
+                <a:lumMod val="132000"/>
+              </a:schemeClr>
+            </a:duotone>
+          </a:blip>
+          <a:stretch/>
+        </a:blipFill>
+        <a:effectLst/>
+      </p:bgPr>
+    </p:bg>
     <p:spTree>
       <p:nvGrpSpPr>
         <p:cNvPr id="1" name=""/>
@@ -6387,16 +6271,22 @@
             <p:ph type="title"/>
           </p:nvPr>
         </p:nvSpPr>
-        <p:spPr/>
-        <p:txBody>
-          <a:bodyPr/>
+        <p:spPr>
+          <a:xfrm>
+            <a:off x="648930" y="629266"/>
+            <a:ext cx="9252154" cy="1223983"/>
+          </a:xfrm>
+        </p:spPr>
+        <p:txBody>
+          <a:bodyPr>
+            <a:normAutofit/>
+          </a:bodyPr>
           <a:lstStyle/>
           <a:p>
             <a:r>
-              <a:rPr lang="hu-HU" dirty="0" smtClean="0"/>
-              <a:t>Monitor panelfajták</a:t>
-            </a:r>
-            <a:endParaRPr lang="hu-HU" dirty="0"/>
+              <a:rPr lang="hu-HU" dirty="0"/>
+              <a:t>Panelfajták</a:t>
+            </a:r>
           </a:p>
         </p:txBody>
       </p:sp>
@@ -6410,102 +6300,141 @@
             <p:ph idx="1"/>
           </p:nvPr>
         </p:nvSpPr>
-        <p:spPr/>
-        <p:txBody>
-          <a:bodyPr/>
+        <p:spPr>
+          <a:xfrm>
+            <a:off x="256023" y="2032549"/>
+            <a:ext cx="5297489" cy="4196185"/>
+          </a:xfrm>
+        </p:spPr>
+        <p:txBody>
+          <a:bodyPr>
+            <a:normAutofit/>
+          </a:bodyPr>
           <a:lstStyle/>
           <a:p>
             <a:r>
-              <a:rPr lang="hu-HU" dirty="0" smtClean="0"/>
-              <a:t>IPS</a:t>
-            </a:r>
-            <a:r>
-              <a:rPr lang="hu-HU" dirty="0" smtClean="0">
+              <a:rPr lang="hu-HU" dirty="0"/>
+              <a:t>  IPS(in-</a:t>
+            </a:r>
+            <a:r>
+              <a:rPr lang="hu-HU" dirty="0" err="1"/>
+              <a:t>plane</a:t>
+            </a:r>
+            <a:r>
+              <a:rPr lang="hu-HU" dirty="0"/>
+              <a:t>-</a:t>
+            </a:r>
+            <a:r>
+              <a:rPr lang="hu-HU" dirty="0" err="1"/>
+              <a:t>switching</a:t>
+            </a:r>
+            <a:r>
+              <a:rPr lang="hu-HU" dirty="0"/>
+              <a:t>)</a:t>
+            </a:r>
+          </a:p>
+          <a:p>
+            <a:endParaRPr lang="hu-HU" dirty="0">
+              <a:sym typeface="Wingdings" panose="05000000000000000000" pitchFamily="2" charset="2"/>
+            </a:endParaRPr>
+          </a:p>
+          <a:p>
+            <a:r>
+              <a:rPr lang="hu-HU" dirty="0">
                 <a:sym typeface="Wingdings" panose="05000000000000000000" pitchFamily="2" charset="2"/>
               </a:rPr>
-              <a:t> </a:t>
-            </a:r>
-            <a:r>
-              <a:rPr lang="hu-HU" dirty="0" smtClean="0">
+              <a:t>	</a:t>
+            </a:r>
+            <a:r>
+              <a:rPr lang="hu-HU" dirty="0"/>
+              <a:t>VA(</a:t>
+            </a:r>
+            <a:r>
+              <a:rPr lang="hu-HU" dirty="0" err="1"/>
+              <a:t>vertical</a:t>
+            </a:r>
+            <a:r>
+              <a:rPr lang="hu-HU" dirty="0"/>
+              <a:t> </a:t>
+            </a:r>
+            <a:r>
+              <a:rPr lang="hu-HU" dirty="0" err="1"/>
+              <a:t>alignment</a:t>
+            </a:r>
+            <a:r>
+              <a:rPr lang="hu-HU" dirty="0"/>
+              <a:t>)</a:t>
+            </a:r>
+          </a:p>
+          <a:p>
+            <a:endParaRPr lang="hu-HU" dirty="0">
+              <a:sym typeface="Wingdings" panose="05000000000000000000" pitchFamily="2" charset="2"/>
+            </a:endParaRPr>
+          </a:p>
+          <a:p>
+            <a:r>
+              <a:rPr lang="hu-HU" dirty="0">
                 <a:sym typeface="Wingdings" panose="05000000000000000000" pitchFamily="2" charset="2"/>
               </a:rPr>
-              <a:t>jó színmegjelenítés</a:t>
-            </a:r>
-            <a:endParaRPr lang="hu-HU" dirty="0" smtClean="0"/>
-          </a:p>
-          <a:p>
-            <a:r>
-              <a:rPr lang="hu-HU" dirty="0" smtClean="0"/>
-              <a:t>VA</a:t>
-            </a:r>
-            <a:r>
-              <a:rPr lang="hu-HU" dirty="0" smtClean="0">
+              <a:t>	</a:t>
+            </a:r>
+            <a:r>
+              <a:rPr lang="hu-HU" dirty="0"/>
+              <a:t>TN</a:t>
+            </a:r>
+            <a:r>
+              <a:rPr lang="hu-HU" dirty="0">
                 <a:sym typeface="Wingdings" panose="05000000000000000000" pitchFamily="2" charset="2"/>
               </a:rPr>
-              <a:t> legjobb betekintési szög</a:t>
-            </a:r>
-            <a:endParaRPr lang="hu-HU" dirty="0" smtClean="0"/>
-          </a:p>
-          <a:p>
-            <a:r>
-              <a:rPr lang="hu-HU" dirty="0" smtClean="0"/>
-              <a:t>TN</a:t>
-            </a:r>
-            <a:r>
-              <a:rPr lang="hu-HU" dirty="0" smtClean="0">
+              <a:t> (twisted </a:t>
+            </a:r>
+            <a:r>
+              <a:rPr lang="hu-HU" dirty="0" err="1">
                 <a:sym typeface="Wingdings" panose="05000000000000000000" pitchFamily="2" charset="2"/>
               </a:rPr>
-              <a:t> </a:t>
-            </a:r>
-            <a:r>
-              <a:rPr lang="hu-HU" dirty="0" smtClean="0"/>
-              <a:t>a </a:t>
-            </a:r>
-            <a:r>
-              <a:rPr lang="hu-HU" dirty="0"/>
-              <a:t>legalacsonyabb </a:t>
-            </a:r>
-            <a:r>
-              <a:rPr lang="hu-HU" dirty="0" smtClean="0"/>
-              <a:t>válaszidő</a:t>
-            </a:r>
-            <a:endParaRPr lang="hu-HU" dirty="0" smtClean="0"/>
-          </a:p>
-          <a:p>
-            <a:r>
-              <a:rPr lang="hu-HU" dirty="0" smtClean="0"/>
-              <a:t>OLED</a:t>
-            </a:r>
-            <a:r>
-              <a:rPr lang="hu-HU" dirty="0" smtClean="0">
+              <a:t>nematic</a:t>
+            </a:r>
+            <a:r>
+              <a:rPr lang="hu-HU" dirty="0">
                 <a:sym typeface="Wingdings" panose="05000000000000000000" pitchFamily="2" charset="2"/>
               </a:rPr>
-              <a:t> legszebb kép</a:t>
-            </a:r>
-          </a:p>
-          <a:p>
-            <a:r>
-              <a:rPr lang="hu-HU" dirty="0" smtClean="0">
-                <a:sym typeface="Wingdings" panose="05000000000000000000" pitchFamily="2" charset="2"/>
-              </a:rPr>
-              <a:t>(az </a:t>
-            </a:r>
-            <a:r>
-              <a:rPr lang="hu-HU" dirty="0" err="1" smtClean="0">
-                <a:sym typeface="Wingdings" panose="05000000000000000000" pitchFamily="2" charset="2"/>
-              </a:rPr>
-              <a:t>ips-hez</a:t>
-            </a:r>
-            <a:r>
-              <a:rPr lang="hu-HU" dirty="0" smtClean="0">
-                <a:sym typeface="Wingdings" panose="05000000000000000000" pitchFamily="2" charset="2"/>
-              </a:rPr>
-              <a:t> közel áll)</a:t>
-            </a:r>
-            <a:endParaRPr lang="hu-HU" dirty="0" smtClean="0"/>
-          </a:p>
-          <a:p>
-            <a:endParaRPr lang="hu-HU" dirty="0"/>
+              <a:t>)</a:t>
+            </a:r>
+          </a:p>
+          <a:p>
+            <a:endParaRPr lang="hu-HU" dirty="0">
+              <a:sym typeface="Wingdings" panose="05000000000000000000" pitchFamily="2" charset="2"/>
+            </a:endParaRPr>
+          </a:p>
+          <a:p>
+            <a:r>
+              <a:rPr lang="hu-HU" dirty="0"/>
+              <a:t>	OLED(</a:t>
+            </a:r>
+            <a:r>
+              <a:rPr lang="hu-HU" dirty="0" err="1"/>
+              <a:t>organic</a:t>
+            </a:r>
+            <a:r>
+              <a:rPr lang="hu-HU" dirty="0"/>
+              <a:t> </a:t>
+            </a:r>
+            <a:r>
+              <a:rPr lang="hu-HU" dirty="0" err="1"/>
+              <a:t>light-emitting</a:t>
+            </a:r>
+            <a:r>
+              <a:rPr lang="hu-HU" dirty="0"/>
+              <a:t> </a:t>
+            </a:r>
+            <a:r>
+              <a:rPr lang="hu-HU" dirty="0" err="1"/>
+              <a:t>diode</a:t>
+            </a:r>
+            <a:r>
+              <a:rPr lang="hu-HU" dirty="0"/>
+              <a:t>)</a:t>
+            </a:r>
           </a:p>
         </p:txBody>
       </p:sp>
@@ -6518,32 +6447,29 @@
           <p:nvPr/>
         </p:nvPicPr>
         <p:blipFill rotWithShape="1">
-          <a:blip r:embed="rId2">
+          <a:blip r:embed="rId3">
             <a:extLst>
               <a:ext uri="{28A0092B-C50C-407E-A947-70E740481C1C}">
                 <a14:useLocalDpi xmlns:a14="http://schemas.microsoft.com/office/drawing/2010/main" val="0"/>
               </a:ext>
             </a:extLst>
           </a:blip>
-          <a:srcRect l="7361" t="212" r="7741" b="3907"/>
+          <a:srcRect l="9623" r="11124" b="-3"/>
           <a:stretch/>
         </p:blipFill>
         <p:spPr bwMode="auto">
           <a:xfrm>
-            <a:off x="6093055" y="1655912"/>
-            <a:ext cx="5687121" cy="3912777"/>
+            <a:off x="6091916" y="2052213"/>
+            <a:ext cx="5451627" cy="4196185"/>
           </a:xfrm>
           <a:prstGeom prst="rect">
             <a:avLst/>
           </a:prstGeom>
-          <a:ln>
-            <a:noFill/>
-          </a:ln>
           <a:effectLst>
-            <a:outerShdw blurRad="292100" dist="139700" dir="2700000" algn="tl" rotWithShape="0">
-              <a:srgbClr val="333333">
-                <a:alpha val="65000"/>
-              </a:srgbClr>
+            <a:outerShdw blurRad="50800" dist="38100" dir="5400000" algn="t" rotWithShape="0">
+              <a:prstClr val="black">
+                <a:alpha val="43000"/>
+              </a:prstClr>
             </a:outerShdw>
           </a:effectLst>
           <a:extLst>
@@ -6646,7 +6572,7 @@
                                         <p:tgtEl>
                                           <p:spTgt spid="3">
                                             <p:txEl>
-                                              <p:pRg st="1" end="1"/>
+                                              <p:pRg st="2" end="2"/>
                                             </p:txEl>
                                           </p:spTgt>
                                         </p:tgtEl>
@@ -6664,7 +6590,7 @@
                                         <p:tgtEl>
                                           <p:spTgt spid="3">
                                             <p:txEl>
-                                              <p:pRg st="1" end="1"/>
+                                              <p:pRg st="2" end="2"/>
                                             </p:txEl>
                                           </p:spTgt>
                                         </p:tgtEl>
@@ -6689,7 +6615,7 @@
                                         <p:tgtEl>
                                           <p:spTgt spid="3">
                                             <p:txEl>
-                                              <p:pRg st="2" end="2"/>
+                                              <p:pRg st="4" end="4"/>
                                             </p:txEl>
                                           </p:spTgt>
                                         </p:tgtEl>
@@ -6707,7 +6633,7 @@
                                         <p:tgtEl>
                                           <p:spTgt spid="3">
                                             <p:txEl>
-                                              <p:pRg st="2" end="2"/>
+                                              <p:pRg st="4" end="4"/>
                                             </p:txEl>
                                           </p:spTgt>
                                         </p:tgtEl>
@@ -6732,7 +6658,7 @@
                                         <p:tgtEl>
                                           <p:spTgt spid="3">
                                             <p:txEl>
-                                              <p:pRg st="3" end="3"/>
+                                              <p:pRg st="6" end="6"/>
                                             </p:txEl>
                                           </p:spTgt>
                                         </p:tgtEl>
@@ -6750,50 +6676,7 @@
                                         <p:tgtEl>
                                           <p:spTgt spid="3">
                                             <p:txEl>
-                                              <p:pRg st="3" end="3"/>
-                                            </p:txEl>
-                                          </p:spTgt>
-                                        </p:tgtEl>
-                                      </p:cBhvr>
-                                    </p:animEffect>
-                                  </p:childTnLst>
-                                </p:cTn>
-                              </p:par>
-                              <p:par>
-                                <p:cTn id="17" presetID="10" presetClass="entr" presetSubtype="0" fill="hold" grpId="0" nodeType="withEffect">
-                                  <p:stCondLst>
-                                    <p:cond delay="0"/>
-                                  </p:stCondLst>
-                                  <p:childTnLst>
-                                    <p:set>
-                                      <p:cBhvr>
-                                        <p:cTn id="18" dur="1" fill="hold">
-                                          <p:stCondLst>
-                                            <p:cond delay="0"/>
-                                          </p:stCondLst>
-                                        </p:cTn>
-                                        <p:tgtEl>
-                                          <p:spTgt spid="3">
-                                            <p:txEl>
-                                              <p:pRg st="4" end="4"/>
-                                            </p:txEl>
-                                          </p:spTgt>
-                                        </p:tgtEl>
-                                        <p:attrNameLst>
-                                          <p:attrName>style.visibility</p:attrName>
-                                        </p:attrNameLst>
-                                      </p:cBhvr>
-                                      <p:to>
-                                        <p:strVal val="visible"/>
-                                      </p:to>
-                                    </p:set>
-                                    <p:animEffect transition="in" filter="fade">
-                                      <p:cBhvr>
-                                        <p:cTn id="19" dur="500"/>
-                                        <p:tgtEl>
-                                          <p:spTgt spid="3">
-                                            <p:txEl>
-                                              <p:pRg st="4" end="4"/>
+                                              <p:pRg st="6" end="6"/>
                                             </p:txEl>
                                           </p:spTgt>
                                         </p:tgtEl>
@@ -6809,26 +6692,26 @@
                     </p:cTn>
                   </p:par>
                   <p:par>
-                    <p:cTn id="20" fill="hold">
+                    <p:cTn id="17" fill="hold">
                       <p:stCondLst>
                         <p:cond delay="indefinite"/>
                       </p:stCondLst>
                       <p:childTnLst>
                         <p:par>
-                          <p:cTn id="21" fill="hold">
+                          <p:cTn id="18" fill="hold">
                             <p:stCondLst>
                               <p:cond delay="0"/>
                             </p:stCondLst>
                             <p:childTnLst>
                               <p:par>
-                                <p:cTn id="22" presetID="10" presetClass="entr" presetSubtype="0" fill="hold" nodeType="clickEffect">
+                                <p:cTn id="19" presetID="10" presetClass="entr" presetSubtype="0" fill="hold" nodeType="clickEffect">
                                   <p:stCondLst>
                                     <p:cond delay="0"/>
                                   </p:stCondLst>
                                   <p:childTnLst>
                                     <p:set>
                                       <p:cBhvr>
-                                        <p:cTn id="23" dur="1" fill="hold">
+                                        <p:cTn id="20" dur="1" fill="hold">
                                           <p:stCondLst>
                                             <p:cond delay="0"/>
                                           </p:stCondLst>
@@ -6846,7 +6729,7 @@
                                     </p:set>
                                     <p:animEffect transition="in" filter="fade">
                                       <p:cBhvr>
-                                        <p:cTn id="24" dur="500"/>
+                                        <p:cTn id="21" dur="500"/>
                                         <p:tgtEl>
                                           <p:spTgt spid="1026"/>
                                         </p:tgtEl>
@@ -6923,13 +6806,8 @@
           <a:p>
             <a:r>
               <a:rPr lang="hu-HU" dirty="0"/>
-              <a:t>F</a:t>
-            </a:r>
-            <a:r>
-              <a:rPr lang="hu-HU" dirty="0" smtClean="0"/>
-              <a:t>rissítési gyakorisága </a:t>
-            </a:r>
-            <a:endParaRPr lang="hu-HU" dirty="0"/>
+              <a:t>Frissítési gyakorisága </a:t>
+            </a:r>
           </a:p>
         </p:txBody>
       </p:sp>
@@ -6949,41 +6827,51 @@
           <a:lstStyle/>
           <a:p>
             <a:r>
-              <a:rPr lang="hu-HU" dirty="0" smtClean="0"/>
-              <a:t>60hz-max 60fps</a:t>
-            </a:r>
-          </a:p>
-          <a:p>
-            <a:r>
-              <a:rPr lang="hu-HU" dirty="0" smtClean="0"/>
+              <a:rPr lang="hu-HU" dirty="0"/>
+              <a:t>60hz</a:t>
+            </a:r>
+          </a:p>
+          <a:p>
+            <a:r>
+              <a:rPr lang="hu-HU" dirty="0"/>
+              <a:t>75hz</a:t>
+            </a:r>
+          </a:p>
+          <a:p>
+            <a:r>
+              <a:rPr lang="hu-HU" dirty="0"/>
+              <a:t>120hz</a:t>
+            </a:r>
+          </a:p>
+          <a:p>
+            <a:r>
+              <a:rPr lang="hu-HU" dirty="0"/>
               <a:t>144hz</a:t>
             </a:r>
           </a:p>
           <a:p>
             <a:r>
-              <a:rPr lang="hu-HU" dirty="0" smtClean="0"/>
+              <a:rPr lang="hu-HU" dirty="0"/>
               <a:t>165hz</a:t>
             </a:r>
           </a:p>
           <a:p>
             <a:r>
-              <a:rPr lang="hu-HU" dirty="0" smtClean="0"/>
+              <a:rPr lang="hu-HU" dirty="0"/>
               <a:t>240hz</a:t>
             </a:r>
           </a:p>
           <a:p>
             <a:r>
-              <a:rPr lang="hu-HU" dirty="0" smtClean="0"/>
+              <a:rPr lang="hu-HU" dirty="0"/>
               <a:t>360hz</a:t>
             </a:r>
-            <a:endParaRPr lang="hu-HU" dirty="0"/>
-          </a:p>
-          <a:p>
-            <a:r>
-              <a:rPr lang="hu-HU" dirty="0" smtClean="0"/>
+          </a:p>
+          <a:p>
+            <a:r>
+              <a:rPr lang="hu-HU" dirty="0"/>
               <a:t>500hz</a:t>
             </a:r>
-            <a:endParaRPr lang="hu-HU" dirty="0"/>
           </a:p>
         </p:txBody>
       </p:sp>
@@ -7305,6 +7193,92 @@
                                   </p:childTnLst>
                                 </p:cTn>
                               </p:par>
+                              <p:par>
+                                <p:cTn id="23" presetID="10" presetClass="entr" presetSubtype="0" fill="hold" grpId="0" nodeType="withEffect">
+                                  <p:stCondLst>
+                                    <p:cond delay="0"/>
+                                  </p:stCondLst>
+                                  <p:childTnLst>
+                                    <p:set>
+                                      <p:cBhvr>
+                                        <p:cTn id="24" dur="1" fill="hold">
+                                          <p:stCondLst>
+                                            <p:cond delay="0"/>
+                                          </p:stCondLst>
+                                        </p:cTn>
+                                        <p:tgtEl>
+                                          <p:spTgt spid="3">
+                                            <p:txEl>
+                                              <p:pRg st="6" end="6"/>
+                                            </p:txEl>
+                                          </p:spTgt>
+                                        </p:tgtEl>
+                                        <p:attrNameLst>
+                                          <p:attrName>style.visibility</p:attrName>
+                                        </p:attrNameLst>
+                                      </p:cBhvr>
+                                      <p:to>
+                                        <p:strVal val="visible"/>
+                                      </p:to>
+                                    </p:set>
+                                    <p:animEffect transition="in" filter="fade">
+                                      <p:cBhvr>
+                                        <p:cTn id="25" dur="500"/>
+                                        <p:tgtEl>
+                                          <p:spTgt spid="3">
+                                            <p:txEl>
+                                              <p:pRg st="6" end="6"/>
+                                            </p:txEl>
+                                          </p:spTgt>
+                                        </p:tgtEl>
+                                      </p:cBhvr>
+                                    </p:animEffect>
+                                  </p:childTnLst>
+                                </p:cTn>
+                              </p:par>
+                              <p:par>
+                                <p:cTn id="26" presetID="10" presetClass="entr" presetSubtype="0" fill="hold" grpId="0" nodeType="withEffect">
+                                  <p:stCondLst>
+                                    <p:cond delay="0"/>
+                                  </p:stCondLst>
+                                  <p:childTnLst>
+                                    <p:set>
+                                      <p:cBhvr>
+                                        <p:cTn id="27" dur="1" fill="hold">
+                                          <p:stCondLst>
+                                            <p:cond delay="0"/>
+                                          </p:stCondLst>
+                                        </p:cTn>
+                                        <p:tgtEl>
+                                          <p:spTgt spid="3">
+                                            <p:txEl>
+                                              <p:pRg st="7" end="7"/>
+                                            </p:txEl>
+                                          </p:spTgt>
+                                        </p:tgtEl>
+                                        <p:attrNameLst>
+                                          <p:attrName>style.visibility</p:attrName>
+                                        </p:attrNameLst>
+                                      </p:cBhvr>
+                                      <p:to>
+                                        <p:strVal val="visible"/>
+                                      </p:to>
+                                    </p:set>
+                                    <p:animEffect transition="in" filter="fade">
+                                      <p:cBhvr>
+                                        <p:cTn id="28" dur="500"/>
+                                        <p:tgtEl>
+                                          <p:spTgt spid="3">
+                                            <p:txEl>
+                                              <p:pRg st="7" end="7"/>
+                                            </p:txEl>
+                                          </p:spTgt>
+                                        </p:tgtEl>
+                                      </p:cBhvr>
+                                    </p:animEffect>
+                                  </p:childTnLst>
+                                </p:cTn>
+                              </p:par>
                             </p:childTnLst>
                           </p:cTn>
                         </p:par>
@@ -7312,26 +7286,26 @@
                     </p:cTn>
                   </p:par>
                   <p:par>
-                    <p:cTn id="23" fill="hold">
+                    <p:cTn id="29" fill="hold">
                       <p:stCondLst>
                         <p:cond delay="indefinite"/>
                       </p:stCondLst>
                       <p:childTnLst>
                         <p:par>
-                          <p:cTn id="24" fill="hold">
+                          <p:cTn id="30" fill="hold">
                             <p:stCondLst>
                               <p:cond delay="0"/>
                             </p:stCondLst>
                             <p:childTnLst>
                               <p:par>
-                                <p:cTn id="25" presetID="10" presetClass="entr" presetSubtype="0" fill="hold" nodeType="clickEffect">
+                                <p:cTn id="31" presetID="10" presetClass="entr" presetSubtype="0" fill="hold" nodeType="clickEffect">
                                   <p:stCondLst>
                                     <p:cond delay="0"/>
                                   </p:stCondLst>
                                   <p:childTnLst>
                                     <p:set>
                                       <p:cBhvr>
-                                        <p:cTn id="26" dur="1" fill="hold">
+                                        <p:cTn id="32" dur="1" fill="hold">
                                           <p:stCondLst>
                                             <p:cond delay="0"/>
                                           </p:stCondLst>
@@ -7349,7 +7323,7 @@
                                     </p:set>
                                     <p:animEffect transition="in" filter="fade">
                                       <p:cBhvr>
-                                        <p:cTn id="27" dur="500"/>
+                                        <p:cTn id="33" dur="500"/>
                                         <p:tgtEl>
                                           <p:spTgt spid="4"/>
                                         </p:tgtEl>
@@ -7425,10 +7399,9 @@
           <a:lstStyle/>
           <a:p>
             <a:r>
-              <a:rPr lang="hu-HU" dirty="0" smtClean="0"/>
+              <a:rPr lang="hu-HU" dirty="0"/>
               <a:t>Felbontások</a:t>
             </a:r>
-            <a:endParaRPr lang="hu-HU" dirty="0"/>
           </a:p>
         </p:txBody>
       </p:sp>
@@ -7448,26 +7421,26 @@
           <a:lstStyle/>
           <a:p>
             <a:r>
-              <a:rPr lang="hu-HU" dirty="0" smtClean="0"/>
-              <a:t>1080p	(1920x1080px)</a:t>
-            </a:r>
-          </a:p>
-          <a:p>
-            <a:r>
-              <a:rPr lang="hu-HU" dirty="0" smtClean="0"/>
-              <a:t>1440p	(2560x1440px)</a:t>
-            </a:r>
-          </a:p>
-          <a:p>
-            <a:r>
-              <a:rPr lang="hu-HU" dirty="0" smtClean="0"/>
-              <a:t>4k		(3840x2160px)</a:t>
-            </a:r>
-          </a:p>
-          <a:p>
-            <a:r>
-              <a:rPr lang="hu-HU" dirty="0" smtClean="0"/>
-              <a:t>8k		(7680x4320px)</a:t>
+              <a:rPr lang="hu-HU" dirty="0"/>
+              <a:t>1080p FULLHD	(1920x1080px)</a:t>
+            </a:r>
+          </a:p>
+          <a:p>
+            <a:r>
+              <a:rPr lang="hu-HU" dirty="0"/>
+              <a:t>1440p	QHD	(2560x1440px)</a:t>
+            </a:r>
+          </a:p>
+          <a:p>
+            <a:r>
+              <a:rPr lang="hu-HU" dirty="0"/>
+              <a:t>4k	UHD		(3840x2160px)</a:t>
+            </a:r>
+          </a:p>
+          <a:p>
+            <a:r>
+              <a:rPr lang="hu-HU" dirty="0"/>
+              <a:t>8k	UHD		(7680x4320px)</a:t>
             </a:r>
           </a:p>
           <a:p>
@@ -7848,15 +7821,7 @@
           <a:p>
             <a:r>
               <a:rPr lang="hu-HU" dirty="0"/>
-              <a:t>V</a:t>
-            </a:r>
-            <a:r>
-              <a:rPr lang="hu-HU" dirty="0" smtClean="0"/>
-              <a:t>áltozó </a:t>
-            </a:r>
-            <a:r>
-              <a:rPr lang="hu-HU" dirty="0"/>
-              <a:t>frissítési gyakoriság</a:t>
+              <a:t>Változó frissítési gyakoriság</a:t>
             </a:r>
           </a:p>
         </p:txBody>
@@ -7878,35 +7843,45 @@
           </a:bodyPr>
           <a:lstStyle/>
           <a:p>
-            <a:r>
-              <a:rPr lang="hu-HU" dirty="0" smtClean="0"/>
+            <a:pPr marL="0" indent="0">
+              <a:buNone/>
+            </a:pPr>
+            <a:r>
+              <a:rPr lang="hu-HU" dirty="0"/>
+              <a:t>Képszakadás megakadályozása</a:t>
+            </a:r>
+          </a:p>
+          <a:p>
+            <a:r>
+              <a:rPr lang="hu-HU" dirty="0"/>
               <a:t>V-</a:t>
             </a:r>
             <a:r>
-              <a:rPr lang="hu-HU" dirty="0" err="1" smtClean="0"/>
+              <a:rPr lang="hu-HU" dirty="0" err="1"/>
               <a:t>sync</a:t>
             </a:r>
-            <a:endParaRPr lang="hu-HU" dirty="0" smtClean="0"/>
-          </a:p>
-          <a:p>
-            <a:endParaRPr lang="hu-HU" dirty="0" smtClean="0"/>
-          </a:p>
-          <a:p>
             <a:endParaRPr lang="hu-HU" dirty="0"/>
           </a:p>
           <a:p>
-            <a:r>
-              <a:rPr lang="hu-HU" dirty="0" smtClean="0"/>
-              <a:t>G-sync</a:t>
-            </a:r>
-            <a:r>
-              <a:rPr lang="hu-HU" dirty="0" smtClean="0">
+            <a:endParaRPr lang="hu-HU" dirty="0"/>
+          </a:p>
+          <a:p>
+            <a:r>
+              <a:rPr lang="hu-HU" dirty="0"/>
+              <a:t>G-</a:t>
+            </a:r>
+            <a:r>
+              <a:rPr lang="hu-HU" dirty="0" err="1"/>
+              <a:t>sync</a:t>
+            </a:r>
+            <a:r>
+              <a:rPr lang="hu-HU" dirty="0">
                 <a:sym typeface="Wingdings" panose="05000000000000000000" pitchFamily="2" charset="2"/>
               </a:rPr>
-              <a:t></a:t>
-            </a:r>
-            <a:r>
-              <a:rPr lang="hu-HU" dirty="0" smtClean="0"/>
+              <a:t>-</a:t>
+            </a:r>
+            <a:r>
+              <a:rPr lang="hu-HU" dirty="0"/>
               <a:t>Nvidia</a:t>
             </a:r>
           </a:p>
@@ -7914,27 +7889,26 @@
             <a:pPr marL="0" indent="0">
               <a:buNone/>
             </a:pPr>
-            <a:endParaRPr lang="hu-HU" dirty="0" smtClean="0"/>
-          </a:p>
-          <a:p>
-            <a:endParaRPr lang="hu-HU" dirty="0" smtClean="0"/>
-          </a:p>
-          <a:p>
-            <a:r>
-              <a:rPr lang="hu-HU" dirty="0" err="1" smtClean="0"/>
+            <a:endParaRPr lang="hu-HU" dirty="0"/>
+          </a:p>
+          <a:p>
+            <a:endParaRPr lang="hu-HU" dirty="0"/>
+          </a:p>
+          <a:p>
+            <a:r>
+              <a:rPr lang="hu-HU" dirty="0" err="1"/>
               <a:t>Freesync</a:t>
             </a:r>
             <a:r>
-              <a:rPr lang="hu-HU" dirty="0" err="1" smtClean="0">
+              <a:rPr lang="hu-HU" dirty="0">
                 <a:sym typeface="Wingdings" panose="05000000000000000000" pitchFamily="2" charset="2"/>
               </a:rPr>
-              <a:t></a:t>
-            </a:r>
-            <a:r>
-              <a:rPr lang="hu-HU" dirty="0" err="1" smtClean="0"/>
+              <a:t>-</a:t>
+            </a:r>
+            <a:r>
+              <a:rPr lang="hu-HU" dirty="0"/>
               <a:t>AMD</a:t>
             </a:r>
-            <a:endParaRPr lang="hu-HU" dirty="0" smtClean="0"/>
           </a:p>
         </p:txBody>
       </p:sp>
@@ -8068,7 +8042,7 @@
                                         <p:tgtEl>
                                           <p:spTgt spid="3">
                                             <p:txEl>
-                                              <p:pRg st="3" end="3"/>
+                                              <p:pRg st="1" end="1"/>
                                             </p:txEl>
                                           </p:spTgt>
                                         </p:tgtEl>
@@ -8086,7 +8060,7 @@
                                         <p:tgtEl>
                                           <p:spTgt spid="3">
                                             <p:txEl>
-                                              <p:pRg st="3" end="3"/>
+                                              <p:pRg st="1" end="1"/>
                                             </p:txEl>
                                           </p:spTgt>
                                         </p:tgtEl>
@@ -8111,6 +8085,49 @@
                                         <p:tgtEl>
                                           <p:spTgt spid="3">
                                             <p:txEl>
+                                              <p:pRg st="3" end="3"/>
+                                            </p:txEl>
+                                          </p:spTgt>
+                                        </p:tgtEl>
+                                        <p:attrNameLst>
+                                          <p:attrName>style.visibility</p:attrName>
+                                        </p:attrNameLst>
+                                      </p:cBhvr>
+                                      <p:to>
+                                        <p:strVal val="visible"/>
+                                      </p:to>
+                                    </p:set>
+                                    <p:animEffect transition="in" filter="fade">
+                                      <p:cBhvr>
+                                        <p:cTn id="13" dur="500"/>
+                                        <p:tgtEl>
+                                          <p:spTgt spid="3">
+                                            <p:txEl>
+                                              <p:pRg st="3" end="3"/>
+                                            </p:txEl>
+                                          </p:spTgt>
+                                        </p:tgtEl>
+                                      </p:cBhvr>
+                                    </p:animEffect>
+                                  </p:childTnLst>
+                                </p:cTn>
+                              </p:par>
+                              <p:par>
+                                <p:cTn id="14" presetID="10" presetClass="entr" presetSubtype="0" fill="hold" grpId="0" nodeType="withEffect">
+                                  <p:stCondLst>
+                                    <p:cond delay="0"/>
+                                  </p:stCondLst>
+                                  <p:childTnLst>
+                                    <p:set>
+                                      <p:cBhvr>
+                                        <p:cTn id="15" dur="1" fill="hold">
+                                          <p:stCondLst>
+                                            <p:cond delay="0"/>
+                                          </p:stCondLst>
+                                        </p:cTn>
+                                        <p:tgtEl>
+                                          <p:spTgt spid="3">
+                                            <p:txEl>
                                               <p:pRg st="6" end="6"/>
                                             </p:txEl>
                                           </p:spTgt>
@@ -8125,7 +8142,7 @@
                                     </p:set>
                                     <p:animEffect transition="in" filter="fade">
                                       <p:cBhvr>
-                                        <p:cTn id="13" dur="500"/>
+                                        <p:cTn id="16" dur="500"/>
                                         <p:tgtEl>
                                           <p:spTgt spid="3">
                                             <p:txEl>
@@ -8145,26 +8162,26 @@
                     </p:cTn>
                   </p:par>
                   <p:par>
-                    <p:cTn id="14" fill="hold">
+                    <p:cTn id="17" fill="hold">
                       <p:stCondLst>
                         <p:cond delay="indefinite"/>
                       </p:stCondLst>
                       <p:childTnLst>
                         <p:par>
-                          <p:cTn id="15" fill="hold">
+                          <p:cTn id="18" fill="hold">
                             <p:stCondLst>
                               <p:cond delay="0"/>
                             </p:stCondLst>
                             <p:childTnLst>
                               <p:par>
-                                <p:cTn id="16" presetID="10" presetClass="entr" presetSubtype="0" fill="hold" nodeType="clickEffect">
+                                <p:cTn id="19" presetID="10" presetClass="entr" presetSubtype="0" fill="hold" nodeType="clickEffect">
                                   <p:stCondLst>
                                     <p:cond delay="0"/>
                                   </p:stCondLst>
                                   <p:childTnLst>
                                     <p:set>
                                       <p:cBhvr>
-                                        <p:cTn id="17" dur="1" fill="hold">
+                                        <p:cTn id="20" dur="1" fill="hold">
                                           <p:stCondLst>
                                             <p:cond delay="0"/>
                                           </p:stCondLst>
@@ -8182,7 +8199,7 @@
                                     </p:set>
                                     <p:animEffect transition="in" filter="fade">
                                       <p:cBhvr>
-                                        <p:cTn id="18" dur="500"/>
+                                        <p:cTn id="21" dur="500"/>
                                         <p:tgtEl>
                                           <p:spTgt spid="3074"/>
                                         </p:tgtEl>
@@ -8228,6 +8245,30 @@
 <file path=ppt/slides/slide6.xml><?xml version="1.0" encoding="utf-8"?>
 <p:sld xmlns:a="http://schemas.openxmlformats.org/drawingml/2006/main" xmlns:r="http://schemas.openxmlformats.org/officeDocument/2006/relationships" xmlns:p="http://schemas.openxmlformats.org/presentationml/2006/main">
   <p:cSld>
+    <p:bg>
+      <p:bgPr>
+        <a:blipFill rotWithShape="1">
+          <a:blip r:embed="rId2">
+            <a:duotone>
+              <a:schemeClr val="bg2">
+                <a:shade val="69000"/>
+                <a:hueMod val="108000"/>
+                <a:satMod val="164000"/>
+                <a:lumMod val="74000"/>
+              </a:schemeClr>
+              <a:schemeClr val="bg2">
+                <a:tint val="96000"/>
+                <a:hueMod val="88000"/>
+                <a:satMod val="140000"/>
+                <a:lumMod val="132000"/>
+              </a:schemeClr>
+            </a:duotone>
+          </a:blip>
+          <a:stretch/>
+        </a:blipFill>
+        <a:effectLst/>
+      </p:bgPr>
+    </p:bg>
     <p:spTree>
       <p:nvGrpSpPr>
         <p:cNvPr id="1" name=""/>
@@ -8252,9 +8293,16 @@
             <p:ph type="title"/>
           </p:nvPr>
         </p:nvSpPr>
-        <p:spPr/>
-        <p:txBody>
-          <a:bodyPr/>
+        <p:spPr>
+          <a:xfrm>
+            <a:off x="646111" y="609601"/>
+            <a:ext cx="4793473" cy="1675975"/>
+          </a:xfrm>
+        </p:spPr>
+        <p:txBody>
+          <a:bodyPr>
+            <a:normAutofit/>
+          </a:bodyPr>
           <a:lstStyle/>
           <a:p>
             <a:r>
@@ -8264,127 +8312,21 @@
           </a:p>
         </p:txBody>
       </p:sp>
-      <p:sp>
-        <p:nvSpPr>
-          <p:cNvPr id="3" name="Tartalom helye 2"/>
-          <p:cNvSpPr>
-            <a:spLocks noGrp="1"/>
-          </p:cNvSpPr>
-          <p:nvPr>
-            <p:ph idx="1"/>
-          </p:nvPr>
-        </p:nvSpPr>
-        <p:spPr/>
-        <p:txBody>
-          <a:bodyPr/>
-          <a:lstStyle/>
-          <a:p>
-            <a:r>
-              <a:rPr lang="hu-HU" dirty="0" smtClean="0"/>
-              <a:t>USB hub</a:t>
-            </a:r>
-          </a:p>
-          <a:p>
-            <a:r>
-              <a:rPr lang="hu-HU" dirty="0" smtClean="0"/>
-              <a:t>RGB világítás</a:t>
-            </a:r>
-          </a:p>
-          <a:p>
-            <a:r>
-              <a:rPr lang="hu-HU" dirty="0" smtClean="0"/>
-              <a:t>Ívelt kijelző</a:t>
-            </a:r>
-          </a:p>
-          <a:p>
-            <a:r>
-              <a:rPr lang="hu-HU" dirty="0" smtClean="0"/>
-              <a:t>HDR támogatás</a:t>
-            </a:r>
-          </a:p>
-          <a:p>
-            <a:r>
-              <a:rPr lang="hu-HU" dirty="0" smtClean="0"/>
-              <a:t>Hangszóró</a:t>
-            </a:r>
-          </a:p>
-          <a:p>
-            <a:r>
-              <a:rPr lang="hu-HU" dirty="0" smtClean="0"/>
-              <a:t>Különböző </a:t>
-            </a:r>
-            <a:r>
-              <a:rPr lang="hu-HU" dirty="0" err="1" smtClean="0"/>
-              <a:t>profilok,beállítások</a:t>
-            </a:r>
-            <a:endParaRPr lang="hu-HU" dirty="0" smtClean="0"/>
-          </a:p>
-          <a:p>
-            <a:r>
-              <a:rPr lang="hu-HU" dirty="0" smtClean="0"/>
-              <a:t>Állíthatóság</a:t>
-            </a:r>
-            <a:endParaRPr lang="hu-HU" dirty="0" smtClean="0"/>
-          </a:p>
-          <a:p>
-            <a:endParaRPr lang="hu-HU" dirty="0" smtClean="0"/>
-          </a:p>
-          <a:p>
-            <a:endParaRPr lang="hu-HU" dirty="0"/>
-          </a:p>
-        </p:txBody>
-      </p:sp>
       <p:pic>
         <p:nvPicPr>
-          <p:cNvPr id="2050" name="Picture 2" descr="táska Teljesítmény Gladys aoc 27g2u usb hub Fém vonal ékszerek vihar"/>
+          <p:cNvPr id="1026" name="Picture 2" descr="AOC CQ32G3SU Gaming Monitor usb ports - EnosTech.com">
+            <a:extLst>
+              <a:ext uri="{FF2B5EF4-FFF2-40B4-BE49-F238E27FC236}">
+                <a16:creationId xmlns:a16="http://schemas.microsoft.com/office/drawing/2014/main" id="{B58C185E-E92E-5DD2-296E-B613867E9297}"/>
+              </a:ext>
+            </a:extLst>
+          </p:cNvPr>
           <p:cNvPicPr>
             <a:picLocks noChangeAspect="1" noChangeArrowheads="1"/>
           </p:cNvPicPr>
           <p:nvPr/>
         </p:nvPicPr>
-        <p:blipFill>
-          <a:blip r:embed="rId2">
-            <a:extLst>
-              <a:ext uri="{28A0092B-C50C-407E-A947-70E740481C1C}">
-                <a14:useLocalDpi xmlns:a14="http://schemas.microsoft.com/office/drawing/2010/main" val="0"/>
-              </a:ext>
-            </a:extLst>
-          </a:blip>
-          <a:srcRect/>
-          <a:stretch>
-            <a:fillRect/>
-          </a:stretch>
-        </p:blipFill>
-        <p:spPr bwMode="auto">
-          <a:xfrm>
-            <a:off x="5348472" y="1409466"/>
-            <a:ext cx="5715000" cy="1857376"/>
-          </a:xfrm>
-          <a:prstGeom prst="rect">
-            <a:avLst/>
-          </a:prstGeom>
-          <a:ln>
-            <a:noFill/>
-          </a:ln>
-          <a:effectLst>
-            <a:outerShdw blurRad="292100" dist="139700" dir="2700000" algn="tl" rotWithShape="0">
-              <a:srgbClr val="333333">
-                <a:alpha val="65000"/>
-              </a:srgbClr>
-            </a:outerShdw>
-          </a:effectLst>
-          <a:extLst/>
-        </p:spPr>
-      </p:pic>
-      <p:pic>
-        <p:nvPicPr>
-          <p:cNvPr id="2052" name="Picture 4" descr="Samsung now makes ultra-curved monitors for offices as well as gamers - The  Verge"/>
-          <p:cNvPicPr>
-            <a:picLocks noChangeAspect="1" noChangeArrowheads="1"/>
-          </p:cNvPicPr>
-          <p:nvPr/>
-        </p:nvPicPr>
-        <p:blipFill>
+        <p:blipFill rotWithShape="1">
           <a:blip r:embed="rId3">
             <a:extLst>
               <a:ext uri="{28A0092B-C50C-407E-A947-70E740481C1C}">
@@ -8392,50 +8334,210 @@
               </a:ext>
             </a:extLst>
           </a:blip>
-          <a:srcRect/>
-          <a:stretch>
-            <a:fillRect/>
-          </a:stretch>
+          <a:srcRect l="11750" r="7967" b="-1"/>
+          <a:stretch/>
         </p:blipFill>
         <p:spPr bwMode="auto">
           <a:xfrm>
-            <a:off x="6074443" y="3590691"/>
-            <a:ext cx="3975410" cy="2981557"/>
+            <a:off x="6094412" y="755052"/>
+            <a:ext cx="5449888" cy="2766290"/>
           </a:xfrm>
-          <a:prstGeom prst="snip2DiagRect">
+          <a:prstGeom prst="rect">
+            <a:avLst/>
+          </a:prstGeom>
+          <a:noFill/>
+          <a:effectLst>
+            <a:outerShdw blurRad="50800" dist="38100" dir="5400000" algn="t" rotWithShape="0">
+              <a:prstClr val="black">
+                <a:alpha val="43000"/>
+              </a:prstClr>
+            </a:outerShdw>
+          </a:effectLst>
+          <a:extLst>
+            <a:ext uri="{909E8E84-426E-40DD-AFC4-6F175D3DCCD1}">
+              <a14:hiddenFill xmlns:a14="http://schemas.microsoft.com/office/drawing/2010/main">
+                <a:solidFill>
+                  <a:srgbClr val="FFFFFF"/>
+                </a:solidFill>
+              </a14:hiddenFill>
+            </a:ext>
+          </a:extLst>
+        </p:spPr>
+      </p:pic>
+      <p:sp>
+        <p:nvSpPr>
+          <p:cNvPr id="2064" name="Rectangle 2061">
+            <a:extLst>
+              <a:ext uri="{FF2B5EF4-FFF2-40B4-BE49-F238E27FC236}">
+                <a16:creationId xmlns:a16="http://schemas.microsoft.com/office/drawing/2014/main" id="{AC546BE4-C7A3-4A47-9FA5-0866D5E656B4}"/>
+              </a:ext>
+              <a:ext uri="{C183D7F6-B498-43B3-948B-1728B52AA6E4}">
+                <adec:decorative xmlns:adec="http://schemas.microsoft.com/office/drawing/2017/decorative" val="1"/>
+              </a:ext>
+            </a:extLst>
+          </p:cNvPr>
+          <p:cNvSpPr>
+            <a:spLocks noGrp="1" noRot="1" noChangeAspect="1" noMove="1" noResize="1" noEditPoints="1" noAdjustHandles="1" noChangeArrowheads="1" noChangeShapeType="1" noTextEdit="1"/>
+          </p:cNvSpPr>
+          <p:nvPr>
+            <p:extLst>
+              <p:ext uri="{386F3935-93C4-4BCD-93E2-E3B085C9AB24}">
+                <p16:designElem xmlns:p16="http://schemas.microsoft.com/office/powerpoint/2015/main" val="1"/>
+              </p:ext>
+            </p:extLst>
+          </p:nvPr>
+        </p:nvSpPr>
+        <p:spPr>
+          <a:xfrm>
+            <a:off x="10437812" y="0"/>
+            <a:ext cx="685800" cy="1143000"/>
+          </a:xfrm>
+          <a:prstGeom prst="rect">
             <a:avLst/>
           </a:prstGeom>
           <a:solidFill>
-            <a:srgbClr val="FFFFFF">
-              <a:shade val="85000"/>
-            </a:srgbClr>
+            <a:schemeClr val="accent1"/>
           </a:solidFill>
-          <a:ln w="88900" cap="sq">
-            <a:solidFill>
-              <a:srgbClr val="FFFFFF"/>
-            </a:solidFill>
-            <a:miter lim="800000"/>
+          <a:ln>
+            <a:noFill/>
           </a:ln>
+        </p:spPr>
+        <p:style>
+          <a:lnRef idx="1">
+            <a:schemeClr val="accent1"/>
+          </a:lnRef>
+          <a:fillRef idx="3">
+            <a:schemeClr val="accent1"/>
+          </a:fillRef>
+          <a:effectRef idx="2">
+            <a:schemeClr val="accent1"/>
+          </a:effectRef>
+          <a:fontRef idx="minor">
+            <a:schemeClr val="lt1"/>
+          </a:fontRef>
+        </p:style>
+      </p:sp>
+      <p:sp>
+        <p:nvSpPr>
+          <p:cNvPr id="3" name="Tartalom helye 2"/>
+          <p:cNvSpPr>
+            <a:spLocks noGrp="1"/>
+          </p:cNvSpPr>
+          <p:nvPr>
+            <p:ph idx="1"/>
+          </p:nvPr>
+        </p:nvSpPr>
+        <p:spPr>
+          <a:xfrm>
+            <a:off x="646111" y="2285576"/>
+            <a:ext cx="4799145" cy="3763855"/>
+          </a:xfrm>
+        </p:spPr>
+        <p:txBody>
+          <a:bodyPr>
+            <a:normAutofit/>
+          </a:bodyPr>
+          <a:lstStyle/>
+          <a:p>
+            <a:r>
+              <a:rPr lang="hu-HU" dirty="0"/>
+              <a:t>USB hub</a:t>
+            </a:r>
+          </a:p>
+          <a:p>
+            <a:r>
+              <a:rPr lang="hu-HU" dirty="0"/>
+              <a:t>RGB világítás</a:t>
+            </a:r>
+          </a:p>
+          <a:p>
+            <a:r>
+              <a:rPr lang="hu-HU" dirty="0"/>
+              <a:t>Ívelt kijelző</a:t>
+            </a:r>
+          </a:p>
+          <a:p>
+            <a:r>
+              <a:rPr lang="hu-HU" dirty="0"/>
+              <a:t>HDR támogatás</a:t>
+            </a:r>
+          </a:p>
+          <a:p>
+            <a:r>
+              <a:rPr lang="hu-HU" dirty="0"/>
+              <a:t>Hangszóró</a:t>
+            </a:r>
+          </a:p>
+          <a:p>
+            <a:r>
+              <a:rPr lang="hu-HU" dirty="0"/>
+              <a:t>Különböző profilok, beállítások</a:t>
+            </a:r>
+          </a:p>
+          <a:p>
+            <a:r>
+              <a:rPr lang="hu-HU" dirty="0"/>
+              <a:t>Állíthatóság</a:t>
+            </a:r>
+          </a:p>
+          <a:p>
+            <a:endParaRPr lang="hu-HU" dirty="0"/>
+          </a:p>
+          <a:p>
+            <a:endParaRPr lang="hu-HU" dirty="0"/>
+          </a:p>
+        </p:txBody>
+      </p:sp>
+      <p:pic>
+        <p:nvPicPr>
+          <p:cNvPr id="1028" name="Picture 4" descr="The most outstanding curved monitors you can buy for your home office »  Gadget Flow">
+            <a:extLst>
+              <a:ext uri="{FF2B5EF4-FFF2-40B4-BE49-F238E27FC236}">
+                <a16:creationId xmlns:a16="http://schemas.microsoft.com/office/drawing/2014/main" id="{80856DAE-5BE4-4D0E-9DE4-CC75AE12E45F}"/>
+              </a:ext>
+            </a:extLst>
+          </p:cNvPr>
+          <p:cNvPicPr>
+            <a:picLocks noChangeAspect="1" noChangeArrowheads="1"/>
+          </p:cNvPicPr>
+          <p:nvPr/>
+        </p:nvPicPr>
+        <p:blipFill rotWithShape="1">
+          <a:blip r:embed="rId4">
+            <a:extLst>
+              <a:ext uri="{28A0092B-C50C-407E-A947-70E740481C1C}">
+                <a14:useLocalDpi xmlns:a14="http://schemas.microsoft.com/office/drawing/2010/main" val="0"/>
+              </a:ext>
+            </a:extLst>
+          </a:blip>
+          <a:srcRect r="2" b="9764"/>
+          <a:stretch/>
+        </p:blipFill>
+        <p:spPr bwMode="auto">
+          <a:xfrm>
+            <a:off x="6094412" y="3705844"/>
+            <a:ext cx="5449888" cy="2766290"/>
+          </a:xfrm>
+          <a:prstGeom prst="rect">
+            <a:avLst/>
+          </a:prstGeom>
+          <a:noFill/>
           <a:effectLst>
-            <a:outerShdw blurRad="88900" algn="tl" rotWithShape="0">
-              <a:srgbClr val="000000">
-                <a:alpha val="45000"/>
-              </a:srgbClr>
+            <a:outerShdw blurRad="50800" dist="38100" dir="5400000" algn="t" rotWithShape="0">
+              <a:prstClr val="black">
+                <a:alpha val="43000"/>
+              </a:prstClr>
             </a:outerShdw>
           </a:effectLst>
-          <a:scene3d>
-            <a:camera prst="orthographicFront"/>
-            <a:lightRig rig="twoPt" dir="t">
-              <a:rot lat="0" lon="0" rev="7200000"/>
-            </a:lightRig>
-          </a:scene3d>
-          <a:sp3d>
-            <a:bevelT w="25400" h="19050"/>
-            <a:contourClr>
-              <a:srgbClr val="FFFFFF"/>
-            </a:contourClr>
-          </a:sp3d>
-          <a:extLst/>
+          <a:extLst>
+            <a:ext uri="{909E8E84-426E-40DD-AFC4-6F175D3DCCD1}">
+              <a14:hiddenFill xmlns:a14="http://schemas.microsoft.com/office/drawing/2010/main">
+                <a:solidFill>
+                  <a:srgbClr val="FFFFFF"/>
+                </a:solidFill>
+              </a14:hiddenFill>
+            </a:ext>
+          </a:extLst>
         </p:spPr>
       </p:pic>
     </p:spTree>
@@ -8801,7 +8903,7 @@
                                           </p:stCondLst>
                                         </p:cTn>
                                         <p:tgtEl>
-                                          <p:spTgt spid="2050"/>
+                                          <p:spTgt spid="1026"/>
                                         </p:tgtEl>
                                         <p:attrNameLst>
                                           <p:attrName>style.visibility</p:attrName>
@@ -8815,28 +8917,46 @@
                                       <p:cBhvr>
                                         <p:cTn id="30" dur="500"/>
                                         <p:tgtEl>
-                                          <p:spTgt spid="2050"/>
+                                          <p:spTgt spid="1026"/>
                                         </p:tgtEl>
                                       </p:cBhvr>
                                     </p:animEffect>
                                   </p:childTnLst>
                                 </p:cTn>
                               </p:par>
+                            </p:childTnLst>
+                          </p:cTn>
+                        </p:par>
+                      </p:childTnLst>
+                    </p:cTn>
+                  </p:par>
+                  <p:par>
+                    <p:cTn id="31" fill="hold">
+                      <p:stCondLst>
+                        <p:cond delay="indefinite"/>
+                      </p:stCondLst>
+                      <p:childTnLst>
+                        <p:par>
+                          <p:cTn id="32" fill="hold">
+                            <p:stCondLst>
+                              <p:cond delay="0"/>
+                            </p:stCondLst>
+                            <p:childTnLst>
                               <p:par>
-                                <p:cTn id="31" presetID="10" presetClass="entr" presetSubtype="0" fill="hold" nodeType="withEffect">
+                                <p:cTn id="33" presetID="1" presetClass="entr" presetSubtype="0" fill="hold" nodeType="clickEffect">
                                   <p:stCondLst>
                                     <p:cond delay="0"/>
                                   </p:stCondLst>
                                   <p:childTnLst>
                                     <p:set>
                                       <p:cBhvr>
-                                        <p:cTn id="32" dur="1" fill="hold">
+                                        <p:cTn id="34" dur="1" fill="hold">
                                           <p:stCondLst>
                                             <p:cond delay="0"/>
                                           </p:stCondLst>
                                         </p:cTn>
                                         <p:tgtEl>
-                                          <p:spTgt spid="2052"/>
+                                          <p:spTgt spid="1028"/>
                                         </p:tgtEl>
                                         <p:attrNameLst>
                                           <p:attrName>style.visibility</p:attrName>
@@ -8846,14 +8966,6 @@
                                         <p:strVal val="visible"/>
                                       </p:to>
                                     </p:set>
-                                    <p:animEffect transition="in" filter="fade">
-                                      <p:cBhvr>
-                                        <p:cTn id="33" dur="500"/>
-                                        <p:tgtEl>
-                                          <p:spTgt spid="2052"/>
-                                        </p:tgtEl>
-                                      </p:cBhvr>
-                                    </p:animEffect>
                                   </p:childTnLst>
                                 </p:cTn>
                               </p:par>
@@ -8924,10 +9036,9 @@
           <a:lstStyle/>
           <a:p>
             <a:r>
-              <a:rPr lang="hu-HU" dirty="0" smtClean="0"/>
+              <a:rPr lang="hu-HU" dirty="0"/>
               <a:t>Források</a:t>
             </a:r>
-            <a:endParaRPr lang="hu-HU" dirty="0"/>
           </a:p>
         </p:txBody>
       </p:sp>
@@ -8950,33 +9061,57 @@
               <a:rPr lang="hu-HU" dirty="0">
                 <a:hlinkClick r:id="rId2"/>
               </a:rPr>
-              <a:t>https://polymoa.wordpress.com/2019/02/08/169-resolutions-chart</a:t>
-            </a:r>
-            <a:r>
-              <a:rPr lang="hu-HU" dirty="0" smtClean="0">
-                <a:hlinkClick r:id="rId2"/>
-              </a:rPr>
-              <a:t>/</a:t>
-            </a:r>
-            <a:endParaRPr lang="hu-HU" dirty="0" smtClean="0"/>
+              <a:t>https://polymoa.wordpress.com/2019/02/08/169-resolutions-chart/</a:t>
+            </a:r>
+            <a:endParaRPr lang="hu-HU" dirty="0"/>
           </a:p>
           <a:p>
             <a:r>
               <a:rPr lang="hu-HU" dirty="0">
                 <a:hlinkClick r:id="rId3"/>
               </a:rPr>
-              <a:t>https://www.pcgamer.com/asus-rog-swift-500hz-gaming-monitor</a:t>
-            </a:r>
-            <a:r>
-              <a:rPr lang="hu-HU" dirty="0" smtClean="0">
-                <a:hlinkClick r:id="rId3"/>
+              <a:t>https://www.pcgamer.com/asus-rog-swift-500hz-gaming-monitor/</a:t>
+            </a:r>
+            <a:endParaRPr lang="hu-HU" dirty="0"/>
+          </a:p>
+          <a:p>
+            <a:r>
+              <a:rPr lang="hu-HU" dirty="0">
+                <a:hlinkClick r:id="rId4"/>
               </a:rPr>
-              <a:t>/</a:t>
-            </a:r>
-            <a:endParaRPr lang="hu-HU" dirty="0" smtClean="0"/>
-          </a:p>
-          <a:p>
-            <a:endParaRPr lang="hu-HU" dirty="0" smtClean="0"/>
+              <a:t>https://www.enostech.com/wp-content/uploads/2021/09/AOC-CQ32G3SU-Gaming-Monitor-usb-ports.jpg</a:t>
+            </a:r>
+            <a:endParaRPr lang="hu-HU" dirty="0"/>
+          </a:p>
+          <a:p>
+            <a:r>
+              <a:rPr lang="hu-HU" dirty="0">
+                <a:hlinkClick r:id="rId5"/>
+              </a:rPr>
+              <a:t>https://thegadgetflow.com/wp-content/uploads/2021/12/Odyssey-G9-4-01-1200x675.jpeg</a:t>
+            </a:r>
+            <a:endParaRPr lang="hu-HU" dirty="0"/>
+          </a:p>
+          <a:p>
+            <a:r>
+              <a:rPr lang="hu-HU" dirty="0">
+                <a:hlinkClick r:id="rId6"/>
+              </a:rPr>
+              <a:t>https://computerfactory.cdn.shoprenter.hu/custom/computerfactory/image/cache/w870h530/Blog/Display-Comparison-between-IPS-VA-and-TN-panel.jpg?lastmod=0.1632004194</a:t>
+            </a:r>
+            <a:endParaRPr lang="hu-HU" dirty="0"/>
+          </a:p>
+          <a:p>
+            <a:endParaRPr lang="hu-HU" dirty="0"/>
+          </a:p>
+          <a:p>
+            <a:endParaRPr lang="hu-HU" dirty="0"/>
+          </a:p>
+          <a:p>
+            <a:endParaRPr lang="hu-HU" dirty="0"/>
+          </a:p>
+          <a:p>
+            <a:endParaRPr lang="hu-HU" dirty="0"/>
           </a:p>
         </p:txBody>
       </p:sp>
@@ -8990,13 +9125,6 @@
   <p:clrMapOvr>
     <a:masterClrMapping/>
   </p:clrMapOvr>
-  <p:timing>
-    <p:tnLst>
-      <p:par>
-        <p:cTn id="1" dur="indefinite" restart="never" nodeType="tmRoot"/>
-      </p:par>
-    </p:tnLst>
-  </p:timing>
 </p:sld>
 </file>
 
@@ -9040,10 +9168,9 @@
           <a:lstStyle/>
           <a:p>
             <a:r>
-              <a:rPr lang="hu-HU" sz="4000" dirty="0" smtClean="0"/>
+              <a:rPr lang="hu-HU" sz="4000" dirty="0"/>
               <a:t>Köszönöm a figyelmet!</a:t>
             </a:r>
-            <a:endParaRPr lang="hu-HU" sz="4000" dirty="0"/>
           </a:p>
         </p:txBody>
       </p:sp>
@@ -9057,13 +9184,6 @@
   <p:clrMapOvr>
     <a:masterClrMapping/>
   </p:clrMapOvr>
-  <p:timing>
-    <p:tnLst>
-      <p:par>
-        <p:cTn id="1" dur="indefinite" restart="never" nodeType="tmRoot"/>
-      </p:par>
-    </p:tnLst>
-  </p:timing>
 </p:sld>
 </file>
 
